--- a/04Connect.pptx
+++ b/04Connect.pptx
@@ -5,34 +5,42 @@
     <p:sldMasterId id="2147484086" r:id="rId1"/>
   </p:sldMasterIdLst>
   <p:notesMasterIdLst>
-    <p:notesMasterId r:id="rId24"/>
+    <p:notesMasterId r:id="rId32"/>
   </p:notesMasterIdLst>
   <p:handoutMasterIdLst>
-    <p:handoutMasterId r:id="rId25"/>
+    <p:handoutMasterId r:id="rId33"/>
   </p:handoutMasterIdLst>
   <p:sldIdLst>
     <p:sldId id="311" r:id="rId2"/>
     <p:sldId id="282" r:id="rId3"/>
     <p:sldId id="289" r:id="rId4"/>
-    <p:sldId id="314" r:id="rId5"/>
-    <p:sldId id="290" r:id="rId6"/>
-    <p:sldId id="319" r:id="rId7"/>
-    <p:sldId id="301" r:id="rId8"/>
-    <p:sldId id="320" r:id="rId9"/>
-    <p:sldId id="321" r:id="rId10"/>
-    <p:sldId id="317" r:id="rId11"/>
-    <p:sldId id="322" r:id="rId12"/>
-    <p:sldId id="303" r:id="rId13"/>
-    <p:sldId id="323" r:id="rId14"/>
-    <p:sldId id="304" r:id="rId15"/>
-    <p:sldId id="291" r:id="rId16"/>
-    <p:sldId id="310" r:id="rId17"/>
-    <p:sldId id="307" r:id="rId18"/>
-    <p:sldId id="308" r:id="rId19"/>
-    <p:sldId id="318" r:id="rId20"/>
-    <p:sldId id="309" r:id="rId21"/>
-    <p:sldId id="312" r:id="rId22"/>
-    <p:sldId id="313" r:id="rId23"/>
+    <p:sldId id="330" r:id="rId5"/>
+    <p:sldId id="314" r:id="rId6"/>
+    <p:sldId id="324" r:id="rId7"/>
+    <p:sldId id="290" r:id="rId8"/>
+    <p:sldId id="319" r:id="rId9"/>
+    <p:sldId id="301" r:id="rId10"/>
+    <p:sldId id="320" r:id="rId11"/>
+    <p:sldId id="321" r:id="rId12"/>
+    <p:sldId id="325" r:id="rId13"/>
+    <p:sldId id="317" r:id="rId14"/>
+    <p:sldId id="322" r:id="rId15"/>
+    <p:sldId id="326" r:id="rId16"/>
+    <p:sldId id="303" r:id="rId17"/>
+    <p:sldId id="328" r:id="rId18"/>
+    <p:sldId id="329" r:id="rId19"/>
+    <p:sldId id="304" r:id="rId20"/>
+    <p:sldId id="327" r:id="rId21"/>
+    <p:sldId id="331" r:id="rId22"/>
+    <p:sldId id="332" r:id="rId23"/>
+    <p:sldId id="291" r:id="rId24"/>
+    <p:sldId id="310" r:id="rId25"/>
+    <p:sldId id="307" r:id="rId26"/>
+    <p:sldId id="308" r:id="rId27"/>
+    <p:sldId id="318" r:id="rId28"/>
+    <p:sldId id="309" r:id="rId29"/>
+    <p:sldId id="312" r:id="rId30"/>
+    <p:sldId id="313" r:id="rId31"/>
   </p:sldIdLst>
   <p:sldSz cx="9144000" cy="6858000" type="screen4x3"/>
   <p:notesSz cx="7099300" cy="10234613"/>
@@ -1321,7 +1329,7 @@
             </a:ln>
             <a:extLst>
               <a:ext uri="{91240B29-F687-4f45-9708-019B960494DF}">
-                <a14:hiddenLine xmlns:a14="http://schemas.microsoft.com/office/drawing/2010/main" xmlns="" w="9525">
+                <a14:hiddenLine xmlns="" xmlns:a14="http://schemas.microsoft.com/office/drawing/2010/main" w="9525">
                   <a:solidFill>
                     <a:srgbClr val="000000"/>
                   </a:solidFill>
@@ -2417,7 +2425,7 @@
             </a:ln>
             <a:extLst>
               <a:ext uri="{91240B29-F687-4f45-9708-019B960494DF}">
-                <a14:hiddenLine xmlns:a14="http://schemas.microsoft.com/office/drawing/2010/main" xmlns="" w="9525">
+                <a14:hiddenLine xmlns="" xmlns:a14="http://schemas.microsoft.com/office/drawing/2010/main" w="9525">
                   <a:solidFill>
                     <a:srgbClr val="000000"/>
                   </a:solidFill>
@@ -3520,7 +3528,7 @@
             </a:ln>
             <a:extLst>
               <a:ext uri="{91240B29-F687-4f45-9708-019B960494DF}">
-                <a14:hiddenLine xmlns:a14="http://schemas.microsoft.com/office/drawing/2010/main" xmlns="" w="9525">
+                <a14:hiddenLine xmlns="" xmlns:a14="http://schemas.microsoft.com/office/drawing/2010/main" w="9525">
                   <a:solidFill>
                     <a:srgbClr val="000000"/>
                   </a:solidFill>
@@ -4498,7 +4506,7 @@
             </a:ln>
             <a:extLst>
               <a:ext uri="{91240B29-F687-4f45-9708-019B960494DF}">
-                <a14:hiddenLine xmlns:a14="http://schemas.microsoft.com/office/drawing/2010/main" xmlns="" w="9525">
+                <a14:hiddenLine xmlns="" xmlns:a14="http://schemas.microsoft.com/office/drawing/2010/main" w="9525">
                   <a:solidFill>
                     <a:srgbClr val="000000"/>
                   </a:solidFill>
@@ -5630,7 +5638,7 @@
             </a:ln>
             <a:extLst>
               <a:ext uri="{91240B29-F687-4f45-9708-019B960494DF}">
-                <a14:hiddenLine xmlns:a14="http://schemas.microsoft.com/office/drawing/2010/main" xmlns="" w="9525">
+                <a14:hiddenLine xmlns="" xmlns:a14="http://schemas.microsoft.com/office/drawing/2010/main" w="9525">
                   <a:solidFill>
                     <a:srgbClr val="000000"/>
                   </a:solidFill>
@@ -8446,7 +8454,7 @@
           </a:ln>
           <a:extLst>
             <a:ext uri="{91240B29-F687-4f45-9708-019B960494DF}">
-              <a14:hiddenLine xmlns:a14="http://schemas.microsoft.com/office/drawing/2010/main" xmlns="" w="9525">
+              <a14:hiddenLine xmlns="" xmlns:a14="http://schemas.microsoft.com/office/drawing/2010/main" w="9525">
                 <a:solidFill>
                   <a:srgbClr val="000000"/>
                 </a:solidFill>
@@ -9651,7 +9659,7 @@
             </a:ln>
             <a:extLst>
               <a:ext uri="{91240B29-F687-4f45-9708-019B960494DF}">
-                <a14:hiddenLine xmlns:a14="http://schemas.microsoft.com/office/drawing/2010/main" xmlns="" w="9525">
+                <a14:hiddenLine xmlns="" xmlns:a14="http://schemas.microsoft.com/office/drawing/2010/main" w="9525">
                   <a:solidFill>
                     <a:srgbClr val="000000"/>
                   </a:solidFill>
@@ -11695,7 +11703,7 @@
             </a:ln>
             <a:extLst>
               <a:ext uri="{91240B29-F687-4f45-9708-019B960494DF}">
-                <a14:hiddenLine xmlns:a14="http://schemas.microsoft.com/office/drawing/2010/main" xmlns="" w="9525">
+                <a14:hiddenLine xmlns="" xmlns:a14="http://schemas.microsoft.com/office/drawing/2010/main" w="9525">
                   <a:solidFill>
                     <a:srgbClr val="000000"/>
                   </a:solidFill>
@@ -12768,7 +12776,7 @@
             </a:ln>
             <a:extLst>
               <a:ext uri="{91240B29-F687-4f45-9708-019B960494DF}">
-                <a14:hiddenLine xmlns:a14="http://schemas.microsoft.com/office/drawing/2010/main" xmlns="" w="9525">
+                <a14:hiddenLine xmlns="" xmlns:a14="http://schemas.microsoft.com/office/drawing/2010/main" w="9525">
                   <a:solidFill>
                     <a:srgbClr val="000000"/>
                   </a:solidFill>
@@ -13833,7 +13841,7 @@
             </a:ln>
             <a:extLst>
               <a:ext uri="{91240B29-F687-4f45-9708-019B960494DF}">
-                <a14:hiddenLine xmlns:a14="http://schemas.microsoft.com/office/drawing/2010/main" xmlns="" w="9525">
+                <a14:hiddenLine xmlns="" xmlns:a14="http://schemas.microsoft.com/office/drawing/2010/main" w="9525">
                   <a:solidFill>
                     <a:srgbClr val="000000"/>
                   </a:solidFill>
@@ -14748,101 +14756,9 @@
           <a:lstStyle/>
           <a:p>
             <a:r>
-              <a:rPr lang="en-NZ" dirty="0"/>
-              <a:t>ADO.NET</a:t>
-            </a:r>
-          </a:p>
-        </p:txBody>
-      </p:sp>
-      <p:sp>
-        <p:nvSpPr>
-          <p:cNvPr id="3" name="Content Placeholder 2"/>
-          <p:cNvSpPr>
-            <a:spLocks noGrp="1"/>
-          </p:cNvSpPr>
-          <p:nvPr>
-            <p:ph idx="1"/>
-          </p:nvPr>
-        </p:nvSpPr>
-        <p:spPr>
-          <a:xfrm>
-            <a:off x="864382" y="2489200"/>
-            <a:ext cx="7700660" cy="3892128"/>
-          </a:xfrm>
-        </p:spPr>
-        <p:txBody>
-          <a:bodyPr>
-            <a:normAutofit/>
-          </a:bodyPr>
-          <a:lstStyle/>
-          <a:p>
-            <a:r>
-              <a:rPr lang="en-NZ" dirty="0"/>
-              <a:t>ADO.NET </a:t>
-            </a:r>
-            <a:r>
-              <a:rPr lang="ru-RU" dirty="0"/>
-              <a:t>это набор компонентов для получения доступа к данным в </a:t>
-            </a:r>
-            <a:r>
-              <a:rPr lang="en-NZ" dirty="0"/>
-              <a:t>.NET framework</a:t>
-            </a:r>
-            <a:endParaRPr lang="ru-RU" dirty="0"/>
-          </a:p>
-          <a:p>
-            <a:pPr marL="0" indent="0">
-              <a:buNone/>
-            </a:pPr>
-            <a:endParaRPr lang="ru-RU" dirty="0"/>
-          </a:p>
-          <a:p>
-            <a:r>
-              <a:rPr lang="ru-RU" dirty="0"/>
-              <a:t>Плюсы:</a:t>
-            </a:r>
-          </a:p>
-          <a:p>
-            <a:pPr lvl="1"/>
-            <a:r>
-              <a:rPr lang="ru-RU" dirty="0"/>
-              <a:t>Гибкая настройка запросов</a:t>
-            </a:r>
-          </a:p>
-          <a:p>
-            <a:pPr lvl="1"/>
-            <a:r>
-              <a:rPr lang="ru-RU" dirty="0"/>
-              <a:t>Лучшая производительность</a:t>
-            </a:r>
-          </a:p>
-          <a:p>
-            <a:pPr lvl="1"/>
-            <a:endParaRPr lang="ru-RU" dirty="0"/>
-          </a:p>
-          <a:p>
-            <a:r>
-              <a:rPr lang="ru-RU" dirty="0"/>
-              <a:t>Минусы:</a:t>
-            </a:r>
-          </a:p>
-          <a:p>
-            <a:pPr lvl="1"/>
-            <a:r>
-              <a:rPr lang="ru-RU" dirty="0" err="1"/>
-              <a:t>Низкоуровневость</a:t>
-            </a:r>
-            <a:endParaRPr lang="ru-RU" dirty="0"/>
-          </a:p>
-          <a:p>
-            <a:pPr lvl="1"/>
-            <a:r>
-              <a:rPr lang="ru-RU" dirty="0"/>
-              <a:t>Нет контроля безопасности</a:t>
-            </a:r>
-          </a:p>
-          <a:p>
-            <a:pPr lvl="1"/>
+              <a:rPr lang="en-US" dirty="0"/>
+              <a:t>Package Manager Console</a:t>
+            </a:r>
             <a:endParaRPr lang="en-NZ" dirty="0"/>
           </a:p>
         </p:txBody>
@@ -14876,10 +14792,34 @@
           </a:p>
         </p:txBody>
       </p:sp>
+      <p:pic>
+        <p:nvPicPr>
+          <p:cNvPr id="5" name="Picture 4"/>
+          <p:cNvPicPr>
+            <a:picLocks noChangeAspect="1"/>
+          </p:cNvPicPr>
+          <p:nvPr/>
+        </p:nvPicPr>
+        <p:blipFill>
+          <a:blip r:embed="rId2"/>
+          <a:stretch>
+            <a:fillRect/>
+          </a:stretch>
+        </p:blipFill>
+        <p:spPr>
+          <a:xfrm>
+            <a:off x="683568" y="2564904"/>
+            <a:ext cx="7786356" cy="3672408"/>
+          </a:xfrm>
+          <a:prstGeom prst="rect">
+            <a:avLst/>
+          </a:prstGeom>
+        </p:spPr>
+      </p:pic>
     </p:spTree>
     <p:extLst>
       <p:ext uri="{BB962C8B-B14F-4D97-AF65-F5344CB8AC3E}">
-        <p14:creationId xmlns:p14="http://schemas.microsoft.com/office/powerpoint/2010/main" val="3674007738"/>
+        <p14:creationId xmlns:p14="http://schemas.microsoft.com/office/powerpoint/2010/main" val="1596753486"/>
       </p:ext>
     </p:extLst>
   </p:cSld>
@@ -14922,12 +14862,12 @@
           <a:lstStyle/>
           <a:p>
             <a:r>
-              <a:rPr lang="ru-RU" dirty="0"/>
-              <a:t>Архитектура </a:t>
+              <a:rPr lang="en-US" dirty="0" err="1"/>
+              <a:t>NuGet</a:t>
             </a:r>
             <a:r>
               <a:rPr lang="en-US" dirty="0"/>
-              <a:t>ADO.NET</a:t>
+              <a:t> Package Manager</a:t>
             </a:r>
             <a:endParaRPr lang="en-NZ" dirty="0"/>
           </a:p>
@@ -14964,7 +14904,7 @@
       </p:sp>
       <p:pic>
         <p:nvPicPr>
-          <p:cNvPr id="5" name="Picture 4"/>
+          <p:cNvPr id="3" name="Picture 2"/>
           <p:cNvPicPr>
             <a:picLocks noChangeAspect="1"/>
           </p:cNvPicPr>
@@ -14978,8 +14918,8 @@
         </p:blipFill>
         <p:spPr>
           <a:xfrm>
-            <a:off x="1573091" y="2492896"/>
-            <a:ext cx="6105525" cy="3448050"/>
+            <a:off x="539552" y="2260646"/>
+            <a:ext cx="7930372" cy="4408714"/>
           </a:xfrm>
           <a:prstGeom prst="rect">
             <a:avLst/>
@@ -14989,7 +14929,7 @@
     </p:spTree>
     <p:extLst>
       <p:ext uri="{BB962C8B-B14F-4D97-AF65-F5344CB8AC3E}">
-        <p14:creationId xmlns:p14="http://schemas.microsoft.com/office/powerpoint/2010/main" val="2277812077"/>
+        <p14:creationId xmlns:p14="http://schemas.microsoft.com/office/powerpoint/2010/main" val="3404539643"/>
       </p:ext>
     </p:extLst>
   </p:cSld>
@@ -15033,7 +14973,7 @@
           <a:p>
             <a:r>
               <a:rPr lang="en-NZ" dirty="0"/>
-              <a:t>Entity Framework</a:t>
+              <a:t>ADO.NET</a:t>
             </a:r>
           </a:p>
         </p:txBody>
@@ -15050,109 +14990,73 @@
         </p:nvSpPr>
         <p:spPr>
           <a:xfrm>
-            <a:off x="865970" y="2489200"/>
-            <a:ext cx="7699072" cy="3530600"/>
+            <a:off x="864382" y="2489200"/>
+            <a:ext cx="7700660" cy="3892128"/>
           </a:xfrm>
         </p:spPr>
         <p:txBody>
           <a:bodyPr>
-            <a:normAutofit fontScale="85000" lnSpcReduction="20000"/>
+            <a:noAutofit/>
           </a:bodyPr>
           <a:lstStyle/>
           <a:p>
             <a:r>
-              <a:rPr lang="en-NZ" dirty="0"/>
-              <a:t>Entity Framework (EF) </a:t>
-            </a:r>
-            <a:r>
-              <a:rPr lang="ru-RU" dirty="0"/>
-              <a:t>это </a:t>
-            </a:r>
-            <a:r>
-              <a:rPr lang="ru-RU" dirty="0" err="1"/>
-              <a:t>опен-сорс</a:t>
-            </a:r>
-            <a:r>
-              <a:rPr lang="ru-RU" dirty="0"/>
-              <a:t> проект для реляционного маппинга объектов над </a:t>
-            </a:r>
-            <a:r>
-              <a:rPr lang="en-NZ" dirty="0"/>
-              <a:t>ADO.NET</a:t>
-            </a:r>
-            <a:endParaRPr lang="ru-RU" dirty="0"/>
-          </a:p>
-          <a:p>
-            <a:pPr marL="0" indent="0">
-              <a:buNone/>
-            </a:pPr>
-            <a:endParaRPr lang="ru-RU" dirty="0"/>
-          </a:p>
-          <a:p>
-            <a:r>
-              <a:rPr lang="ru-RU" dirty="0"/>
-              <a:t>Минусы:</a:t>
-            </a:r>
-          </a:p>
-          <a:p>
-            <a:pPr lvl="1"/>
-            <a:r>
-              <a:rPr lang="ru-RU" dirty="0"/>
-              <a:t>Настройка запросов фреймворком (иногда неоптимальная)</a:t>
-            </a:r>
-          </a:p>
-          <a:p>
-            <a:pPr lvl="1"/>
-            <a:r>
-              <a:rPr lang="ru-RU" dirty="0"/>
-              <a:t>Производительность хуже, чем в </a:t>
-            </a:r>
-            <a:r>
-              <a:rPr lang="en-US" dirty="0"/>
-              <a:t>ADO.NET</a:t>
-            </a:r>
-          </a:p>
-          <a:p>
-            <a:pPr lvl="1"/>
-            <a:r>
-              <a:rPr lang="ru-RU" dirty="0"/>
-              <a:t>Массивная библиотека</a:t>
-            </a:r>
-          </a:p>
-          <a:p>
-            <a:pPr lvl="1"/>
-            <a:endParaRPr lang="ru-RU" dirty="0"/>
-          </a:p>
-          <a:p>
-            <a:r>
-              <a:rPr lang="ru-RU" dirty="0"/>
-              <a:t>Плюсы:</a:t>
-            </a:r>
-          </a:p>
-          <a:p>
-            <a:pPr lvl="1"/>
-            <a:r>
-              <a:rPr lang="ru-RU" dirty="0"/>
-              <a:t>Универсальность</a:t>
-            </a:r>
-          </a:p>
-          <a:p>
-            <a:pPr lvl="1"/>
-            <a:r>
-              <a:rPr lang="ru-RU" dirty="0" err="1"/>
-              <a:t>Высокоуровневость</a:t>
-            </a:r>
-            <a:endParaRPr lang="ru-RU" dirty="0"/>
-          </a:p>
-          <a:p>
-            <a:pPr lvl="1"/>
-            <a:r>
-              <a:rPr lang="ru-RU" dirty="0"/>
-              <a:t>Контроля безопасности</a:t>
-            </a:r>
-          </a:p>
-          <a:p>
-            <a:endParaRPr lang="en-NZ" dirty="0"/>
+              <a:rPr lang="ru-RU" sz="2000" dirty="0"/>
+              <a:t>ADO.NET (</a:t>
+            </a:r>
+            <a:r>
+              <a:rPr lang="ru-RU" sz="2000" dirty="0" err="1"/>
+              <a:t>ActiveX</a:t>
+            </a:r>
+            <a:r>
+              <a:rPr lang="ru-RU" sz="2000" dirty="0"/>
+              <a:t> </a:t>
+            </a:r>
+            <a:r>
+              <a:rPr lang="ru-RU" sz="2000" dirty="0" err="1"/>
+              <a:t>Data</a:t>
+            </a:r>
+            <a:r>
+              <a:rPr lang="ru-RU" sz="2000" dirty="0"/>
+              <a:t> </a:t>
+            </a:r>
+            <a:r>
+              <a:rPr lang="ru-RU" sz="2000" dirty="0" err="1"/>
+              <a:t>Object</a:t>
+            </a:r>
+            <a:r>
+              <a:rPr lang="ru-RU" sz="2000" dirty="0"/>
+              <a:t> для .NET) — технология, предоставляющая доступ к данным для приложений, основанных на </a:t>
+            </a:r>
+            <a:r>
+              <a:rPr lang="ru-RU" sz="2000" dirty="0" err="1"/>
+              <a:t>Microsoft</a:t>
+            </a:r>
+            <a:r>
+              <a:rPr lang="ru-RU" sz="2000" dirty="0"/>
+              <a:t> .NET. </a:t>
+            </a:r>
+          </a:p>
+          <a:p>
+            <a:r>
+              <a:rPr lang="ru-RU" sz="2000" dirty="0"/>
+              <a:t>Является не развитием более ранней технологии ADO, а самостоятельной технологией, частью фреймворка .NET. </a:t>
+            </a:r>
+          </a:p>
+          <a:p>
+            <a:r>
+              <a:rPr lang="ru-RU" sz="2000" dirty="0"/>
+              <a:t>В отличие от классической ADO, которая была в основном предназначена для тесно связанных клиент-серверных систем, ADO.NET больше нацелена на автономную работу с помощью объектов </a:t>
+            </a:r>
+            <a:r>
+              <a:rPr lang="ru-RU" sz="2000" dirty="0" err="1"/>
+              <a:t>DataSet</a:t>
+            </a:r>
+            <a:r>
+              <a:rPr lang="ru-RU" sz="2000" dirty="0"/>
+              <a:t>.</a:t>
+            </a:r>
+            <a:endParaRPr lang="en-NZ" sz="2000" dirty="0"/>
           </a:p>
         </p:txBody>
       </p:sp>
@@ -15188,7 +15092,7 @@
     </p:spTree>
     <p:extLst>
       <p:ext uri="{BB962C8B-B14F-4D97-AF65-F5344CB8AC3E}">
-        <p14:creationId xmlns:p14="http://schemas.microsoft.com/office/powerpoint/2010/main" val="3584200001"/>
+        <p14:creationId xmlns:p14="http://schemas.microsoft.com/office/powerpoint/2010/main" val="4012025127"/>
       </p:ext>
     </p:extLst>
   </p:cSld>
@@ -15231,13 +15135,82 @@
           <a:lstStyle/>
           <a:p>
             <a:r>
-              <a:rPr lang="ru-RU" dirty="0"/>
-              <a:t>Архитектура </a:t>
-            </a:r>
-            <a:r>
               <a:rPr lang="en-NZ" dirty="0"/>
-              <a:t>Entity Framework</a:t>
-            </a:r>
+              <a:t>ADO.NET</a:t>
+            </a:r>
+          </a:p>
+        </p:txBody>
+      </p:sp>
+      <p:sp>
+        <p:nvSpPr>
+          <p:cNvPr id="3" name="Content Placeholder 2"/>
+          <p:cNvSpPr>
+            <a:spLocks noGrp="1"/>
+          </p:cNvSpPr>
+          <p:nvPr>
+            <p:ph idx="1"/>
+          </p:nvPr>
+        </p:nvSpPr>
+        <p:spPr>
+          <a:xfrm>
+            <a:off x="864382" y="2489200"/>
+            <a:ext cx="7700660" cy="3460080"/>
+          </a:xfrm>
+        </p:spPr>
+        <p:txBody>
+          <a:bodyPr>
+            <a:normAutofit/>
+          </a:bodyPr>
+          <a:lstStyle/>
+          <a:p>
+            <a:r>
+              <a:rPr lang="ru-RU" sz="2400" dirty="0"/>
+              <a:t>Плюсы:</a:t>
+            </a:r>
+          </a:p>
+          <a:p>
+            <a:pPr lvl="1"/>
+            <a:r>
+              <a:rPr lang="ru-RU" sz="2000" dirty="0"/>
+              <a:t>Гибкая настройка запросов</a:t>
+            </a:r>
+          </a:p>
+          <a:p>
+            <a:pPr lvl="1"/>
+            <a:r>
+              <a:rPr lang="ru-RU" sz="2000" dirty="0"/>
+              <a:t>Лучшая производительность</a:t>
+            </a:r>
+          </a:p>
+          <a:p>
+            <a:pPr lvl="1"/>
+            <a:endParaRPr lang="ru-RU" dirty="0"/>
+          </a:p>
+          <a:p>
+            <a:pPr lvl="1"/>
+            <a:endParaRPr lang="ru-RU" dirty="0"/>
+          </a:p>
+          <a:p>
+            <a:r>
+              <a:rPr lang="ru-RU" sz="2400" dirty="0"/>
+              <a:t>Минусы:</a:t>
+            </a:r>
+          </a:p>
+          <a:p>
+            <a:pPr lvl="1"/>
+            <a:r>
+              <a:rPr lang="ru-RU" sz="2000" dirty="0" err="1"/>
+              <a:t>Низкоуровневость</a:t>
+            </a:r>
+            <a:endParaRPr lang="ru-RU" sz="2000" dirty="0"/>
+          </a:p>
+          <a:p>
+            <a:pPr lvl="1"/>
+            <a:r>
+              <a:rPr lang="ru-RU" sz="2000" dirty="0"/>
+              <a:t>Нет контроля безопасности</a:t>
+            </a:r>
+            <a:endParaRPr lang="en-NZ" dirty="0"/>
           </a:p>
         </p:txBody>
       </p:sp>
@@ -15270,34 +15243,10 @@
           </a:p>
         </p:txBody>
       </p:sp>
-      <p:pic>
-        <p:nvPicPr>
-          <p:cNvPr id="5" name="Picture 4"/>
-          <p:cNvPicPr>
-            <a:picLocks noChangeAspect="1"/>
-          </p:cNvPicPr>
-          <p:nvPr/>
-        </p:nvPicPr>
-        <p:blipFill>
-          <a:blip r:embed="rId2"/>
-          <a:stretch>
-            <a:fillRect/>
-          </a:stretch>
-        </p:blipFill>
-        <p:spPr>
-          <a:xfrm>
-            <a:off x="548561" y="2420888"/>
-            <a:ext cx="7940027" cy="4140477"/>
-          </a:xfrm>
-          <a:prstGeom prst="rect">
-            <a:avLst/>
-          </a:prstGeom>
-        </p:spPr>
-      </p:pic>
     </p:spTree>
     <p:extLst>
       <p:ext uri="{BB962C8B-B14F-4D97-AF65-F5344CB8AC3E}">
-        <p14:creationId xmlns:p14="http://schemas.microsoft.com/office/powerpoint/2010/main" val="1546674228"/>
+        <p14:creationId xmlns:p14="http://schemas.microsoft.com/office/powerpoint/2010/main" val="3674007738"/>
       </p:ext>
     </p:extLst>
   </p:cSld>
@@ -15340,133 +15289,13 @@
           <a:lstStyle/>
           <a:p>
             <a:r>
-              <a:rPr lang="en-NZ" dirty="0"/>
-              <a:t>EF </a:t>
-            </a:r>
-            <a:r>
               <a:rPr lang="ru-RU" dirty="0"/>
-              <a:t>маппинг</a:t>
-            </a:r>
-            <a:endParaRPr lang="en-NZ" dirty="0"/>
-          </a:p>
-        </p:txBody>
-      </p:sp>
-      <p:sp>
-        <p:nvSpPr>
-          <p:cNvPr id="3" name="Content Placeholder 2"/>
-          <p:cNvSpPr>
-            <a:spLocks noGrp="1"/>
-          </p:cNvSpPr>
-          <p:nvPr>
-            <p:ph idx="1"/>
-          </p:nvPr>
-        </p:nvSpPr>
-        <p:spPr/>
-        <p:txBody>
-          <a:bodyPr>
-            <a:normAutofit fontScale="92500" lnSpcReduction="10000"/>
-          </a:bodyPr>
-          <a:lstStyle/>
-          <a:p>
-            <a:r>
-              <a:rPr lang="ru-RU" dirty="0"/>
-              <a:t>База данных </a:t>
-            </a:r>
-            <a:r>
-              <a:rPr lang="ru-RU" dirty="0" err="1"/>
-              <a:t>маппится</a:t>
-            </a:r>
-            <a:r>
-              <a:rPr lang="ru-RU" dirty="0"/>
-              <a:t> в класс</a:t>
-            </a:r>
-            <a:endParaRPr lang="en-NZ" dirty="0"/>
-          </a:p>
-          <a:p>
-            <a:pPr lvl="1"/>
-            <a:r>
-              <a:rPr lang="ru-RU" dirty="0"/>
-              <a:t>Класс имеет тип </a:t>
-            </a:r>
-            <a:r>
-              <a:rPr lang="en-US" dirty="0" err="1"/>
-              <a:t>DbContext</a:t>
-            </a:r>
-            <a:endParaRPr lang="en-NZ" dirty="0"/>
-          </a:p>
-          <a:p>
-            <a:pPr lvl="1"/>
-            <a:r>
-              <a:rPr lang="ru-RU" dirty="0"/>
-              <a:t>Экземпляр создаётся при первом обращении к БД</a:t>
-            </a:r>
-            <a:endParaRPr lang="en-NZ" dirty="0"/>
-          </a:p>
-          <a:p>
-            <a:r>
-              <a:rPr lang="ru-RU" dirty="0"/>
-              <a:t>Каждая таблица в базе данных </a:t>
-            </a:r>
-            <a:r>
-              <a:rPr lang="ru-RU" dirty="0" err="1"/>
-              <a:t>маппится</a:t>
-            </a:r>
-            <a:r>
-              <a:rPr lang="ru-RU" dirty="0"/>
-              <a:t> в коллекцию объектов</a:t>
-            </a:r>
-          </a:p>
-          <a:p>
-            <a:pPr lvl="1"/>
-            <a:r>
-              <a:rPr lang="ru-RU" dirty="0"/>
-              <a:t>Коллекция являет собой тип </a:t>
-            </a:r>
-            <a:r>
-              <a:rPr lang="en-US" dirty="0" err="1"/>
-              <a:t>DbSet</a:t>
-            </a:r>
-            <a:endParaRPr lang="en-US" dirty="0"/>
-          </a:p>
-          <a:p>
-            <a:pPr lvl="1"/>
-            <a:r>
-              <a:rPr lang="ru-RU" dirty="0"/>
-              <a:t>Доступ получить можно через объект</a:t>
+              <a:t>Архитектура </a:t>
             </a:r>
             <a:r>
               <a:rPr lang="en-US" dirty="0"/>
-              <a:t> </a:t>
-            </a:r>
-            <a:r>
-              <a:rPr lang="en-US" dirty="0" err="1"/>
-              <a:t>DbContext</a:t>
-            </a:r>
-            <a:endParaRPr lang="ru-RU" dirty="0"/>
-          </a:p>
-          <a:p>
-            <a:r>
-              <a:rPr lang="ru-RU" dirty="0"/>
-              <a:t>Каждая строка в каждой таблице базы данных в приложении будет представлять собой модель</a:t>
-            </a:r>
-          </a:p>
-          <a:p>
-            <a:pPr lvl="1"/>
-            <a:r>
-              <a:rPr lang="ru-RU" dirty="0"/>
-              <a:t>Модель может генерироваться автоматически</a:t>
-            </a:r>
-            <a:endParaRPr lang="en-NZ" dirty="0"/>
-          </a:p>
-          <a:p>
-            <a:pPr lvl="1"/>
-            <a:r>
-              <a:rPr lang="ru-RU" dirty="0"/>
-              <a:t>Свойства модели это колонки в базе данных</a:t>
-            </a:r>
-            <a:endParaRPr lang="en-NZ" dirty="0"/>
-          </a:p>
-          <a:p>
+              <a:t>ADO.NET</a:t>
+            </a:r>
             <a:endParaRPr lang="en-NZ" dirty="0"/>
           </a:p>
         </p:txBody>
@@ -15500,10 +15329,34 @@
           </a:p>
         </p:txBody>
       </p:sp>
+      <p:pic>
+        <p:nvPicPr>
+          <p:cNvPr id="5" name="Picture 4"/>
+          <p:cNvPicPr>
+            <a:picLocks noChangeAspect="1"/>
+          </p:cNvPicPr>
+          <p:nvPr/>
+        </p:nvPicPr>
+        <p:blipFill>
+          <a:blip r:embed="rId2"/>
+          <a:stretch>
+            <a:fillRect/>
+          </a:stretch>
+        </p:blipFill>
+        <p:spPr>
+          <a:xfrm>
+            <a:off x="1573091" y="2492896"/>
+            <a:ext cx="6105525" cy="3448050"/>
+          </a:xfrm>
+          <a:prstGeom prst="rect">
+            <a:avLst/>
+          </a:prstGeom>
+        </p:spPr>
+      </p:pic>
     </p:spTree>
     <p:extLst>
       <p:ext uri="{BB962C8B-B14F-4D97-AF65-F5344CB8AC3E}">
-        <p14:creationId xmlns:p14="http://schemas.microsoft.com/office/powerpoint/2010/main" val="3720201939"/>
+        <p14:creationId xmlns:p14="http://schemas.microsoft.com/office/powerpoint/2010/main" val="2277812077"/>
       </p:ext>
     </p:extLst>
   </p:cSld>
@@ -15532,7 +15385,7 @@
       </p:grpSpPr>
       <p:sp>
         <p:nvSpPr>
-          <p:cNvPr id="17410" name="Title 1"/>
+          <p:cNvPr id="2" name="Title 1"/>
           <p:cNvSpPr>
             <a:spLocks noGrp="1"/>
           </p:cNvSpPr>
@@ -15546,16 +15399,44 @@
           <a:lstStyle/>
           <a:p>
             <a:r>
-              <a:rPr lang="ru-RU" altLang="en-US" dirty="0"/>
-              <a:t>Добавление подключения</a:t>
-            </a:r>
-            <a:endParaRPr lang="en-NZ" altLang="en-US" dirty="0"/>
+              <a:rPr lang="en-NZ" dirty="0"/>
+              <a:t>Entity Framework</a:t>
+            </a:r>
           </a:p>
         </p:txBody>
       </p:sp>
       <p:sp>
         <p:nvSpPr>
-          <p:cNvPr id="3" name="Content Placeholder 2"/>
+          <p:cNvPr id="6" name="Slide Number Placeholder 5"/>
+          <p:cNvSpPr>
+            <a:spLocks noGrp="1"/>
+          </p:cNvSpPr>
+          <p:nvPr>
+            <p:ph type="sldNum" sz="quarter" idx="12"/>
+          </p:nvPr>
+        </p:nvSpPr>
+        <p:spPr/>
+        <p:txBody>
+          <a:bodyPr/>
+          <a:lstStyle/>
+          <a:p>
+            <a:pPr>
+              <a:defRPr/>
+            </a:pPr>
+            <a:fld id="{886A1C6C-4D23-41EE-A564-0F6045F438D4}" type="slidenum">
+              <a:rPr lang="en-NZ" smtClean="0"/>
+              <a:pPr>
+                <a:defRPr/>
+              </a:pPr>
+              <a:t>15</a:t>
+            </a:fld>
+            <a:endParaRPr lang="en-NZ"/>
+          </a:p>
+        </p:txBody>
+      </p:sp>
+      <p:sp>
+        <p:nvSpPr>
+          <p:cNvPr id="4" name="Content Placeholder 3"/>
           <p:cNvSpPr>
             <a:spLocks noGrp="1"/>
           </p:cNvSpPr>
@@ -15565,601 +15446,116 @@
         </p:nvSpPr>
         <p:spPr>
           <a:xfrm>
-            <a:off x="590843" y="2348880"/>
-            <a:ext cx="7879082" cy="3953494"/>
+            <a:off x="683568" y="2489200"/>
+            <a:ext cx="7786356" cy="4108152"/>
           </a:xfrm>
         </p:spPr>
         <p:txBody>
-          <a:bodyPr>
-            <a:normAutofit fontScale="92500" lnSpcReduction="10000"/>
-          </a:bodyPr>
+          <a:bodyPr/>
           <a:lstStyle/>
           <a:p>
-            <a:pPr>
-              <a:defRPr/>
-            </a:pPr>
+            <a:r>
+              <a:rPr lang="en-US" dirty="0"/>
+              <a:t>ADO.NET Entity Framework (EF) — </a:t>
+            </a:r>
             <a:r>
               <a:rPr lang="ru-RU" dirty="0"/>
-              <a:t>Перейдите в </a:t>
-            </a:r>
-            <a:r>
-              <a:rPr lang="en-NZ" dirty="0" err="1"/>
-              <a:t>App.config</a:t>
-            </a:r>
-            <a:r>
-              <a:rPr lang="en-NZ" dirty="0"/>
-              <a:t> </a:t>
+              <a:t>объектно-ориентированная технология доступа к данным, является </a:t>
+            </a:r>
+            <a:r>
+              <a:rPr lang="en-US" dirty="0"/>
+              <a:t>object-relational mapping (ORM) </a:t>
             </a:r>
             <a:r>
               <a:rPr lang="ru-RU" dirty="0"/>
-              <a:t>из</a:t>
-            </a:r>
-            <a:r>
-              <a:rPr lang="en-NZ" dirty="0"/>
-              <a:t> Solution Explorer (</a:t>
+              <a:t>решением для .</a:t>
+            </a:r>
+            <a:r>
+              <a:rPr lang="en-US" dirty="0"/>
+              <a:t>NET Framework </a:t>
             </a:r>
             <a:r>
               <a:rPr lang="ru-RU" dirty="0"/>
-              <a:t>или</a:t>
-            </a:r>
-            <a:r>
-              <a:rPr lang="en-NZ" dirty="0"/>
-              <a:t> </a:t>
-            </a:r>
-            <a:r>
-              <a:rPr lang="en-NZ" dirty="0" err="1"/>
-              <a:t>Web.config</a:t>
-            </a:r>
-            <a:r>
-              <a:rPr lang="en-NZ" dirty="0"/>
-              <a:t> </a:t>
-            </a:r>
+              <a:t>от </a:t>
+            </a:r>
+            <a:r>
+              <a:rPr lang="en-US" dirty="0"/>
+              <a:t>Microsoft.</a:t>
+            </a:r>
+          </a:p>
+          <a:p>
             <a:r>
               <a:rPr lang="ru-RU" dirty="0"/>
-              <a:t>для</a:t>
-            </a:r>
-            <a:r>
-              <a:rPr lang="en-NZ" dirty="0"/>
-              <a:t> Web application)</a:t>
-            </a:r>
-          </a:p>
-          <a:p>
-            <a:pPr lvl="1">
-              <a:defRPr/>
-            </a:pPr>
+              <a:t>Предоставляет возможность взаимодействия с объектами как посредством </a:t>
+            </a:r>
+            <a:r>
+              <a:rPr lang="en-US" dirty="0"/>
+              <a:t>LINQ </a:t>
+            </a:r>
             <a:r>
               <a:rPr lang="ru-RU" dirty="0"/>
-              <a:t>Это </a:t>
-            </a:r>
-            <a:r>
-              <a:rPr lang="en-NZ" dirty="0"/>
-              <a:t>XML </a:t>
+              <a:t>в виде </a:t>
+            </a:r>
+            <a:r>
+              <a:rPr lang="en-US" dirty="0"/>
+              <a:t>LINQ to Entities, </a:t>
             </a:r>
             <a:r>
               <a:rPr lang="ru-RU" dirty="0"/>
-              <a:t>файл с метаданными</a:t>
-            </a:r>
-            <a:endParaRPr lang="en-NZ" dirty="0"/>
-          </a:p>
-          <a:p>
-            <a:pPr>
-              <a:defRPr/>
-            </a:pPr>
+              <a:t>так и с использованием </a:t>
+            </a:r>
+            <a:r>
+              <a:rPr lang="en-US" dirty="0"/>
+              <a:t>Entity SQL. </a:t>
+            </a:r>
+          </a:p>
+          <a:p>
             <a:r>
               <a:rPr lang="ru-RU" dirty="0"/>
-              <a:t>В шаблоне </a:t>
-            </a:r>
-            <a:r>
-              <a:rPr lang="en-NZ" dirty="0"/>
-              <a:t>MVC </a:t>
+              <a:t>Для облегчения построения </a:t>
+            </a:r>
+            <a:r>
+              <a:rPr lang="en-US" dirty="0"/>
+              <a:t>web-</a:t>
             </a:r>
             <a:r>
               <a:rPr lang="ru-RU" dirty="0"/>
-              <a:t>есть уже определённое подключение</a:t>
-            </a:r>
-            <a:endParaRPr lang="en-NZ" dirty="0"/>
-          </a:p>
-          <a:p>
-            <a:pPr lvl="1">
-              <a:defRPr/>
-            </a:pPr>
+              <a:t>решений используется как </a:t>
+            </a:r>
+            <a:r>
+              <a:rPr lang="en-US" dirty="0"/>
+              <a:t>ADO.NET Data Services (Astoria), </a:t>
+            </a:r>
             <a:r>
               <a:rPr lang="ru-RU" dirty="0"/>
-              <a:t>Для аккаунтов пользователей которые были в проекте по умолчанию</a:t>
-            </a:r>
-            <a:endParaRPr lang="en-NZ" dirty="0"/>
-          </a:p>
-          <a:p>
-            <a:pPr marL="0" indent="0">
-              <a:buFont typeface="Wingdings 3" pitchFamily="18" charset="2"/>
-              <a:buNone/>
-              <a:defRPr/>
-            </a:pPr>
-            <a:r>
-              <a:rPr lang="en-NZ" sz="1600" dirty="0">
-                <a:latin typeface="Courier New" panose="02070309020205020404" pitchFamily="49" charset="0"/>
-                <a:cs typeface="Courier New" panose="02070309020205020404" pitchFamily="49" charset="0"/>
-              </a:rPr>
-              <a:t>&lt;</a:t>
-            </a:r>
-            <a:r>
-              <a:rPr lang="en-NZ" sz="1600" dirty="0" err="1">
-                <a:latin typeface="Courier New" panose="02070309020205020404" pitchFamily="49" charset="0"/>
-                <a:cs typeface="Courier New" panose="02070309020205020404" pitchFamily="49" charset="0"/>
-              </a:rPr>
-              <a:t>connectionStrings</a:t>
-            </a:r>
-            <a:r>
-              <a:rPr lang="en-NZ" sz="1600" dirty="0">
-                <a:latin typeface="Courier New" panose="02070309020205020404" pitchFamily="49" charset="0"/>
-                <a:cs typeface="Courier New" panose="02070309020205020404" pitchFamily="49" charset="0"/>
-              </a:rPr>
-              <a:t>&gt;</a:t>
-            </a:r>
-          </a:p>
-          <a:p>
-            <a:pPr marL="0" indent="0">
-              <a:buFont typeface="Wingdings 3" pitchFamily="18" charset="2"/>
-              <a:buNone/>
-              <a:defRPr/>
-            </a:pPr>
-            <a:r>
-              <a:rPr lang="en-NZ" sz="1600" dirty="0">
-                <a:latin typeface="Courier New" panose="02070309020205020404" pitchFamily="49" charset="0"/>
-                <a:cs typeface="Courier New" panose="02070309020205020404" pitchFamily="49" charset="0"/>
-              </a:rPr>
-              <a:t>    &lt;add name="</a:t>
-            </a:r>
-            <a:r>
-              <a:rPr lang="en-NZ" sz="1600" dirty="0" err="1">
-                <a:latin typeface="Courier New" panose="02070309020205020404" pitchFamily="49" charset="0"/>
-                <a:cs typeface="Courier New" panose="02070309020205020404" pitchFamily="49" charset="0"/>
-              </a:rPr>
-              <a:t>DefaultConnection</a:t>
-            </a:r>
-            <a:r>
-              <a:rPr lang="en-NZ" sz="1600" dirty="0">
-                <a:latin typeface="Courier New" panose="02070309020205020404" pitchFamily="49" charset="0"/>
-                <a:cs typeface="Courier New" panose="02070309020205020404" pitchFamily="49" charset="0"/>
-              </a:rPr>
-              <a:t>" </a:t>
-            </a:r>
-            <a:r>
-              <a:rPr lang="en-NZ" sz="1600" dirty="0" err="1">
-                <a:latin typeface="Courier New" panose="02070309020205020404" pitchFamily="49" charset="0"/>
-                <a:cs typeface="Courier New" panose="02070309020205020404" pitchFamily="49" charset="0"/>
-              </a:rPr>
-              <a:t>connectionString</a:t>
-            </a:r>
-            <a:r>
-              <a:rPr lang="en-NZ" sz="1600" dirty="0">
-                <a:latin typeface="Courier New" panose="02070309020205020404" pitchFamily="49" charset="0"/>
-                <a:cs typeface="Courier New" panose="02070309020205020404" pitchFamily="49" charset="0"/>
-              </a:rPr>
-              <a:t>="Data Source=</a:t>
-            </a:r>
-            <a:br>
-              <a:rPr lang="en-NZ" sz="1600" dirty="0">
-                <a:latin typeface="Courier New" panose="02070309020205020404" pitchFamily="49" charset="0"/>
-                <a:cs typeface="Courier New" panose="02070309020205020404" pitchFamily="49" charset="0"/>
-              </a:rPr>
-            </a:br>
-            <a:r>
-              <a:rPr lang="en-NZ" sz="1600" dirty="0">
-                <a:latin typeface="Courier New" panose="02070309020205020404" pitchFamily="49" charset="0"/>
-                <a:cs typeface="Courier New" panose="02070309020205020404" pitchFamily="49" charset="0"/>
-              </a:rPr>
-              <a:t>(</a:t>
-            </a:r>
-            <a:r>
-              <a:rPr lang="en-NZ" sz="1600" dirty="0" err="1">
-                <a:latin typeface="Courier New" panose="02070309020205020404" pitchFamily="49" charset="0"/>
-                <a:cs typeface="Courier New" panose="02070309020205020404" pitchFamily="49" charset="0"/>
-              </a:rPr>
-              <a:t>LocalDb</a:t>
-            </a:r>
-            <a:r>
-              <a:rPr lang="en-NZ" sz="1600" dirty="0">
-                <a:latin typeface="Courier New" panose="02070309020205020404" pitchFamily="49" charset="0"/>
-                <a:cs typeface="Courier New" panose="02070309020205020404" pitchFamily="49" charset="0"/>
-              </a:rPr>
-              <a:t>)\v11.0 ... 62020.mdf" </a:t>
-            </a:r>
-            <a:r>
-              <a:rPr lang="en-NZ" sz="1600" dirty="0" err="1">
-                <a:latin typeface="Courier New" panose="02070309020205020404" pitchFamily="49" charset="0"/>
-                <a:cs typeface="Courier New" panose="02070309020205020404" pitchFamily="49" charset="0"/>
-              </a:rPr>
-              <a:t>providerName</a:t>
-            </a:r>
-            <a:r>
-              <a:rPr lang="en-NZ" sz="1600" dirty="0">
-                <a:latin typeface="Courier New" panose="02070309020205020404" pitchFamily="49" charset="0"/>
-                <a:cs typeface="Courier New" panose="02070309020205020404" pitchFamily="49" charset="0"/>
-              </a:rPr>
-              <a:t>="</a:t>
-            </a:r>
-            <a:r>
-              <a:rPr lang="en-NZ" sz="1600" dirty="0" err="1">
-                <a:latin typeface="Courier New" panose="02070309020205020404" pitchFamily="49" charset="0"/>
-                <a:cs typeface="Courier New" panose="02070309020205020404" pitchFamily="49" charset="0"/>
-              </a:rPr>
-              <a:t>System.Data.SqlClient</a:t>
-            </a:r>
-            <a:r>
-              <a:rPr lang="en-NZ" sz="1600" dirty="0">
-                <a:latin typeface="Courier New" panose="02070309020205020404" pitchFamily="49" charset="0"/>
-                <a:cs typeface="Courier New" panose="02070309020205020404" pitchFamily="49" charset="0"/>
-              </a:rPr>
-              <a:t>" /&gt;</a:t>
-            </a:r>
-          </a:p>
-          <a:p>
-            <a:pPr>
-              <a:defRPr/>
-            </a:pPr>
+              <a:t>так и связка из </a:t>
+            </a:r>
+            <a:r>
+              <a:rPr lang="en-US" dirty="0"/>
+              <a:t>Windows Communication Foundation </a:t>
+            </a:r>
             <a:r>
               <a:rPr lang="ru-RU" dirty="0"/>
-              <a:t>Мы добавим ещё один </a:t>
-            </a:r>
-            <a:r>
-              <a:rPr lang="en-NZ" dirty="0"/>
-              <a:t>‘add’</a:t>
-            </a:r>
-          </a:p>
-          <a:p>
-            <a:pPr marL="0" indent="0">
-              <a:buFont typeface="Wingdings 3" pitchFamily="18" charset="2"/>
-              <a:buNone/>
-              <a:defRPr/>
-            </a:pPr>
-            <a:r>
-              <a:rPr lang="en-NZ" sz="1600" dirty="0">
-                <a:latin typeface="Courier New" panose="02070309020205020404" pitchFamily="49" charset="0"/>
-                <a:cs typeface="Courier New" panose="02070309020205020404" pitchFamily="49" charset="0"/>
-              </a:rPr>
-              <a:t>&lt;add name="</a:t>
-            </a:r>
-            <a:r>
-              <a:rPr lang="en-NZ" sz="1600" dirty="0" err="1">
-                <a:latin typeface="Courier New" panose="02070309020205020404" pitchFamily="49" charset="0"/>
-                <a:cs typeface="Courier New" panose="02070309020205020404" pitchFamily="49" charset="0"/>
-              </a:rPr>
-              <a:t>MySqlConnection</a:t>
-            </a:r>
-            <a:r>
-              <a:rPr lang="en-NZ" sz="1600" dirty="0">
-                <a:latin typeface="Courier New" panose="02070309020205020404" pitchFamily="49" charset="0"/>
-                <a:cs typeface="Courier New" panose="02070309020205020404" pitchFamily="49" charset="0"/>
-              </a:rPr>
-              <a:t>" </a:t>
-            </a:r>
-            <a:r>
-              <a:rPr lang="en-NZ" sz="1600" dirty="0" err="1">
-                <a:latin typeface="Courier New" panose="02070309020205020404" pitchFamily="49" charset="0"/>
-                <a:cs typeface="Courier New" panose="02070309020205020404" pitchFamily="49" charset="0"/>
-              </a:rPr>
-              <a:t>connectionString</a:t>
-            </a:r>
-            <a:r>
-              <a:rPr lang="en-NZ" sz="1600" dirty="0">
-                <a:latin typeface="Courier New" panose="02070309020205020404" pitchFamily="49" charset="0"/>
-                <a:cs typeface="Courier New" panose="02070309020205020404" pitchFamily="49" charset="0"/>
-              </a:rPr>
-              <a:t>="Server=</a:t>
-            </a:r>
-            <a:r>
-              <a:rPr lang="en-NZ" sz="1600" dirty="0" err="1">
-                <a:latin typeface="Courier New" panose="02070309020205020404" pitchFamily="49" charset="0"/>
-                <a:cs typeface="Courier New" panose="02070309020205020404" pitchFamily="49" charset="0"/>
-              </a:rPr>
-              <a:t>localhost;Database</a:t>
-            </a:r>
-            <a:r>
-              <a:rPr lang="en-NZ" sz="1600" dirty="0">
-                <a:latin typeface="Courier New" panose="02070309020205020404" pitchFamily="49" charset="0"/>
-                <a:cs typeface="Courier New" panose="02070309020205020404" pitchFamily="49" charset="0"/>
-              </a:rPr>
-              <a:t>=</a:t>
-            </a:r>
-            <a:r>
-              <a:rPr lang="en-NZ" sz="1600" dirty="0" err="1">
-                <a:latin typeface="Courier New" panose="02070309020205020404" pitchFamily="49" charset="0"/>
-                <a:cs typeface="Courier New" panose="02070309020205020404" pitchFamily="49" charset="0"/>
-              </a:rPr>
-              <a:t>employee;Uid</a:t>
-            </a:r>
-            <a:r>
-              <a:rPr lang="en-NZ" sz="1600" dirty="0">
-                <a:latin typeface="Courier New" panose="02070309020205020404" pitchFamily="49" charset="0"/>
-                <a:cs typeface="Courier New" panose="02070309020205020404" pitchFamily="49" charset="0"/>
-              </a:rPr>
-              <a:t>=</a:t>
-            </a:r>
-            <a:r>
-              <a:rPr lang="en-NZ" sz="1600" dirty="0" err="1">
-                <a:latin typeface="Courier New" panose="02070309020205020404" pitchFamily="49" charset="0"/>
-                <a:cs typeface="Courier New" panose="02070309020205020404" pitchFamily="49" charset="0"/>
-              </a:rPr>
-              <a:t>jim;Pwd</a:t>
-            </a:r>
-            <a:r>
-              <a:rPr lang="en-NZ" sz="1600" dirty="0">
-                <a:latin typeface="Courier New" panose="02070309020205020404" pitchFamily="49" charset="0"/>
-                <a:cs typeface="Courier New" panose="02070309020205020404" pitchFamily="49" charset="0"/>
-              </a:rPr>
-              <a:t>=password" </a:t>
-            </a:r>
-            <a:r>
-              <a:rPr lang="en-NZ" sz="1600" dirty="0" err="1">
-                <a:latin typeface="Courier New" panose="02070309020205020404" pitchFamily="49" charset="0"/>
-                <a:cs typeface="Courier New" panose="02070309020205020404" pitchFamily="49" charset="0"/>
-              </a:rPr>
-              <a:t>providerName</a:t>
-            </a:r>
-            <a:r>
-              <a:rPr lang="en-NZ" sz="1600" dirty="0">
-                <a:latin typeface="Courier New" panose="02070309020205020404" pitchFamily="49" charset="0"/>
-                <a:cs typeface="Courier New" panose="02070309020205020404" pitchFamily="49" charset="0"/>
-              </a:rPr>
-              <a:t>="</a:t>
-            </a:r>
-            <a:r>
-              <a:rPr lang="en-NZ" sz="1600" dirty="0" err="1">
-                <a:latin typeface="Courier New" panose="02070309020205020404" pitchFamily="49" charset="0"/>
-                <a:cs typeface="Courier New" panose="02070309020205020404" pitchFamily="49" charset="0"/>
-              </a:rPr>
-              <a:t>MySql.Data.MySqlClient</a:t>
-            </a:r>
-            <a:r>
-              <a:rPr lang="en-NZ" sz="1600" dirty="0">
-                <a:latin typeface="Courier New" panose="02070309020205020404" pitchFamily="49" charset="0"/>
-                <a:cs typeface="Courier New" panose="02070309020205020404" pitchFamily="49" charset="0"/>
-              </a:rPr>
-              <a:t>" /&gt;</a:t>
-            </a:r>
-          </a:p>
-        </p:txBody>
-      </p:sp>
-      <p:sp>
-        <p:nvSpPr>
-          <p:cNvPr id="17413" name="Slide Number Placeholder 5"/>
-          <p:cNvSpPr>
-            <a:spLocks noGrp="1"/>
-          </p:cNvSpPr>
-          <p:nvPr>
-            <p:ph type="sldNum" sz="quarter" idx="12"/>
-          </p:nvPr>
-        </p:nvSpPr>
-        <p:spPr bwMode="auto">
-          <a:noFill/>
-          <a:extLst>
-            <a:ext uri="{909E8E84-426E-40DD-AFC4-6F175D3DCCD1}">
-              <a14:hiddenFill xmlns:a14="http://schemas.microsoft.com/office/drawing/2010/main">
-                <a:solidFill>
-                  <a:srgbClr val="FFFFFF"/>
-                </a:solidFill>
-              </a14:hiddenFill>
-            </a:ext>
-            <a:ext uri="{91240B29-F687-4F45-9708-019B960494DF}">
-              <a14:hiddenLine xmlns:a14="http://schemas.microsoft.com/office/drawing/2010/main" w="9525">
-                <a:solidFill>
-                  <a:srgbClr val="000000"/>
-                </a:solidFill>
-                <a:miter lim="800000"/>
-                <a:headEnd/>
-                <a:tailEnd/>
-              </a14:hiddenLine>
-            </a:ext>
-          </a:extLst>
-        </p:spPr>
-        <p:txBody>
-          <a:bodyPr/>
-          <a:lstStyle>
-            <a:lvl1pPr algn="l" eaLnBrk="0" hangingPunct="0">
-              <a:spcBef>
-                <a:spcPts val="600"/>
-              </a:spcBef>
-              <a:buClr>
-                <a:schemeClr val="accent1"/>
-              </a:buClr>
-              <a:buSzPct val="76000"/>
-              <a:buFont typeface="Wingdings 3" pitchFamily="18" charset="2"/>
-              <a:buChar char=""/>
-              <a:defRPr sz="2600">
-                <a:solidFill>
-                  <a:schemeClr val="tx1"/>
-                </a:solidFill>
-                <a:latin typeface="Gill Sans MT" pitchFamily="34" charset="0"/>
-              </a:defRPr>
-            </a:lvl1pPr>
-            <a:lvl2pPr marL="742950" indent="-285750" algn="l" eaLnBrk="0" hangingPunct="0">
-              <a:spcBef>
-                <a:spcPts val="500"/>
-              </a:spcBef>
-              <a:buClr>
-                <a:schemeClr val="accent2"/>
-              </a:buClr>
-              <a:buSzPct val="76000"/>
-              <a:buFont typeface="Wingdings 3" pitchFamily="18" charset="2"/>
-              <a:buChar char=""/>
-              <a:defRPr sz="2300">
-                <a:solidFill>
-                  <a:schemeClr val="tx2"/>
-                </a:solidFill>
-                <a:latin typeface="Gill Sans MT" pitchFamily="34" charset="0"/>
-              </a:defRPr>
-            </a:lvl2pPr>
-            <a:lvl3pPr marL="1143000" indent="-228600" algn="l" eaLnBrk="0" hangingPunct="0">
-              <a:spcBef>
-                <a:spcPts val="500"/>
-              </a:spcBef>
-              <a:buClr>
-                <a:srgbClr val="BCBCBC"/>
-              </a:buClr>
-              <a:buSzPct val="76000"/>
-              <a:buFont typeface="Wingdings 3" pitchFamily="18" charset="2"/>
-              <a:buChar char=""/>
-              <a:defRPr sz="2000">
-                <a:solidFill>
-                  <a:schemeClr val="tx1"/>
-                </a:solidFill>
-                <a:latin typeface="Gill Sans MT" pitchFamily="34" charset="0"/>
-              </a:defRPr>
-            </a:lvl3pPr>
-            <a:lvl4pPr marL="1600200" indent="-228600" algn="l" eaLnBrk="0" hangingPunct="0">
-              <a:spcBef>
-                <a:spcPts val="400"/>
-              </a:spcBef>
-              <a:buClr>
-                <a:srgbClr val="8BA2B4"/>
-              </a:buClr>
-              <a:buSzPct val="70000"/>
-              <a:buFont typeface="Wingdings" pitchFamily="2" charset="2"/>
-              <a:buChar char=""/>
-              <a:defRPr>
-                <a:solidFill>
-                  <a:schemeClr val="tx1"/>
-                </a:solidFill>
-                <a:latin typeface="Gill Sans MT" pitchFamily="34" charset="0"/>
-              </a:defRPr>
-            </a:lvl4pPr>
-            <a:lvl5pPr marL="2057400" indent="-228600" algn="l" eaLnBrk="0" hangingPunct="0">
-              <a:spcBef>
-                <a:spcPts val="300"/>
-              </a:spcBef>
-              <a:buClr>
-                <a:schemeClr val="accent2"/>
-              </a:buClr>
-              <a:buSzPct val="70000"/>
-              <a:buFont typeface="Wingdings" pitchFamily="2" charset="2"/>
-              <a:buChar char=""/>
-              <a:defRPr sz="1600">
-                <a:solidFill>
-                  <a:schemeClr val="tx1"/>
-                </a:solidFill>
-                <a:latin typeface="Gill Sans MT" pitchFamily="34" charset="0"/>
-              </a:defRPr>
-            </a:lvl5pPr>
-            <a:lvl6pPr marL="2514600" indent="-228600" eaLnBrk="0" fontAlgn="base" hangingPunct="0">
-              <a:spcBef>
-                <a:spcPts val="300"/>
-              </a:spcBef>
-              <a:spcAft>
-                <a:spcPct val="0"/>
-              </a:spcAft>
-              <a:buClr>
-                <a:schemeClr val="accent2"/>
-              </a:buClr>
-              <a:buSzPct val="70000"/>
-              <a:buFont typeface="Wingdings" pitchFamily="2" charset="2"/>
-              <a:buChar char=""/>
-              <a:defRPr sz="1600">
-                <a:solidFill>
-                  <a:schemeClr val="tx1"/>
-                </a:solidFill>
-                <a:latin typeface="Gill Sans MT" pitchFamily="34" charset="0"/>
-              </a:defRPr>
-            </a:lvl6pPr>
-            <a:lvl7pPr marL="2971800" indent="-228600" eaLnBrk="0" fontAlgn="base" hangingPunct="0">
-              <a:spcBef>
-                <a:spcPts val="300"/>
-              </a:spcBef>
-              <a:spcAft>
-                <a:spcPct val="0"/>
-              </a:spcAft>
-              <a:buClr>
-                <a:schemeClr val="accent2"/>
-              </a:buClr>
-              <a:buSzPct val="70000"/>
-              <a:buFont typeface="Wingdings" pitchFamily="2" charset="2"/>
-              <a:buChar char=""/>
-              <a:defRPr sz="1600">
-                <a:solidFill>
-                  <a:schemeClr val="tx1"/>
-                </a:solidFill>
-                <a:latin typeface="Gill Sans MT" pitchFamily="34" charset="0"/>
-              </a:defRPr>
-            </a:lvl7pPr>
-            <a:lvl8pPr marL="3429000" indent="-228600" eaLnBrk="0" fontAlgn="base" hangingPunct="0">
-              <a:spcBef>
-                <a:spcPts val="300"/>
-              </a:spcBef>
-              <a:spcAft>
-                <a:spcPct val="0"/>
-              </a:spcAft>
-              <a:buClr>
-                <a:schemeClr val="accent2"/>
-              </a:buClr>
-              <a:buSzPct val="70000"/>
-              <a:buFont typeface="Wingdings" pitchFamily="2" charset="2"/>
-              <a:buChar char=""/>
-              <a:defRPr sz="1600">
-                <a:solidFill>
-                  <a:schemeClr val="tx1"/>
-                </a:solidFill>
-                <a:latin typeface="Gill Sans MT" pitchFamily="34" charset="0"/>
-              </a:defRPr>
-            </a:lvl8pPr>
-            <a:lvl9pPr marL="3886200" indent="-228600" eaLnBrk="0" fontAlgn="base" hangingPunct="0">
-              <a:spcBef>
-                <a:spcPts val="300"/>
-              </a:spcBef>
-              <a:spcAft>
-                <a:spcPct val="0"/>
-              </a:spcAft>
-              <a:buClr>
-                <a:schemeClr val="accent2"/>
-              </a:buClr>
-              <a:buSzPct val="70000"/>
-              <a:buFont typeface="Wingdings" pitchFamily="2" charset="2"/>
-              <a:buChar char=""/>
-              <a:defRPr sz="1600">
-                <a:solidFill>
-                  <a:schemeClr val="tx1"/>
-                </a:solidFill>
-                <a:latin typeface="Gill Sans MT" pitchFamily="34" charset="0"/>
-              </a:defRPr>
-            </a:lvl9pPr>
-          </a:lstStyle>
-          <a:p>
-            <a:pPr eaLnBrk="1" hangingPunct="1">
-              <a:spcBef>
-                <a:spcPct val="0"/>
-              </a:spcBef>
-              <a:buClrTx/>
-              <a:buSzTx/>
-              <a:buFontTx/>
-              <a:buNone/>
-            </a:pPr>
-            <a:fld id="{B38BFC1E-5E42-4360-99DE-2B8CAF7C06F8}" type="slidenum">
-              <a:rPr lang="en-NZ" altLang="en-US" sz="1400" smtClean="0">
-                <a:solidFill>
-                  <a:schemeClr val="tx2"/>
-                </a:solidFill>
-                <a:latin typeface="Tahoma" pitchFamily="34" charset="0"/>
-              </a:rPr>
-              <a:pPr eaLnBrk="1" hangingPunct="1">
-                <a:spcBef>
-                  <a:spcPct val="0"/>
-                </a:spcBef>
-                <a:buClrTx/>
-                <a:buSzTx/>
-                <a:buFontTx/>
-                <a:buNone/>
-              </a:pPr>
-              <a:t>15</a:t>
-            </a:fld>
-            <a:endParaRPr lang="en-NZ" altLang="en-US" sz="1400" dirty="0">
-              <a:solidFill>
-                <a:schemeClr val="tx2"/>
-              </a:solidFill>
-              <a:latin typeface="Tahoma" pitchFamily="34" charset="0"/>
-            </a:endParaRPr>
+              <a:t>и </a:t>
+            </a:r>
+            <a:r>
+              <a:rPr lang="en-US" dirty="0"/>
+              <a:t>Windows Presentation Foundation</a:t>
+            </a:r>
+            <a:r>
+              <a:rPr lang="ru-RU" dirty="0"/>
+              <a:t>, позволяющая строить многоуровневые приложения, реализуя один из шаблонов проектирования MVC, MVP или MVVM.</a:t>
+            </a:r>
+            <a:endParaRPr lang="en-US" dirty="0"/>
           </a:p>
         </p:txBody>
       </p:sp>
     </p:spTree>
+    <p:extLst>
+      <p:ext uri="{BB962C8B-B14F-4D97-AF65-F5344CB8AC3E}">
+        <p14:creationId xmlns:p14="http://schemas.microsoft.com/office/powerpoint/2010/main" val="540103508"/>
+      </p:ext>
+    </p:extLst>
   </p:cSld>
   <p:clrMapOvr>
     <a:masterClrMapping/>
@@ -16200,6 +15596,2966 @@
           <a:lstStyle/>
           <a:p>
             <a:r>
+              <a:rPr lang="en-NZ" dirty="0"/>
+              <a:t>Entity Framework</a:t>
+            </a:r>
+          </a:p>
+        </p:txBody>
+      </p:sp>
+      <p:sp>
+        <p:nvSpPr>
+          <p:cNvPr id="3" name="Content Placeholder 2"/>
+          <p:cNvSpPr>
+            <a:spLocks noGrp="1"/>
+          </p:cNvSpPr>
+          <p:nvPr>
+            <p:ph idx="1"/>
+          </p:nvPr>
+        </p:nvSpPr>
+        <p:spPr>
+          <a:xfrm>
+            <a:off x="865970" y="2489200"/>
+            <a:ext cx="7699072" cy="3530600"/>
+          </a:xfrm>
+        </p:spPr>
+        <p:txBody>
+          <a:bodyPr>
+            <a:normAutofit fontScale="92500"/>
+          </a:bodyPr>
+          <a:lstStyle/>
+          <a:p>
+            <a:r>
+              <a:rPr lang="ru-RU" sz="2000" dirty="0"/>
+              <a:t>Минусы:</a:t>
+            </a:r>
+          </a:p>
+          <a:p>
+            <a:pPr lvl="1"/>
+            <a:r>
+              <a:rPr lang="ru-RU" sz="1800" dirty="0"/>
+              <a:t>Настройка запросов фреймворком (иногда неоптимальная)</a:t>
+            </a:r>
+          </a:p>
+          <a:p>
+            <a:pPr lvl="1"/>
+            <a:r>
+              <a:rPr lang="ru-RU" sz="1800" dirty="0"/>
+              <a:t>Производительность хуже, чем в </a:t>
+            </a:r>
+            <a:r>
+              <a:rPr lang="en-US" sz="1800" dirty="0"/>
+              <a:t>ADO.NET</a:t>
+            </a:r>
+          </a:p>
+          <a:p>
+            <a:pPr lvl="1"/>
+            <a:r>
+              <a:rPr lang="ru-RU" sz="1800" dirty="0"/>
+              <a:t>Массивная библиотека</a:t>
+            </a:r>
+          </a:p>
+          <a:p>
+            <a:pPr lvl="1"/>
+            <a:endParaRPr lang="ru-RU" dirty="0"/>
+          </a:p>
+          <a:p>
+            <a:r>
+              <a:rPr lang="ru-RU" sz="2000" dirty="0"/>
+              <a:t>Плюсы:</a:t>
+            </a:r>
+          </a:p>
+          <a:p>
+            <a:pPr lvl="1"/>
+            <a:r>
+              <a:rPr lang="ru-RU" sz="1800" dirty="0"/>
+              <a:t>Универсальность</a:t>
+            </a:r>
+          </a:p>
+          <a:p>
+            <a:pPr lvl="1"/>
+            <a:r>
+              <a:rPr lang="ru-RU" sz="1800" dirty="0" err="1"/>
+              <a:t>Высокоуровневость</a:t>
+            </a:r>
+            <a:endParaRPr lang="ru-RU" sz="1800" dirty="0"/>
+          </a:p>
+          <a:p>
+            <a:pPr lvl="1"/>
+            <a:r>
+              <a:rPr lang="ru-RU" sz="1800" dirty="0"/>
+              <a:t>Контроля безопасности</a:t>
+            </a:r>
+          </a:p>
+          <a:p>
+            <a:endParaRPr lang="en-NZ" dirty="0"/>
+          </a:p>
+        </p:txBody>
+      </p:sp>
+      <p:sp>
+        <p:nvSpPr>
+          <p:cNvPr id="6" name="Slide Number Placeholder 5"/>
+          <p:cNvSpPr>
+            <a:spLocks noGrp="1"/>
+          </p:cNvSpPr>
+          <p:nvPr>
+            <p:ph type="sldNum" sz="quarter" idx="12"/>
+          </p:nvPr>
+        </p:nvSpPr>
+        <p:spPr/>
+        <p:txBody>
+          <a:bodyPr/>
+          <a:lstStyle/>
+          <a:p>
+            <a:pPr>
+              <a:defRPr/>
+            </a:pPr>
+            <a:fld id="{886A1C6C-4D23-41EE-A564-0F6045F438D4}" type="slidenum">
+              <a:rPr lang="en-NZ" smtClean="0"/>
+              <a:pPr>
+                <a:defRPr/>
+              </a:pPr>
+              <a:t>16</a:t>
+            </a:fld>
+            <a:endParaRPr lang="en-NZ"/>
+          </a:p>
+        </p:txBody>
+      </p:sp>
+    </p:spTree>
+    <p:extLst>
+      <p:ext uri="{BB962C8B-B14F-4D97-AF65-F5344CB8AC3E}">
+        <p14:creationId xmlns:p14="http://schemas.microsoft.com/office/powerpoint/2010/main" val="3584200001"/>
+      </p:ext>
+    </p:extLst>
+  </p:cSld>
+  <p:clrMapOvr>
+    <a:masterClrMapping/>
+  </p:clrMapOvr>
+</p:sld>
+</file>
+
+<file path=ppt/slides/slide17.xml><?xml version="1.0" encoding="utf-8"?>
+<p:sld xmlns:a="http://schemas.openxmlformats.org/drawingml/2006/main" xmlns:r="http://schemas.openxmlformats.org/officeDocument/2006/relationships" xmlns:p="http://schemas.openxmlformats.org/presentationml/2006/main">
+  <p:cSld>
+    <p:spTree>
+      <p:nvGrpSpPr>
+        <p:cNvPr id="1" name=""/>
+        <p:cNvGrpSpPr/>
+        <p:nvPr/>
+      </p:nvGrpSpPr>
+      <p:grpSpPr>
+        <a:xfrm>
+          <a:off x="0" y="0"/>
+          <a:ext cx="0" cy="0"/>
+          <a:chOff x="0" y="0"/>
+          <a:chExt cx="0" cy="0"/>
+        </a:xfrm>
+      </p:grpSpPr>
+      <p:sp>
+        <p:nvSpPr>
+          <p:cNvPr id="2" name="Title 1"/>
+          <p:cNvSpPr>
+            <a:spLocks noGrp="1"/>
+          </p:cNvSpPr>
+          <p:nvPr>
+            <p:ph type="title"/>
+          </p:nvPr>
+        </p:nvSpPr>
+        <p:spPr/>
+        <p:txBody>
+          <a:bodyPr/>
+          <a:lstStyle/>
+          <a:p>
+            <a:r>
+              <a:rPr lang="en-US" dirty="0"/>
+              <a:t>LINQ to Entities</a:t>
+            </a:r>
+          </a:p>
+        </p:txBody>
+      </p:sp>
+      <p:sp>
+        <p:nvSpPr>
+          <p:cNvPr id="6" name="Slide Number Placeholder 5"/>
+          <p:cNvSpPr>
+            <a:spLocks noGrp="1"/>
+          </p:cNvSpPr>
+          <p:nvPr>
+            <p:ph type="sldNum" sz="quarter" idx="12"/>
+          </p:nvPr>
+        </p:nvSpPr>
+        <p:spPr/>
+        <p:txBody>
+          <a:bodyPr/>
+          <a:lstStyle/>
+          <a:p>
+            <a:pPr>
+              <a:defRPr/>
+            </a:pPr>
+            <a:fld id="{886A1C6C-4D23-41EE-A564-0F6045F438D4}" type="slidenum">
+              <a:rPr lang="en-NZ" smtClean="0"/>
+              <a:pPr>
+                <a:defRPr/>
+              </a:pPr>
+              <a:t>17</a:t>
+            </a:fld>
+            <a:endParaRPr lang="en-NZ"/>
+          </a:p>
+        </p:txBody>
+      </p:sp>
+      <p:sp>
+        <p:nvSpPr>
+          <p:cNvPr id="4" name="Content Placeholder 3"/>
+          <p:cNvSpPr>
+            <a:spLocks noGrp="1"/>
+          </p:cNvSpPr>
+          <p:nvPr>
+            <p:ph idx="1"/>
+          </p:nvPr>
+        </p:nvSpPr>
+        <p:spPr>
+          <a:xfrm>
+            <a:off x="683568" y="2489200"/>
+            <a:ext cx="7786356" cy="4108152"/>
+          </a:xfrm>
+        </p:spPr>
+        <p:txBody>
+          <a:bodyPr/>
+          <a:lstStyle/>
+          <a:p>
+            <a:r>
+              <a:rPr lang="ru-RU" dirty="0"/>
+              <a:t>Это альтернативный интерфейс LINQ API, используемый для обращения к базе данных. </a:t>
+            </a:r>
+          </a:p>
+          <a:p>
+            <a:r>
+              <a:rPr lang="ru-RU" dirty="0"/>
+              <a:t>Он отделяет сущностную объектную модель данных от физической базы данных, вводя логическое отображение между ними. </a:t>
+            </a:r>
+          </a:p>
+          <a:p>
+            <a:r>
+              <a:rPr lang="ru-RU" dirty="0"/>
+              <a:t>Так, например, схемы реляционных баз данных не всегда подходят для построения объектно-ориентированных приложений и в результате мы имеем объектную модель приложения, существенно отличающуюся от логической модели данных, в этом случае используется LINQ </a:t>
+            </a:r>
+            <a:r>
+              <a:rPr lang="ru-RU" dirty="0" err="1"/>
+              <a:t>to</a:t>
+            </a:r>
+            <a:r>
+              <a:rPr lang="ru-RU" dirty="0"/>
+              <a:t> </a:t>
+            </a:r>
+            <a:r>
+              <a:rPr lang="ru-RU" dirty="0" err="1"/>
+              <a:t>Entities</a:t>
+            </a:r>
+            <a:r>
+              <a:rPr lang="ru-RU" dirty="0"/>
+              <a:t>, который использует модель EDM (</a:t>
+            </a:r>
+            <a:r>
+              <a:rPr lang="ru-RU" dirty="0" err="1"/>
+              <a:t>Entity</a:t>
+            </a:r>
+            <a:r>
+              <a:rPr lang="ru-RU" dirty="0"/>
+              <a:t> </a:t>
+            </a:r>
+            <a:r>
+              <a:rPr lang="ru-RU" dirty="0" err="1"/>
+              <a:t>Data</a:t>
+            </a:r>
+            <a:r>
+              <a:rPr lang="ru-RU" dirty="0"/>
+              <a:t> </a:t>
+            </a:r>
+            <a:r>
+              <a:rPr lang="ru-RU" dirty="0" err="1"/>
+              <a:t>Model</a:t>
+            </a:r>
+            <a:r>
+              <a:rPr lang="ru-RU" dirty="0"/>
+              <a:t>).</a:t>
+            </a:r>
+            <a:endParaRPr lang="en-US" dirty="0"/>
+          </a:p>
+        </p:txBody>
+      </p:sp>
+    </p:spTree>
+    <p:extLst>
+      <p:ext uri="{BB962C8B-B14F-4D97-AF65-F5344CB8AC3E}">
+        <p14:creationId xmlns:p14="http://schemas.microsoft.com/office/powerpoint/2010/main" val="1135067330"/>
+      </p:ext>
+    </p:extLst>
+  </p:cSld>
+  <p:clrMapOvr>
+    <a:masterClrMapping/>
+  </p:clrMapOvr>
+</p:sld>
+</file>
+
+<file path=ppt/slides/slide18.xml><?xml version="1.0" encoding="utf-8"?>
+<p:sld xmlns:a="http://schemas.openxmlformats.org/drawingml/2006/main" xmlns:r="http://schemas.openxmlformats.org/officeDocument/2006/relationships" xmlns:p="http://schemas.openxmlformats.org/presentationml/2006/main">
+  <p:cSld>
+    <p:spTree>
+      <p:nvGrpSpPr>
+        <p:cNvPr id="1" name=""/>
+        <p:cNvGrpSpPr/>
+        <p:nvPr/>
+      </p:nvGrpSpPr>
+      <p:grpSpPr>
+        <a:xfrm>
+          <a:off x="0" y="0"/>
+          <a:ext cx="0" cy="0"/>
+          <a:chOff x="0" y="0"/>
+          <a:chExt cx="0" cy="0"/>
+        </a:xfrm>
+      </p:grpSpPr>
+      <p:sp>
+        <p:nvSpPr>
+          <p:cNvPr id="2" name="Title 1"/>
+          <p:cNvSpPr>
+            <a:spLocks noGrp="1"/>
+          </p:cNvSpPr>
+          <p:nvPr>
+            <p:ph type="title"/>
+          </p:nvPr>
+        </p:nvSpPr>
+        <p:spPr/>
+        <p:txBody>
+          <a:bodyPr/>
+          <a:lstStyle/>
+          <a:p>
+            <a:r>
+              <a:rPr lang="ru-RU" dirty="0"/>
+              <a:t>Подходы в </a:t>
+            </a:r>
+            <a:r>
+              <a:rPr lang="en-US" dirty="0"/>
+              <a:t>EF</a:t>
+            </a:r>
+          </a:p>
+        </p:txBody>
+      </p:sp>
+      <p:sp>
+        <p:nvSpPr>
+          <p:cNvPr id="6" name="Slide Number Placeholder 5"/>
+          <p:cNvSpPr>
+            <a:spLocks noGrp="1"/>
+          </p:cNvSpPr>
+          <p:nvPr>
+            <p:ph type="sldNum" sz="quarter" idx="12"/>
+          </p:nvPr>
+        </p:nvSpPr>
+        <p:spPr/>
+        <p:txBody>
+          <a:bodyPr/>
+          <a:lstStyle/>
+          <a:p>
+            <a:pPr>
+              <a:defRPr/>
+            </a:pPr>
+            <a:fld id="{886A1C6C-4D23-41EE-A564-0F6045F438D4}" type="slidenum">
+              <a:rPr lang="en-NZ" smtClean="0"/>
+              <a:pPr>
+                <a:defRPr/>
+              </a:pPr>
+              <a:t>18</a:t>
+            </a:fld>
+            <a:endParaRPr lang="en-NZ"/>
+          </a:p>
+        </p:txBody>
+      </p:sp>
+      <p:sp>
+        <p:nvSpPr>
+          <p:cNvPr id="4" name="Content Placeholder 3"/>
+          <p:cNvSpPr>
+            <a:spLocks noGrp="1"/>
+          </p:cNvSpPr>
+          <p:nvPr>
+            <p:ph idx="1"/>
+          </p:nvPr>
+        </p:nvSpPr>
+        <p:spPr>
+          <a:xfrm>
+            <a:off x="683568" y="2489200"/>
+            <a:ext cx="7786356" cy="4108152"/>
+          </a:xfrm>
+        </p:spPr>
+        <p:txBody>
+          <a:bodyPr/>
+          <a:lstStyle/>
+          <a:p>
+            <a:r>
+              <a:rPr lang="ru-RU" dirty="0"/>
+              <a:t>Изначально с самой первой версии </a:t>
+            </a:r>
+            <a:r>
+              <a:rPr lang="ru-RU" dirty="0" err="1"/>
+              <a:t>Entity</a:t>
+            </a:r>
+            <a:r>
+              <a:rPr lang="ru-RU" dirty="0"/>
+              <a:t> </a:t>
+            </a:r>
+            <a:r>
+              <a:rPr lang="ru-RU" dirty="0" err="1"/>
+              <a:t>Framework</a:t>
+            </a:r>
+            <a:r>
+              <a:rPr lang="ru-RU" dirty="0"/>
+              <a:t> поддерживал подход </a:t>
+            </a:r>
+            <a:r>
+              <a:rPr lang="ru-RU" dirty="0" err="1"/>
+              <a:t>Database</a:t>
+            </a:r>
+            <a:r>
+              <a:rPr lang="ru-RU" dirty="0"/>
+              <a:t> </a:t>
+            </a:r>
+            <a:r>
+              <a:rPr lang="ru-RU" dirty="0" err="1"/>
+              <a:t>First</a:t>
+            </a:r>
+            <a:r>
+              <a:rPr lang="ru-RU" dirty="0"/>
+              <a:t>, который позволял по готовой базе данных сгенерировать модель </a:t>
+            </a:r>
+            <a:r>
+              <a:rPr lang="ru-RU" dirty="0" err="1"/>
+              <a:t>edmx</a:t>
+            </a:r>
+            <a:r>
+              <a:rPr lang="ru-RU" dirty="0"/>
+              <a:t>. </a:t>
+            </a:r>
+          </a:p>
+          <a:p>
+            <a:r>
+              <a:rPr lang="ru-RU" dirty="0"/>
+              <a:t>Затем эта модель использовалась для подключения к базе данных. Позже был добавлен подход </a:t>
+            </a:r>
+            <a:r>
+              <a:rPr lang="ru-RU" dirty="0" err="1"/>
+              <a:t>Model</a:t>
+            </a:r>
+            <a:r>
+              <a:rPr lang="ru-RU" dirty="0"/>
+              <a:t> </a:t>
+            </a:r>
+            <a:r>
+              <a:rPr lang="ru-RU" dirty="0" err="1"/>
+              <a:t>First</a:t>
+            </a:r>
+            <a:r>
+              <a:rPr lang="ru-RU" dirty="0"/>
+              <a:t>. Он позволял создать вручную с помощью визуального редактора модель </a:t>
+            </a:r>
+            <a:r>
+              <a:rPr lang="ru-RU" dirty="0" err="1"/>
+              <a:t>edmx</a:t>
+            </a:r>
+            <a:r>
+              <a:rPr lang="ru-RU" dirty="0"/>
+              <a:t>, и по ней создать базу данных. </a:t>
+            </a:r>
+          </a:p>
+          <a:p>
+            <a:r>
+              <a:rPr lang="ru-RU" dirty="0"/>
+              <a:t>Начиная с 5.0 предпочтительным подходом становится </a:t>
+            </a:r>
+            <a:r>
+              <a:rPr lang="ru-RU" dirty="0" err="1"/>
+              <a:t>Code</a:t>
+            </a:r>
+            <a:r>
+              <a:rPr lang="ru-RU" dirty="0"/>
+              <a:t> </a:t>
+            </a:r>
+            <a:r>
+              <a:rPr lang="ru-RU" dirty="0" err="1"/>
+              <a:t>First</a:t>
+            </a:r>
+            <a:r>
+              <a:rPr lang="ru-RU" dirty="0"/>
+              <a:t>. </a:t>
+            </a:r>
+          </a:p>
+          <a:p>
+            <a:pPr lvl="1"/>
+            <a:r>
+              <a:rPr lang="ru-RU" dirty="0"/>
+              <a:t>Его суть - сначала пишется код модели на C#, а затем по нему генерируется база данных. При этом модель </a:t>
+            </a:r>
+            <a:r>
+              <a:rPr lang="ru-RU" dirty="0" err="1"/>
+              <a:t>edmx</a:t>
+            </a:r>
+            <a:r>
+              <a:rPr lang="ru-RU" dirty="0"/>
+              <a:t> уже не используется.</a:t>
+            </a:r>
+            <a:endParaRPr lang="en-US" dirty="0"/>
+          </a:p>
+        </p:txBody>
+      </p:sp>
+    </p:spTree>
+    <p:extLst>
+      <p:ext uri="{BB962C8B-B14F-4D97-AF65-F5344CB8AC3E}">
+        <p14:creationId xmlns:p14="http://schemas.microsoft.com/office/powerpoint/2010/main" val="2903310159"/>
+      </p:ext>
+    </p:extLst>
+  </p:cSld>
+  <p:clrMapOvr>
+    <a:masterClrMapping/>
+  </p:clrMapOvr>
+</p:sld>
+</file>
+
+<file path=ppt/slides/slide19.xml><?xml version="1.0" encoding="utf-8"?>
+<p:sld xmlns:a="http://schemas.openxmlformats.org/drawingml/2006/main" xmlns:r="http://schemas.openxmlformats.org/officeDocument/2006/relationships" xmlns:p="http://schemas.openxmlformats.org/presentationml/2006/main">
+  <p:cSld>
+    <p:spTree>
+      <p:nvGrpSpPr>
+        <p:cNvPr id="1" name=""/>
+        <p:cNvGrpSpPr/>
+        <p:nvPr/>
+      </p:nvGrpSpPr>
+      <p:grpSpPr>
+        <a:xfrm>
+          <a:off x="0" y="0"/>
+          <a:ext cx="0" cy="0"/>
+          <a:chOff x="0" y="0"/>
+          <a:chExt cx="0" cy="0"/>
+        </a:xfrm>
+      </p:grpSpPr>
+      <p:sp>
+        <p:nvSpPr>
+          <p:cNvPr id="2" name="Title 1"/>
+          <p:cNvSpPr>
+            <a:spLocks noGrp="1"/>
+          </p:cNvSpPr>
+          <p:nvPr>
+            <p:ph type="title"/>
+          </p:nvPr>
+        </p:nvSpPr>
+        <p:spPr/>
+        <p:txBody>
+          <a:bodyPr/>
+          <a:lstStyle/>
+          <a:p>
+            <a:r>
+              <a:rPr lang="en-NZ" dirty="0"/>
+              <a:t>EF </a:t>
+            </a:r>
+            <a:r>
+              <a:rPr lang="ru-RU" dirty="0"/>
+              <a:t>маппинг</a:t>
+            </a:r>
+            <a:endParaRPr lang="en-NZ" dirty="0"/>
+          </a:p>
+        </p:txBody>
+      </p:sp>
+      <p:sp>
+        <p:nvSpPr>
+          <p:cNvPr id="3" name="Content Placeholder 2"/>
+          <p:cNvSpPr>
+            <a:spLocks noGrp="1"/>
+          </p:cNvSpPr>
+          <p:nvPr>
+            <p:ph idx="1"/>
+          </p:nvPr>
+        </p:nvSpPr>
+        <p:spPr/>
+        <p:txBody>
+          <a:bodyPr>
+            <a:normAutofit fontScale="92500" lnSpcReduction="10000"/>
+          </a:bodyPr>
+          <a:lstStyle/>
+          <a:p>
+            <a:r>
+              <a:rPr lang="ru-RU" dirty="0"/>
+              <a:t>База данных </a:t>
+            </a:r>
+            <a:r>
+              <a:rPr lang="ru-RU" dirty="0" err="1"/>
+              <a:t>маппится</a:t>
+            </a:r>
+            <a:r>
+              <a:rPr lang="ru-RU" dirty="0"/>
+              <a:t> в класс</a:t>
+            </a:r>
+            <a:endParaRPr lang="en-NZ" dirty="0"/>
+          </a:p>
+          <a:p>
+            <a:pPr lvl="1"/>
+            <a:r>
+              <a:rPr lang="ru-RU" dirty="0"/>
+              <a:t>Класс имеет тип </a:t>
+            </a:r>
+            <a:r>
+              <a:rPr lang="en-US" dirty="0" err="1"/>
+              <a:t>DbContext</a:t>
+            </a:r>
+            <a:endParaRPr lang="en-NZ" dirty="0"/>
+          </a:p>
+          <a:p>
+            <a:pPr lvl="1"/>
+            <a:r>
+              <a:rPr lang="ru-RU" dirty="0"/>
+              <a:t>Экземпляр создаётся при первом обращении к БД</a:t>
+            </a:r>
+            <a:endParaRPr lang="en-NZ" dirty="0"/>
+          </a:p>
+          <a:p>
+            <a:r>
+              <a:rPr lang="ru-RU" dirty="0"/>
+              <a:t>Каждая таблица в базе данных </a:t>
+            </a:r>
+            <a:r>
+              <a:rPr lang="ru-RU" dirty="0" err="1"/>
+              <a:t>маппится</a:t>
+            </a:r>
+            <a:r>
+              <a:rPr lang="ru-RU" dirty="0"/>
+              <a:t> в коллекцию объектов</a:t>
+            </a:r>
+          </a:p>
+          <a:p>
+            <a:pPr lvl="1"/>
+            <a:r>
+              <a:rPr lang="ru-RU" dirty="0"/>
+              <a:t>Коллекция являет собой тип </a:t>
+            </a:r>
+            <a:r>
+              <a:rPr lang="en-US" dirty="0" err="1"/>
+              <a:t>DbSet</a:t>
+            </a:r>
+            <a:endParaRPr lang="en-US" dirty="0"/>
+          </a:p>
+          <a:p>
+            <a:pPr lvl="1"/>
+            <a:r>
+              <a:rPr lang="ru-RU" dirty="0"/>
+              <a:t>Доступ получить можно через объект</a:t>
+            </a:r>
+            <a:r>
+              <a:rPr lang="en-US" dirty="0"/>
+              <a:t> </a:t>
+            </a:r>
+            <a:r>
+              <a:rPr lang="en-US" dirty="0" err="1"/>
+              <a:t>DbContext</a:t>
+            </a:r>
+            <a:endParaRPr lang="ru-RU" dirty="0"/>
+          </a:p>
+          <a:p>
+            <a:r>
+              <a:rPr lang="ru-RU" dirty="0"/>
+              <a:t>Каждая строка в каждой таблице базы данных в приложении будет представлять собой модель</a:t>
+            </a:r>
+          </a:p>
+          <a:p>
+            <a:pPr lvl="1"/>
+            <a:r>
+              <a:rPr lang="ru-RU" dirty="0"/>
+              <a:t>Модель может генерироваться автоматически</a:t>
+            </a:r>
+            <a:endParaRPr lang="en-NZ" dirty="0"/>
+          </a:p>
+          <a:p>
+            <a:pPr lvl="1"/>
+            <a:r>
+              <a:rPr lang="ru-RU" dirty="0"/>
+              <a:t>Свойства модели это колонки в базе данных</a:t>
+            </a:r>
+            <a:endParaRPr lang="en-NZ" dirty="0"/>
+          </a:p>
+          <a:p>
+            <a:endParaRPr lang="en-NZ" dirty="0"/>
+          </a:p>
+        </p:txBody>
+      </p:sp>
+      <p:sp>
+        <p:nvSpPr>
+          <p:cNvPr id="6" name="Slide Number Placeholder 5"/>
+          <p:cNvSpPr>
+            <a:spLocks noGrp="1"/>
+          </p:cNvSpPr>
+          <p:nvPr>
+            <p:ph type="sldNum" sz="quarter" idx="12"/>
+          </p:nvPr>
+        </p:nvSpPr>
+        <p:spPr/>
+        <p:txBody>
+          <a:bodyPr/>
+          <a:lstStyle/>
+          <a:p>
+            <a:pPr>
+              <a:defRPr/>
+            </a:pPr>
+            <a:fld id="{886A1C6C-4D23-41EE-A564-0F6045F438D4}" type="slidenum">
+              <a:rPr lang="en-NZ" smtClean="0"/>
+              <a:pPr>
+                <a:defRPr/>
+              </a:pPr>
+              <a:t>19</a:t>
+            </a:fld>
+            <a:endParaRPr lang="en-NZ"/>
+          </a:p>
+        </p:txBody>
+      </p:sp>
+    </p:spTree>
+    <p:extLst>
+      <p:ext uri="{BB962C8B-B14F-4D97-AF65-F5344CB8AC3E}">
+        <p14:creationId xmlns:p14="http://schemas.microsoft.com/office/powerpoint/2010/main" val="3720201939"/>
+      </p:ext>
+    </p:extLst>
+  </p:cSld>
+  <p:clrMapOvr>
+    <a:masterClrMapping/>
+  </p:clrMapOvr>
+</p:sld>
+</file>
+
+<file path=ppt/slides/slide2.xml><?xml version="1.0" encoding="utf-8"?>
+<p:sld xmlns:a="http://schemas.openxmlformats.org/drawingml/2006/main" xmlns:r="http://schemas.openxmlformats.org/officeDocument/2006/relationships" xmlns:p="http://schemas.openxmlformats.org/presentationml/2006/main">
+  <p:cSld>
+    <p:spTree>
+      <p:nvGrpSpPr>
+        <p:cNvPr id="1" name=""/>
+        <p:cNvGrpSpPr/>
+        <p:nvPr/>
+      </p:nvGrpSpPr>
+      <p:grpSpPr>
+        <a:xfrm>
+          <a:off x="0" y="0"/>
+          <a:ext cx="0" cy="0"/>
+          <a:chOff x="0" y="0"/>
+          <a:chExt cx="0" cy="0"/>
+        </a:xfrm>
+      </p:grpSpPr>
+      <p:sp>
+        <p:nvSpPr>
+          <p:cNvPr id="13314" name="Title 1"/>
+          <p:cNvSpPr>
+            <a:spLocks noGrp="1"/>
+          </p:cNvSpPr>
+          <p:nvPr>
+            <p:ph type="title"/>
+          </p:nvPr>
+        </p:nvSpPr>
+        <p:spPr/>
+        <p:txBody>
+          <a:bodyPr/>
+          <a:lstStyle/>
+          <a:p>
+            <a:r>
+              <a:rPr lang="ru-RU" altLang="en-US" dirty="0"/>
+              <a:t>В сегодняшней лекции</a:t>
+            </a:r>
+            <a:endParaRPr lang="en-NZ" altLang="en-US" dirty="0"/>
+          </a:p>
+        </p:txBody>
+      </p:sp>
+      <p:sp>
+        <p:nvSpPr>
+          <p:cNvPr id="13315" name="Content Placeholder 2"/>
+          <p:cNvSpPr>
+            <a:spLocks noGrp="1"/>
+          </p:cNvSpPr>
+          <p:nvPr>
+            <p:ph idx="1"/>
+          </p:nvPr>
+        </p:nvSpPr>
+        <p:spPr>
+          <a:xfrm>
+            <a:off x="864382" y="2489200"/>
+            <a:ext cx="7605542" cy="3820120"/>
+          </a:xfrm>
+        </p:spPr>
+        <p:txBody>
+          <a:bodyPr/>
+          <a:lstStyle/>
+          <a:p>
+            <a:r>
+              <a:rPr lang="ru-RU" altLang="en-US" dirty="0"/>
+              <a:t>Научиться работать с отдельными компонентами </a:t>
+            </a:r>
+            <a:r>
+              <a:rPr lang="en-NZ" altLang="en-US" dirty="0"/>
+              <a:t>C#/.NET </a:t>
+            </a:r>
+            <a:r>
+              <a:rPr lang="ru-RU" altLang="en-US" dirty="0"/>
+              <a:t>приложения чтобы уметь:</a:t>
+            </a:r>
+            <a:endParaRPr lang="en-NZ" altLang="en-US" dirty="0"/>
+          </a:p>
+          <a:p>
+            <a:pPr lvl="1"/>
+            <a:r>
+              <a:rPr lang="ru-RU" altLang="en-US" dirty="0"/>
+              <a:t>Налаживать подключение к базе данных</a:t>
+            </a:r>
+            <a:endParaRPr lang="en-NZ" altLang="en-US" dirty="0"/>
+          </a:p>
+          <a:p>
+            <a:pPr lvl="1"/>
+            <a:r>
+              <a:rPr lang="ru-RU" altLang="en-US" dirty="0"/>
+              <a:t>Определять модель данных для таблиц</a:t>
+            </a:r>
+            <a:endParaRPr lang="en-NZ" altLang="en-US" dirty="0"/>
+          </a:p>
+          <a:p>
+            <a:pPr lvl="1"/>
+            <a:r>
+              <a:rPr lang="ru-RU" altLang="en-US" dirty="0"/>
+              <a:t>Делать запросы в базу данных</a:t>
+            </a:r>
+            <a:endParaRPr lang="en-NZ" altLang="en-US" dirty="0"/>
+          </a:p>
+          <a:p>
+            <a:pPr lvl="1"/>
+            <a:endParaRPr lang="en-NZ" altLang="en-US" dirty="0"/>
+          </a:p>
+          <a:p>
+            <a:endParaRPr lang="en-NZ" altLang="en-US" dirty="0"/>
+          </a:p>
+        </p:txBody>
+      </p:sp>
+      <p:sp>
+        <p:nvSpPr>
+          <p:cNvPr id="13317" name="Slide Number Placeholder 5"/>
+          <p:cNvSpPr>
+            <a:spLocks noGrp="1"/>
+          </p:cNvSpPr>
+          <p:nvPr>
+            <p:ph type="sldNum" sz="quarter" idx="12"/>
+          </p:nvPr>
+        </p:nvSpPr>
+        <p:spPr bwMode="auto">
+          <a:noFill/>
+          <a:extLst>
+            <a:ext uri="{909E8E84-426E-40DD-AFC4-6F175D3DCCD1}">
+              <a14:hiddenFill xmlns:a14="http://schemas.microsoft.com/office/drawing/2010/main">
+                <a:solidFill>
+                  <a:srgbClr val="FFFFFF"/>
+                </a:solidFill>
+              </a14:hiddenFill>
+            </a:ext>
+            <a:ext uri="{91240B29-F687-4F45-9708-019B960494DF}">
+              <a14:hiddenLine xmlns:a14="http://schemas.microsoft.com/office/drawing/2010/main" w="9525">
+                <a:solidFill>
+                  <a:srgbClr val="000000"/>
+                </a:solidFill>
+                <a:miter lim="800000"/>
+                <a:headEnd/>
+                <a:tailEnd/>
+              </a14:hiddenLine>
+            </a:ext>
+          </a:extLst>
+        </p:spPr>
+        <p:txBody>
+          <a:bodyPr/>
+          <a:lstStyle>
+            <a:lvl1pPr algn="l" eaLnBrk="0" hangingPunct="0">
+              <a:spcBef>
+                <a:spcPts val="600"/>
+              </a:spcBef>
+              <a:buClr>
+                <a:schemeClr val="accent1"/>
+              </a:buClr>
+              <a:buSzPct val="76000"/>
+              <a:buFont typeface="Wingdings 3" pitchFamily="18" charset="2"/>
+              <a:buChar char=""/>
+              <a:defRPr sz="2600">
+                <a:solidFill>
+                  <a:schemeClr val="tx1"/>
+                </a:solidFill>
+                <a:latin typeface="Gill Sans MT" pitchFamily="34" charset="0"/>
+              </a:defRPr>
+            </a:lvl1pPr>
+            <a:lvl2pPr marL="742950" indent="-285750" algn="l" eaLnBrk="0" hangingPunct="0">
+              <a:spcBef>
+                <a:spcPts val="500"/>
+              </a:spcBef>
+              <a:buClr>
+                <a:schemeClr val="accent2"/>
+              </a:buClr>
+              <a:buSzPct val="76000"/>
+              <a:buFont typeface="Wingdings 3" pitchFamily="18" charset="2"/>
+              <a:buChar char=""/>
+              <a:defRPr sz="2300">
+                <a:solidFill>
+                  <a:schemeClr val="tx2"/>
+                </a:solidFill>
+                <a:latin typeface="Gill Sans MT" pitchFamily="34" charset="0"/>
+              </a:defRPr>
+            </a:lvl2pPr>
+            <a:lvl3pPr marL="1143000" indent="-228600" algn="l" eaLnBrk="0" hangingPunct="0">
+              <a:spcBef>
+                <a:spcPts val="500"/>
+              </a:spcBef>
+              <a:buClr>
+                <a:srgbClr val="BCBCBC"/>
+              </a:buClr>
+              <a:buSzPct val="76000"/>
+              <a:buFont typeface="Wingdings 3" pitchFamily="18" charset="2"/>
+              <a:buChar char=""/>
+              <a:defRPr sz="2000">
+                <a:solidFill>
+                  <a:schemeClr val="tx1"/>
+                </a:solidFill>
+                <a:latin typeface="Gill Sans MT" pitchFamily="34" charset="0"/>
+              </a:defRPr>
+            </a:lvl3pPr>
+            <a:lvl4pPr marL="1600200" indent="-228600" algn="l" eaLnBrk="0" hangingPunct="0">
+              <a:spcBef>
+                <a:spcPts val="400"/>
+              </a:spcBef>
+              <a:buClr>
+                <a:srgbClr val="8BA2B4"/>
+              </a:buClr>
+              <a:buSzPct val="70000"/>
+              <a:buFont typeface="Wingdings" pitchFamily="2" charset="2"/>
+              <a:buChar char=""/>
+              <a:defRPr>
+                <a:solidFill>
+                  <a:schemeClr val="tx1"/>
+                </a:solidFill>
+                <a:latin typeface="Gill Sans MT" pitchFamily="34" charset="0"/>
+              </a:defRPr>
+            </a:lvl4pPr>
+            <a:lvl5pPr marL="2057400" indent="-228600" algn="l" eaLnBrk="0" hangingPunct="0">
+              <a:spcBef>
+                <a:spcPts val="300"/>
+              </a:spcBef>
+              <a:buClr>
+                <a:schemeClr val="accent2"/>
+              </a:buClr>
+              <a:buSzPct val="70000"/>
+              <a:buFont typeface="Wingdings" pitchFamily="2" charset="2"/>
+              <a:buChar char=""/>
+              <a:defRPr sz="1600">
+                <a:solidFill>
+                  <a:schemeClr val="tx1"/>
+                </a:solidFill>
+                <a:latin typeface="Gill Sans MT" pitchFamily="34" charset="0"/>
+              </a:defRPr>
+            </a:lvl5pPr>
+            <a:lvl6pPr marL="2514600" indent="-228600" eaLnBrk="0" fontAlgn="base" hangingPunct="0">
+              <a:spcBef>
+                <a:spcPts val="300"/>
+              </a:spcBef>
+              <a:spcAft>
+                <a:spcPct val="0"/>
+              </a:spcAft>
+              <a:buClr>
+                <a:schemeClr val="accent2"/>
+              </a:buClr>
+              <a:buSzPct val="70000"/>
+              <a:buFont typeface="Wingdings" pitchFamily="2" charset="2"/>
+              <a:buChar char=""/>
+              <a:defRPr sz="1600">
+                <a:solidFill>
+                  <a:schemeClr val="tx1"/>
+                </a:solidFill>
+                <a:latin typeface="Gill Sans MT" pitchFamily="34" charset="0"/>
+              </a:defRPr>
+            </a:lvl6pPr>
+            <a:lvl7pPr marL="2971800" indent="-228600" eaLnBrk="0" fontAlgn="base" hangingPunct="0">
+              <a:spcBef>
+                <a:spcPts val="300"/>
+              </a:spcBef>
+              <a:spcAft>
+                <a:spcPct val="0"/>
+              </a:spcAft>
+              <a:buClr>
+                <a:schemeClr val="accent2"/>
+              </a:buClr>
+              <a:buSzPct val="70000"/>
+              <a:buFont typeface="Wingdings" pitchFamily="2" charset="2"/>
+              <a:buChar char=""/>
+              <a:defRPr sz="1600">
+                <a:solidFill>
+                  <a:schemeClr val="tx1"/>
+                </a:solidFill>
+                <a:latin typeface="Gill Sans MT" pitchFamily="34" charset="0"/>
+              </a:defRPr>
+            </a:lvl7pPr>
+            <a:lvl8pPr marL="3429000" indent="-228600" eaLnBrk="0" fontAlgn="base" hangingPunct="0">
+              <a:spcBef>
+                <a:spcPts val="300"/>
+              </a:spcBef>
+              <a:spcAft>
+                <a:spcPct val="0"/>
+              </a:spcAft>
+              <a:buClr>
+                <a:schemeClr val="accent2"/>
+              </a:buClr>
+              <a:buSzPct val="70000"/>
+              <a:buFont typeface="Wingdings" pitchFamily="2" charset="2"/>
+              <a:buChar char=""/>
+              <a:defRPr sz="1600">
+                <a:solidFill>
+                  <a:schemeClr val="tx1"/>
+                </a:solidFill>
+                <a:latin typeface="Gill Sans MT" pitchFamily="34" charset="0"/>
+              </a:defRPr>
+            </a:lvl8pPr>
+            <a:lvl9pPr marL="3886200" indent="-228600" eaLnBrk="0" fontAlgn="base" hangingPunct="0">
+              <a:spcBef>
+                <a:spcPts val="300"/>
+              </a:spcBef>
+              <a:spcAft>
+                <a:spcPct val="0"/>
+              </a:spcAft>
+              <a:buClr>
+                <a:schemeClr val="accent2"/>
+              </a:buClr>
+              <a:buSzPct val="70000"/>
+              <a:buFont typeface="Wingdings" pitchFamily="2" charset="2"/>
+              <a:buChar char=""/>
+              <a:defRPr sz="1600">
+                <a:solidFill>
+                  <a:schemeClr val="tx1"/>
+                </a:solidFill>
+                <a:latin typeface="Gill Sans MT" pitchFamily="34" charset="0"/>
+              </a:defRPr>
+            </a:lvl9pPr>
+          </a:lstStyle>
+          <a:p>
+            <a:pPr eaLnBrk="1" hangingPunct="1">
+              <a:spcBef>
+                <a:spcPct val="0"/>
+              </a:spcBef>
+              <a:buClrTx/>
+              <a:buSzTx/>
+              <a:buFontTx/>
+              <a:buNone/>
+            </a:pPr>
+            <a:fld id="{7B09B250-E622-4821-BF40-A6FFAF44DAC2}" type="slidenum">
+              <a:rPr lang="en-NZ" altLang="en-US" sz="1400" smtClean="0">
+                <a:solidFill>
+                  <a:schemeClr val="tx2"/>
+                </a:solidFill>
+                <a:latin typeface="Tahoma" pitchFamily="34" charset="0"/>
+              </a:rPr>
+              <a:pPr eaLnBrk="1" hangingPunct="1">
+                <a:spcBef>
+                  <a:spcPct val="0"/>
+                </a:spcBef>
+                <a:buClrTx/>
+                <a:buSzTx/>
+                <a:buFontTx/>
+                <a:buNone/>
+              </a:pPr>
+              <a:t>2</a:t>
+            </a:fld>
+            <a:endParaRPr lang="en-NZ" altLang="en-US" sz="1400">
+              <a:solidFill>
+                <a:schemeClr val="tx2"/>
+              </a:solidFill>
+              <a:latin typeface="Tahoma" pitchFamily="34" charset="0"/>
+            </a:endParaRPr>
+          </a:p>
+        </p:txBody>
+      </p:sp>
+    </p:spTree>
+  </p:cSld>
+  <p:clrMapOvr>
+    <a:masterClrMapping/>
+  </p:clrMapOvr>
+</p:sld>
+</file>
+
+<file path=ppt/slides/slide20.xml><?xml version="1.0" encoding="utf-8"?>
+<p:sld xmlns:a="http://schemas.openxmlformats.org/drawingml/2006/main" xmlns:r="http://schemas.openxmlformats.org/officeDocument/2006/relationships" xmlns:p="http://schemas.openxmlformats.org/presentationml/2006/main">
+  <p:cSld>
+    <p:spTree>
+      <p:nvGrpSpPr>
+        <p:cNvPr id="1" name=""/>
+        <p:cNvGrpSpPr/>
+        <p:nvPr/>
+      </p:nvGrpSpPr>
+      <p:grpSpPr>
+        <a:xfrm>
+          <a:off x="0" y="0"/>
+          <a:ext cx="0" cy="0"/>
+          <a:chOff x="0" y="0"/>
+          <a:chExt cx="0" cy="0"/>
+        </a:xfrm>
+      </p:grpSpPr>
+      <p:sp>
+        <p:nvSpPr>
+          <p:cNvPr id="17410" name="Title 1"/>
+          <p:cNvSpPr>
+            <a:spLocks noGrp="1"/>
+          </p:cNvSpPr>
+          <p:nvPr>
+            <p:ph type="title"/>
+          </p:nvPr>
+        </p:nvSpPr>
+        <p:spPr/>
+        <p:txBody>
+          <a:bodyPr/>
+          <a:lstStyle/>
+          <a:p>
+            <a:r>
+              <a:rPr lang="en-US" altLang="en-US" dirty="0" err="1"/>
+              <a:t>Web.config</a:t>
+            </a:r>
+            <a:endParaRPr lang="en-NZ" altLang="en-US" dirty="0"/>
+          </a:p>
+        </p:txBody>
+      </p:sp>
+      <p:sp>
+        <p:nvSpPr>
+          <p:cNvPr id="3" name="Content Placeholder 2"/>
+          <p:cNvSpPr>
+            <a:spLocks noGrp="1"/>
+          </p:cNvSpPr>
+          <p:nvPr>
+            <p:ph idx="1"/>
+          </p:nvPr>
+        </p:nvSpPr>
+        <p:spPr>
+          <a:xfrm>
+            <a:off x="590843" y="2348880"/>
+            <a:ext cx="7879082" cy="3953494"/>
+          </a:xfrm>
+        </p:spPr>
+        <p:txBody>
+          <a:bodyPr>
+            <a:normAutofit/>
+          </a:bodyPr>
+          <a:lstStyle/>
+          <a:p>
+            <a:pPr>
+              <a:defRPr/>
+            </a:pPr>
+            <a:r>
+              <a:rPr lang="ru-RU" sz="2400" dirty="0" err="1"/>
+              <a:t>Web.config</a:t>
+            </a:r>
+            <a:r>
+              <a:rPr lang="ru-RU" sz="2400" dirty="0"/>
+              <a:t> — это файл, определяющий параметры для ASP.NET </a:t>
+            </a:r>
+            <a:r>
+              <a:rPr lang="ru-RU" sz="2400" dirty="0" err="1"/>
+              <a:t>web</a:t>
+            </a:r>
+            <a:r>
+              <a:rPr lang="ru-RU" sz="2400" dirty="0"/>
+              <a:t>-приложения. </a:t>
+            </a:r>
+          </a:p>
+          <a:p>
+            <a:pPr>
+              <a:defRPr/>
+            </a:pPr>
+            <a:r>
+              <a:rPr lang="ru-RU" sz="2400" dirty="0"/>
+              <a:t>По сути, файл </a:t>
+            </a:r>
+            <a:r>
+              <a:rPr lang="ru-RU" sz="2400" dirty="0" err="1"/>
+              <a:t>web.config</a:t>
+            </a:r>
+            <a:r>
+              <a:rPr lang="ru-RU" sz="2400" dirty="0"/>
+              <a:t> — это XML-документ. В нём хранится информация о параметрах поставщиков состояний сеансов, членства, определяются ссылки на страницы ошибок. </a:t>
+            </a:r>
+          </a:p>
+          <a:p>
+            <a:pPr>
+              <a:defRPr/>
+            </a:pPr>
+            <a:r>
+              <a:rPr lang="ru-RU" sz="2400" dirty="0"/>
+              <a:t>Также </a:t>
+            </a:r>
+            <a:r>
+              <a:rPr lang="ru-RU" sz="2400" dirty="0" err="1"/>
+              <a:t>web.config</a:t>
+            </a:r>
+            <a:r>
+              <a:rPr lang="ru-RU" sz="2400" dirty="0"/>
+              <a:t> содержит строки соединения с базами данных, средства управления трассировкой.</a:t>
+            </a:r>
+            <a:endParaRPr lang="en-NZ" sz="2400" dirty="0">
+              <a:latin typeface="Courier New" panose="02070309020205020404" pitchFamily="49" charset="0"/>
+              <a:cs typeface="Courier New" panose="02070309020205020404" pitchFamily="49" charset="0"/>
+            </a:endParaRPr>
+          </a:p>
+        </p:txBody>
+      </p:sp>
+      <p:sp>
+        <p:nvSpPr>
+          <p:cNvPr id="17413" name="Slide Number Placeholder 5"/>
+          <p:cNvSpPr>
+            <a:spLocks noGrp="1"/>
+          </p:cNvSpPr>
+          <p:nvPr>
+            <p:ph type="sldNum" sz="quarter" idx="12"/>
+          </p:nvPr>
+        </p:nvSpPr>
+        <p:spPr bwMode="auto">
+          <a:noFill/>
+          <a:extLst>
+            <a:ext uri="{909E8E84-426E-40DD-AFC4-6F175D3DCCD1}">
+              <a14:hiddenFill xmlns:a14="http://schemas.microsoft.com/office/drawing/2010/main">
+                <a:solidFill>
+                  <a:srgbClr val="FFFFFF"/>
+                </a:solidFill>
+              </a14:hiddenFill>
+            </a:ext>
+            <a:ext uri="{91240B29-F687-4F45-9708-019B960494DF}">
+              <a14:hiddenLine xmlns:a14="http://schemas.microsoft.com/office/drawing/2010/main" w="9525">
+                <a:solidFill>
+                  <a:srgbClr val="000000"/>
+                </a:solidFill>
+                <a:miter lim="800000"/>
+                <a:headEnd/>
+                <a:tailEnd/>
+              </a14:hiddenLine>
+            </a:ext>
+          </a:extLst>
+        </p:spPr>
+        <p:txBody>
+          <a:bodyPr/>
+          <a:lstStyle>
+            <a:lvl1pPr algn="l" eaLnBrk="0" hangingPunct="0">
+              <a:spcBef>
+                <a:spcPts val="600"/>
+              </a:spcBef>
+              <a:buClr>
+                <a:schemeClr val="accent1"/>
+              </a:buClr>
+              <a:buSzPct val="76000"/>
+              <a:buFont typeface="Wingdings 3" pitchFamily="18" charset="2"/>
+              <a:buChar char=""/>
+              <a:defRPr sz="2600">
+                <a:solidFill>
+                  <a:schemeClr val="tx1"/>
+                </a:solidFill>
+                <a:latin typeface="Gill Sans MT" pitchFamily="34" charset="0"/>
+              </a:defRPr>
+            </a:lvl1pPr>
+            <a:lvl2pPr marL="742950" indent="-285750" algn="l" eaLnBrk="0" hangingPunct="0">
+              <a:spcBef>
+                <a:spcPts val="500"/>
+              </a:spcBef>
+              <a:buClr>
+                <a:schemeClr val="accent2"/>
+              </a:buClr>
+              <a:buSzPct val="76000"/>
+              <a:buFont typeface="Wingdings 3" pitchFamily="18" charset="2"/>
+              <a:buChar char=""/>
+              <a:defRPr sz="2300">
+                <a:solidFill>
+                  <a:schemeClr val="tx2"/>
+                </a:solidFill>
+                <a:latin typeface="Gill Sans MT" pitchFamily="34" charset="0"/>
+              </a:defRPr>
+            </a:lvl2pPr>
+            <a:lvl3pPr marL="1143000" indent="-228600" algn="l" eaLnBrk="0" hangingPunct="0">
+              <a:spcBef>
+                <a:spcPts val="500"/>
+              </a:spcBef>
+              <a:buClr>
+                <a:srgbClr val="BCBCBC"/>
+              </a:buClr>
+              <a:buSzPct val="76000"/>
+              <a:buFont typeface="Wingdings 3" pitchFamily="18" charset="2"/>
+              <a:buChar char=""/>
+              <a:defRPr sz="2000">
+                <a:solidFill>
+                  <a:schemeClr val="tx1"/>
+                </a:solidFill>
+                <a:latin typeface="Gill Sans MT" pitchFamily="34" charset="0"/>
+              </a:defRPr>
+            </a:lvl3pPr>
+            <a:lvl4pPr marL="1600200" indent="-228600" algn="l" eaLnBrk="0" hangingPunct="0">
+              <a:spcBef>
+                <a:spcPts val="400"/>
+              </a:spcBef>
+              <a:buClr>
+                <a:srgbClr val="8BA2B4"/>
+              </a:buClr>
+              <a:buSzPct val="70000"/>
+              <a:buFont typeface="Wingdings" pitchFamily="2" charset="2"/>
+              <a:buChar char=""/>
+              <a:defRPr>
+                <a:solidFill>
+                  <a:schemeClr val="tx1"/>
+                </a:solidFill>
+                <a:latin typeface="Gill Sans MT" pitchFamily="34" charset="0"/>
+              </a:defRPr>
+            </a:lvl4pPr>
+            <a:lvl5pPr marL="2057400" indent="-228600" algn="l" eaLnBrk="0" hangingPunct="0">
+              <a:spcBef>
+                <a:spcPts val="300"/>
+              </a:spcBef>
+              <a:buClr>
+                <a:schemeClr val="accent2"/>
+              </a:buClr>
+              <a:buSzPct val="70000"/>
+              <a:buFont typeface="Wingdings" pitchFamily="2" charset="2"/>
+              <a:buChar char=""/>
+              <a:defRPr sz="1600">
+                <a:solidFill>
+                  <a:schemeClr val="tx1"/>
+                </a:solidFill>
+                <a:latin typeface="Gill Sans MT" pitchFamily="34" charset="0"/>
+              </a:defRPr>
+            </a:lvl5pPr>
+            <a:lvl6pPr marL="2514600" indent="-228600" eaLnBrk="0" fontAlgn="base" hangingPunct="0">
+              <a:spcBef>
+                <a:spcPts val="300"/>
+              </a:spcBef>
+              <a:spcAft>
+                <a:spcPct val="0"/>
+              </a:spcAft>
+              <a:buClr>
+                <a:schemeClr val="accent2"/>
+              </a:buClr>
+              <a:buSzPct val="70000"/>
+              <a:buFont typeface="Wingdings" pitchFamily="2" charset="2"/>
+              <a:buChar char=""/>
+              <a:defRPr sz="1600">
+                <a:solidFill>
+                  <a:schemeClr val="tx1"/>
+                </a:solidFill>
+                <a:latin typeface="Gill Sans MT" pitchFamily="34" charset="0"/>
+              </a:defRPr>
+            </a:lvl6pPr>
+            <a:lvl7pPr marL="2971800" indent="-228600" eaLnBrk="0" fontAlgn="base" hangingPunct="0">
+              <a:spcBef>
+                <a:spcPts val="300"/>
+              </a:spcBef>
+              <a:spcAft>
+                <a:spcPct val="0"/>
+              </a:spcAft>
+              <a:buClr>
+                <a:schemeClr val="accent2"/>
+              </a:buClr>
+              <a:buSzPct val="70000"/>
+              <a:buFont typeface="Wingdings" pitchFamily="2" charset="2"/>
+              <a:buChar char=""/>
+              <a:defRPr sz="1600">
+                <a:solidFill>
+                  <a:schemeClr val="tx1"/>
+                </a:solidFill>
+                <a:latin typeface="Gill Sans MT" pitchFamily="34" charset="0"/>
+              </a:defRPr>
+            </a:lvl7pPr>
+            <a:lvl8pPr marL="3429000" indent="-228600" eaLnBrk="0" fontAlgn="base" hangingPunct="0">
+              <a:spcBef>
+                <a:spcPts val="300"/>
+              </a:spcBef>
+              <a:spcAft>
+                <a:spcPct val="0"/>
+              </a:spcAft>
+              <a:buClr>
+                <a:schemeClr val="accent2"/>
+              </a:buClr>
+              <a:buSzPct val="70000"/>
+              <a:buFont typeface="Wingdings" pitchFamily="2" charset="2"/>
+              <a:buChar char=""/>
+              <a:defRPr sz="1600">
+                <a:solidFill>
+                  <a:schemeClr val="tx1"/>
+                </a:solidFill>
+                <a:latin typeface="Gill Sans MT" pitchFamily="34" charset="0"/>
+              </a:defRPr>
+            </a:lvl8pPr>
+            <a:lvl9pPr marL="3886200" indent="-228600" eaLnBrk="0" fontAlgn="base" hangingPunct="0">
+              <a:spcBef>
+                <a:spcPts val="300"/>
+              </a:spcBef>
+              <a:spcAft>
+                <a:spcPct val="0"/>
+              </a:spcAft>
+              <a:buClr>
+                <a:schemeClr val="accent2"/>
+              </a:buClr>
+              <a:buSzPct val="70000"/>
+              <a:buFont typeface="Wingdings" pitchFamily="2" charset="2"/>
+              <a:buChar char=""/>
+              <a:defRPr sz="1600">
+                <a:solidFill>
+                  <a:schemeClr val="tx1"/>
+                </a:solidFill>
+                <a:latin typeface="Gill Sans MT" pitchFamily="34" charset="0"/>
+              </a:defRPr>
+            </a:lvl9pPr>
+          </a:lstStyle>
+          <a:p>
+            <a:pPr eaLnBrk="1" hangingPunct="1">
+              <a:spcBef>
+                <a:spcPct val="0"/>
+              </a:spcBef>
+              <a:buClrTx/>
+              <a:buSzTx/>
+              <a:buFontTx/>
+              <a:buNone/>
+            </a:pPr>
+            <a:fld id="{B38BFC1E-5E42-4360-99DE-2B8CAF7C06F8}" type="slidenum">
+              <a:rPr lang="en-NZ" altLang="en-US" sz="1400" smtClean="0">
+                <a:solidFill>
+                  <a:schemeClr val="tx2"/>
+                </a:solidFill>
+                <a:latin typeface="Tahoma" pitchFamily="34" charset="0"/>
+              </a:rPr>
+              <a:pPr eaLnBrk="1" hangingPunct="1">
+                <a:spcBef>
+                  <a:spcPct val="0"/>
+                </a:spcBef>
+                <a:buClrTx/>
+                <a:buSzTx/>
+                <a:buFontTx/>
+                <a:buNone/>
+              </a:pPr>
+              <a:t>20</a:t>
+            </a:fld>
+            <a:endParaRPr lang="en-NZ" altLang="en-US" sz="1400" dirty="0">
+              <a:solidFill>
+                <a:schemeClr val="tx2"/>
+              </a:solidFill>
+              <a:latin typeface="Tahoma" pitchFamily="34" charset="0"/>
+            </a:endParaRPr>
+          </a:p>
+        </p:txBody>
+      </p:sp>
+    </p:spTree>
+    <p:extLst>
+      <p:ext uri="{BB962C8B-B14F-4D97-AF65-F5344CB8AC3E}">
+        <p14:creationId xmlns:p14="http://schemas.microsoft.com/office/powerpoint/2010/main" val="341226991"/>
+      </p:ext>
+    </p:extLst>
+  </p:cSld>
+  <p:clrMapOvr>
+    <a:masterClrMapping/>
+  </p:clrMapOvr>
+</p:sld>
+</file>
+
+<file path=ppt/slides/slide21.xml><?xml version="1.0" encoding="utf-8"?>
+<p:sld xmlns:a="http://schemas.openxmlformats.org/drawingml/2006/main" xmlns:r="http://schemas.openxmlformats.org/officeDocument/2006/relationships" xmlns:p="http://schemas.openxmlformats.org/presentationml/2006/main">
+  <p:cSld>
+    <p:spTree>
+      <p:nvGrpSpPr>
+        <p:cNvPr id="1" name=""/>
+        <p:cNvGrpSpPr/>
+        <p:nvPr/>
+      </p:nvGrpSpPr>
+      <p:grpSpPr>
+        <a:xfrm>
+          <a:off x="0" y="0"/>
+          <a:ext cx="0" cy="0"/>
+          <a:chOff x="0" y="0"/>
+          <a:chExt cx="0" cy="0"/>
+        </a:xfrm>
+      </p:grpSpPr>
+      <p:sp>
+        <p:nvSpPr>
+          <p:cNvPr id="17410" name="Title 1"/>
+          <p:cNvSpPr>
+            <a:spLocks noGrp="1"/>
+          </p:cNvSpPr>
+          <p:nvPr>
+            <p:ph type="title"/>
+          </p:nvPr>
+        </p:nvSpPr>
+        <p:spPr/>
+        <p:txBody>
+          <a:bodyPr/>
+          <a:lstStyle/>
+          <a:p>
+            <a:r>
+              <a:rPr lang="ru-RU" altLang="en-US" dirty="0"/>
+              <a:t>Строка подключения</a:t>
+            </a:r>
+            <a:endParaRPr lang="en-NZ" altLang="en-US" dirty="0"/>
+          </a:p>
+        </p:txBody>
+      </p:sp>
+      <p:sp>
+        <p:nvSpPr>
+          <p:cNvPr id="3" name="Content Placeholder 2"/>
+          <p:cNvSpPr>
+            <a:spLocks noGrp="1"/>
+          </p:cNvSpPr>
+          <p:nvPr>
+            <p:ph idx="1"/>
+          </p:nvPr>
+        </p:nvSpPr>
+        <p:spPr>
+          <a:xfrm>
+            <a:off x="590842" y="2348880"/>
+            <a:ext cx="8013605" cy="4032448"/>
+          </a:xfrm>
+        </p:spPr>
+        <p:txBody>
+          <a:bodyPr>
+            <a:normAutofit lnSpcReduction="10000"/>
+          </a:bodyPr>
+          <a:lstStyle/>
+          <a:p>
+            <a:pPr>
+              <a:defRPr/>
+            </a:pPr>
+            <a:r>
+              <a:rPr lang="ru-RU" sz="2200" dirty="0">
+                <a:latin typeface="Century Gothic (Body)"/>
+                <a:cs typeface="Courier New" panose="02070309020205020404" pitchFamily="49" charset="0"/>
+              </a:rPr>
+              <a:t>Строка подключения это строка, которая содержит информацию, необходимую ODBC драйверу/OLE DB провайдеру для подключения к источнику данных. </a:t>
+            </a:r>
+          </a:p>
+          <a:p>
+            <a:pPr lvl="1">
+              <a:defRPr/>
+            </a:pPr>
+            <a:r>
+              <a:rPr lang="ru-RU" sz="2000" dirty="0">
+                <a:latin typeface="Century Gothic (Body)"/>
+                <a:cs typeface="Courier New" panose="02070309020205020404" pitchFamily="49" charset="0"/>
+              </a:rPr>
+              <a:t>В качестве источника данных могут выступать базы данных, файлы с данными.</a:t>
+            </a:r>
+          </a:p>
+          <a:p>
+            <a:pPr>
+              <a:defRPr/>
+            </a:pPr>
+            <a:r>
+              <a:rPr lang="ru-RU" sz="2200" dirty="0">
+                <a:latin typeface="Century Gothic (Body)"/>
+                <a:cs typeface="Courier New" panose="02070309020205020404" pitchFamily="49" charset="0"/>
+              </a:rPr>
+              <a:t>Строка подключения состоит из набора пар "ключевое слово" - "значение", разделенных точками с запятыми(;). Каждое ключевое слово соединено с соответствующим ему значением знаком равенства</a:t>
+            </a:r>
+          </a:p>
+          <a:p>
+            <a:pPr lvl="1">
+              <a:defRPr/>
+            </a:pPr>
+            <a:r>
+              <a:rPr lang="ru-RU" sz="2000" dirty="0">
+                <a:latin typeface="Century Gothic (Body)"/>
+                <a:cs typeface="Courier New" panose="02070309020205020404" pitchFamily="49" charset="0"/>
+              </a:rPr>
+              <a:t>Пример: Key1=Value1;Key2=Value2;Key3=Value3;.</a:t>
+            </a:r>
+            <a:endParaRPr lang="en-NZ" sz="2000" dirty="0">
+              <a:latin typeface="Century Gothic (Body)"/>
+              <a:cs typeface="Courier New" panose="02070309020205020404" pitchFamily="49" charset="0"/>
+            </a:endParaRPr>
+          </a:p>
+        </p:txBody>
+      </p:sp>
+      <p:sp>
+        <p:nvSpPr>
+          <p:cNvPr id="17413" name="Slide Number Placeholder 5"/>
+          <p:cNvSpPr>
+            <a:spLocks noGrp="1"/>
+          </p:cNvSpPr>
+          <p:nvPr>
+            <p:ph type="sldNum" sz="quarter" idx="12"/>
+          </p:nvPr>
+        </p:nvSpPr>
+        <p:spPr bwMode="auto">
+          <a:noFill/>
+          <a:extLst>
+            <a:ext uri="{909E8E84-426E-40DD-AFC4-6F175D3DCCD1}">
+              <a14:hiddenFill xmlns:a14="http://schemas.microsoft.com/office/drawing/2010/main">
+                <a:solidFill>
+                  <a:srgbClr val="FFFFFF"/>
+                </a:solidFill>
+              </a14:hiddenFill>
+            </a:ext>
+            <a:ext uri="{91240B29-F687-4F45-9708-019B960494DF}">
+              <a14:hiddenLine xmlns:a14="http://schemas.microsoft.com/office/drawing/2010/main" w="9525">
+                <a:solidFill>
+                  <a:srgbClr val="000000"/>
+                </a:solidFill>
+                <a:miter lim="800000"/>
+                <a:headEnd/>
+                <a:tailEnd/>
+              </a14:hiddenLine>
+            </a:ext>
+          </a:extLst>
+        </p:spPr>
+        <p:txBody>
+          <a:bodyPr/>
+          <a:lstStyle>
+            <a:lvl1pPr algn="l" eaLnBrk="0" hangingPunct="0">
+              <a:spcBef>
+                <a:spcPts val="600"/>
+              </a:spcBef>
+              <a:buClr>
+                <a:schemeClr val="accent1"/>
+              </a:buClr>
+              <a:buSzPct val="76000"/>
+              <a:buFont typeface="Wingdings 3" pitchFamily="18" charset="2"/>
+              <a:buChar char=""/>
+              <a:defRPr sz="2600">
+                <a:solidFill>
+                  <a:schemeClr val="tx1"/>
+                </a:solidFill>
+                <a:latin typeface="Gill Sans MT" pitchFamily="34" charset="0"/>
+              </a:defRPr>
+            </a:lvl1pPr>
+            <a:lvl2pPr marL="742950" indent="-285750" algn="l" eaLnBrk="0" hangingPunct="0">
+              <a:spcBef>
+                <a:spcPts val="500"/>
+              </a:spcBef>
+              <a:buClr>
+                <a:schemeClr val="accent2"/>
+              </a:buClr>
+              <a:buSzPct val="76000"/>
+              <a:buFont typeface="Wingdings 3" pitchFamily="18" charset="2"/>
+              <a:buChar char=""/>
+              <a:defRPr sz="2300">
+                <a:solidFill>
+                  <a:schemeClr val="tx2"/>
+                </a:solidFill>
+                <a:latin typeface="Gill Sans MT" pitchFamily="34" charset="0"/>
+              </a:defRPr>
+            </a:lvl2pPr>
+            <a:lvl3pPr marL="1143000" indent="-228600" algn="l" eaLnBrk="0" hangingPunct="0">
+              <a:spcBef>
+                <a:spcPts val="500"/>
+              </a:spcBef>
+              <a:buClr>
+                <a:srgbClr val="BCBCBC"/>
+              </a:buClr>
+              <a:buSzPct val="76000"/>
+              <a:buFont typeface="Wingdings 3" pitchFamily="18" charset="2"/>
+              <a:buChar char=""/>
+              <a:defRPr sz="2000">
+                <a:solidFill>
+                  <a:schemeClr val="tx1"/>
+                </a:solidFill>
+                <a:latin typeface="Gill Sans MT" pitchFamily="34" charset="0"/>
+              </a:defRPr>
+            </a:lvl3pPr>
+            <a:lvl4pPr marL="1600200" indent="-228600" algn="l" eaLnBrk="0" hangingPunct="0">
+              <a:spcBef>
+                <a:spcPts val="400"/>
+              </a:spcBef>
+              <a:buClr>
+                <a:srgbClr val="8BA2B4"/>
+              </a:buClr>
+              <a:buSzPct val="70000"/>
+              <a:buFont typeface="Wingdings" pitchFamily="2" charset="2"/>
+              <a:buChar char=""/>
+              <a:defRPr>
+                <a:solidFill>
+                  <a:schemeClr val="tx1"/>
+                </a:solidFill>
+                <a:latin typeface="Gill Sans MT" pitchFamily="34" charset="0"/>
+              </a:defRPr>
+            </a:lvl4pPr>
+            <a:lvl5pPr marL="2057400" indent="-228600" algn="l" eaLnBrk="0" hangingPunct="0">
+              <a:spcBef>
+                <a:spcPts val="300"/>
+              </a:spcBef>
+              <a:buClr>
+                <a:schemeClr val="accent2"/>
+              </a:buClr>
+              <a:buSzPct val="70000"/>
+              <a:buFont typeface="Wingdings" pitchFamily="2" charset="2"/>
+              <a:buChar char=""/>
+              <a:defRPr sz="1600">
+                <a:solidFill>
+                  <a:schemeClr val="tx1"/>
+                </a:solidFill>
+                <a:latin typeface="Gill Sans MT" pitchFamily="34" charset="0"/>
+              </a:defRPr>
+            </a:lvl5pPr>
+            <a:lvl6pPr marL="2514600" indent="-228600" eaLnBrk="0" fontAlgn="base" hangingPunct="0">
+              <a:spcBef>
+                <a:spcPts val="300"/>
+              </a:spcBef>
+              <a:spcAft>
+                <a:spcPct val="0"/>
+              </a:spcAft>
+              <a:buClr>
+                <a:schemeClr val="accent2"/>
+              </a:buClr>
+              <a:buSzPct val="70000"/>
+              <a:buFont typeface="Wingdings" pitchFamily="2" charset="2"/>
+              <a:buChar char=""/>
+              <a:defRPr sz="1600">
+                <a:solidFill>
+                  <a:schemeClr val="tx1"/>
+                </a:solidFill>
+                <a:latin typeface="Gill Sans MT" pitchFamily="34" charset="0"/>
+              </a:defRPr>
+            </a:lvl6pPr>
+            <a:lvl7pPr marL="2971800" indent="-228600" eaLnBrk="0" fontAlgn="base" hangingPunct="0">
+              <a:spcBef>
+                <a:spcPts val="300"/>
+              </a:spcBef>
+              <a:spcAft>
+                <a:spcPct val="0"/>
+              </a:spcAft>
+              <a:buClr>
+                <a:schemeClr val="accent2"/>
+              </a:buClr>
+              <a:buSzPct val="70000"/>
+              <a:buFont typeface="Wingdings" pitchFamily="2" charset="2"/>
+              <a:buChar char=""/>
+              <a:defRPr sz="1600">
+                <a:solidFill>
+                  <a:schemeClr val="tx1"/>
+                </a:solidFill>
+                <a:latin typeface="Gill Sans MT" pitchFamily="34" charset="0"/>
+              </a:defRPr>
+            </a:lvl7pPr>
+            <a:lvl8pPr marL="3429000" indent="-228600" eaLnBrk="0" fontAlgn="base" hangingPunct="0">
+              <a:spcBef>
+                <a:spcPts val="300"/>
+              </a:spcBef>
+              <a:spcAft>
+                <a:spcPct val="0"/>
+              </a:spcAft>
+              <a:buClr>
+                <a:schemeClr val="accent2"/>
+              </a:buClr>
+              <a:buSzPct val="70000"/>
+              <a:buFont typeface="Wingdings" pitchFamily="2" charset="2"/>
+              <a:buChar char=""/>
+              <a:defRPr sz="1600">
+                <a:solidFill>
+                  <a:schemeClr val="tx1"/>
+                </a:solidFill>
+                <a:latin typeface="Gill Sans MT" pitchFamily="34" charset="0"/>
+              </a:defRPr>
+            </a:lvl8pPr>
+            <a:lvl9pPr marL="3886200" indent="-228600" eaLnBrk="0" fontAlgn="base" hangingPunct="0">
+              <a:spcBef>
+                <a:spcPts val="300"/>
+              </a:spcBef>
+              <a:spcAft>
+                <a:spcPct val="0"/>
+              </a:spcAft>
+              <a:buClr>
+                <a:schemeClr val="accent2"/>
+              </a:buClr>
+              <a:buSzPct val="70000"/>
+              <a:buFont typeface="Wingdings" pitchFamily="2" charset="2"/>
+              <a:buChar char=""/>
+              <a:defRPr sz="1600">
+                <a:solidFill>
+                  <a:schemeClr val="tx1"/>
+                </a:solidFill>
+                <a:latin typeface="Gill Sans MT" pitchFamily="34" charset="0"/>
+              </a:defRPr>
+            </a:lvl9pPr>
+          </a:lstStyle>
+          <a:p>
+            <a:pPr eaLnBrk="1" hangingPunct="1">
+              <a:spcBef>
+                <a:spcPct val="0"/>
+              </a:spcBef>
+              <a:buClrTx/>
+              <a:buSzTx/>
+              <a:buFontTx/>
+              <a:buNone/>
+            </a:pPr>
+            <a:fld id="{B38BFC1E-5E42-4360-99DE-2B8CAF7C06F8}" type="slidenum">
+              <a:rPr lang="en-NZ" altLang="en-US" sz="1400" smtClean="0">
+                <a:solidFill>
+                  <a:schemeClr val="tx2"/>
+                </a:solidFill>
+                <a:latin typeface="Tahoma" pitchFamily="34" charset="0"/>
+              </a:rPr>
+              <a:pPr eaLnBrk="1" hangingPunct="1">
+                <a:spcBef>
+                  <a:spcPct val="0"/>
+                </a:spcBef>
+                <a:buClrTx/>
+                <a:buSzTx/>
+                <a:buFontTx/>
+                <a:buNone/>
+              </a:pPr>
+              <a:t>21</a:t>
+            </a:fld>
+            <a:endParaRPr lang="en-NZ" altLang="en-US" sz="1400" dirty="0">
+              <a:solidFill>
+                <a:schemeClr val="tx2"/>
+              </a:solidFill>
+              <a:latin typeface="Tahoma" pitchFamily="34" charset="0"/>
+            </a:endParaRPr>
+          </a:p>
+        </p:txBody>
+      </p:sp>
+    </p:spTree>
+    <p:extLst>
+      <p:ext uri="{BB962C8B-B14F-4D97-AF65-F5344CB8AC3E}">
+        <p14:creationId xmlns:p14="http://schemas.microsoft.com/office/powerpoint/2010/main" val="65906029"/>
+      </p:ext>
+    </p:extLst>
+  </p:cSld>
+  <p:clrMapOvr>
+    <a:masterClrMapping/>
+  </p:clrMapOvr>
+</p:sld>
+</file>
+
+<file path=ppt/slides/slide22.xml><?xml version="1.0" encoding="utf-8"?>
+<p:sld xmlns:a="http://schemas.openxmlformats.org/drawingml/2006/main" xmlns:r="http://schemas.openxmlformats.org/officeDocument/2006/relationships" xmlns:p="http://schemas.openxmlformats.org/presentationml/2006/main">
+  <p:cSld>
+    <p:spTree>
+      <p:nvGrpSpPr>
+        <p:cNvPr id="1" name=""/>
+        <p:cNvGrpSpPr/>
+        <p:nvPr/>
+      </p:nvGrpSpPr>
+      <p:grpSpPr>
+        <a:xfrm>
+          <a:off x="0" y="0"/>
+          <a:ext cx="0" cy="0"/>
+          <a:chOff x="0" y="0"/>
+          <a:chExt cx="0" cy="0"/>
+        </a:xfrm>
+      </p:grpSpPr>
+      <p:sp>
+        <p:nvSpPr>
+          <p:cNvPr id="17410" name="Title 1"/>
+          <p:cNvSpPr>
+            <a:spLocks noGrp="1"/>
+          </p:cNvSpPr>
+          <p:nvPr>
+            <p:ph type="title"/>
+          </p:nvPr>
+        </p:nvSpPr>
+        <p:spPr/>
+        <p:txBody>
+          <a:bodyPr/>
+          <a:lstStyle/>
+          <a:p>
+            <a:r>
+              <a:rPr lang="ru-RU" altLang="en-US" dirty="0"/>
+              <a:t>Строка подключения</a:t>
+            </a:r>
+            <a:endParaRPr lang="en-NZ" altLang="en-US" dirty="0"/>
+          </a:p>
+        </p:txBody>
+      </p:sp>
+      <p:sp>
+        <p:nvSpPr>
+          <p:cNvPr id="3" name="Content Placeholder 2"/>
+          <p:cNvSpPr>
+            <a:spLocks noGrp="1"/>
+          </p:cNvSpPr>
+          <p:nvPr>
+            <p:ph idx="1"/>
+          </p:nvPr>
+        </p:nvSpPr>
+        <p:spPr>
+          <a:xfrm>
+            <a:off x="590842" y="2348880"/>
+            <a:ext cx="8013605" cy="4032448"/>
+          </a:xfrm>
+        </p:spPr>
+        <p:txBody>
+          <a:bodyPr>
+            <a:normAutofit fontScale="85000" lnSpcReduction="20000"/>
+          </a:bodyPr>
+          <a:lstStyle/>
+          <a:p>
+            <a:pPr>
+              <a:defRPr/>
+            </a:pPr>
+            <a:r>
+              <a:rPr lang="ru-RU" sz="2400" dirty="0">
+                <a:latin typeface="Century Gothic (Body)"/>
+                <a:cs typeface="Courier New" panose="02070309020205020404" pitchFamily="49" charset="0"/>
+              </a:rPr>
+              <a:t>В каждом </a:t>
+            </a:r>
+            <a:r>
+              <a:rPr lang="ru-RU" sz="2400" dirty="0" err="1">
+                <a:latin typeface="Century Gothic (Body)"/>
+                <a:cs typeface="Courier New" panose="02070309020205020404" pitchFamily="49" charset="0"/>
+              </a:rPr>
+              <a:t>web</a:t>
+            </a:r>
+            <a:r>
+              <a:rPr lang="ru-RU" sz="2400" dirty="0">
+                <a:latin typeface="Century Gothic (Body)"/>
+                <a:cs typeface="Courier New" panose="02070309020205020404" pitchFamily="49" charset="0"/>
+              </a:rPr>
+              <a:t>-приложении должен быть файл </a:t>
+            </a:r>
+            <a:r>
+              <a:rPr lang="ru-RU" sz="2400" dirty="0" err="1">
+                <a:latin typeface="Century Gothic (Body)"/>
+                <a:cs typeface="Courier New" panose="02070309020205020404" pitchFamily="49" charset="0"/>
+              </a:rPr>
+              <a:t>web.config</a:t>
+            </a:r>
+            <a:r>
+              <a:rPr lang="ru-RU" sz="2400" dirty="0">
+                <a:latin typeface="Century Gothic (Body)"/>
+                <a:cs typeface="Courier New" panose="02070309020205020404" pitchFamily="49" charset="0"/>
+              </a:rPr>
+              <a:t>, находящийся в его корневом каталоге. Однако дочерние каталоги могут содержать свои параметры конфигурации ASP.NET</a:t>
+            </a:r>
+          </a:p>
+          <a:p>
+            <a:pPr>
+              <a:defRPr/>
+            </a:pPr>
+            <a:r>
+              <a:rPr lang="ru-RU" sz="2400" dirty="0">
+                <a:latin typeface="Century Gothic (Body)"/>
+                <a:cs typeface="Courier New" panose="02070309020205020404" pitchFamily="49" charset="0"/>
+              </a:rPr>
+              <a:t>Механизм наследования файлов конфигурации ASP.NET таков</a:t>
+            </a:r>
+          </a:p>
+          <a:p>
+            <a:pPr lvl="1">
+              <a:defRPr/>
+            </a:pPr>
+            <a:r>
+              <a:rPr lang="ru-RU" sz="2200" dirty="0">
+                <a:latin typeface="Century Gothic (Body)"/>
+                <a:cs typeface="Courier New" panose="02070309020205020404" pitchFamily="49" charset="0"/>
+              </a:rPr>
+              <a:t>Сначала применяются параметры из </a:t>
+            </a:r>
+            <a:r>
+              <a:rPr lang="ru-RU" sz="2200" dirty="0" err="1">
+                <a:latin typeface="Century Gothic (Body)"/>
+                <a:cs typeface="Courier New" panose="02070309020205020404" pitchFamily="49" charset="0"/>
+              </a:rPr>
+              <a:t>machine.config</a:t>
+            </a:r>
+            <a:endParaRPr lang="ru-RU" sz="2200" dirty="0">
+              <a:latin typeface="Century Gothic (Body)"/>
+              <a:cs typeface="Courier New" panose="02070309020205020404" pitchFamily="49" charset="0"/>
+            </a:endParaRPr>
+          </a:p>
+          <a:p>
+            <a:pPr lvl="1">
+              <a:defRPr/>
+            </a:pPr>
+            <a:r>
+              <a:rPr lang="ru-RU" sz="2200" dirty="0">
+                <a:latin typeface="Century Gothic (Body)"/>
+                <a:cs typeface="Courier New" panose="02070309020205020404" pitchFamily="49" charset="0"/>
+              </a:rPr>
+              <a:t>Затем применяются параметры из файла </a:t>
+            </a:r>
+            <a:r>
+              <a:rPr lang="ru-RU" sz="2200" dirty="0" err="1">
+                <a:latin typeface="Century Gothic (Body)"/>
+                <a:cs typeface="Courier New" panose="02070309020205020404" pitchFamily="49" charset="0"/>
+              </a:rPr>
+              <a:t>web.config</a:t>
+            </a:r>
+            <a:r>
+              <a:rPr lang="ru-RU" sz="2200" dirty="0">
+                <a:latin typeface="Century Gothic (Body)"/>
+                <a:cs typeface="Courier New" panose="02070309020205020404" pitchFamily="49" charset="0"/>
+              </a:rPr>
+              <a:t>, находящемся в корневом каталоге приложения.</a:t>
+            </a:r>
+          </a:p>
+          <a:p>
+            <a:pPr lvl="1">
+              <a:defRPr/>
+            </a:pPr>
+            <a:r>
+              <a:rPr lang="ru-RU" sz="2200" dirty="0">
+                <a:latin typeface="Century Gothic (Body)"/>
+                <a:cs typeface="Courier New" panose="02070309020205020404" pitchFamily="49" charset="0"/>
+              </a:rPr>
+              <a:t>Далее, если в каком-то из каталогов приложения имеется файл </a:t>
+            </a:r>
+            <a:r>
+              <a:rPr lang="ru-RU" sz="2200" dirty="0" err="1">
+                <a:latin typeface="Century Gothic (Body)"/>
+                <a:cs typeface="Courier New" panose="02070309020205020404" pitchFamily="49" charset="0"/>
+              </a:rPr>
+              <a:t>web.config</a:t>
+            </a:r>
+            <a:r>
+              <a:rPr lang="ru-RU" sz="2200" dirty="0">
+                <a:latin typeface="Century Gothic (Body)"/>
+                <a:cs typeface="Courier New" panose="02070309020205020404" pitchFamily="49" charset="0"/>
+              </a:rPr>
+              <a:t>, то применяются параметры из него.</a:t>
+            </a:r>
+          </a:p>
+          <a:p>
+            <a:pPr lvl="1">
+              <a:defRPr/>
+            </a:pPr>
+            <a:r>
+              <a:rPr lang="ru-RU" sz="2200" dirty="0">
+                <a:latin typeface="Century Gothic (Body)"/>
+                <a:cs typeface="Courier New" panose="02070309020205020404" pitchFamily="49" charset="0"/>
+              </a:rPr>
+              <a:t>Повторяется п.3, пока файлов конфигурации не будет обнаружено.</a:t>
+            </a:r>
+            <a:endParaRPr lang="en-NZ" sz="2200" dirty="0">
+              <a:latin typeface="Century Gothic (Body)"/>
+              <a:cs typeface="Courier New" panose="02070309020205020404" pitchFamily="49" charset="0"/>
+            </a:endParaRPr>
+          </a:p>
+        </p:txBody>
+      </p:sp>
+      <p:sp>
+        <p:nvSpPr>
+          <p:cNvPr id="17413" name="Slide Number Placeholder 5"/>
+          <p:cNvSpPr>
+            <a:spLocks noGrp="1"/>
+          </p:cNvSpPr>
+          <p:nvPr>
+            <p:ph type="sldNum" sz="quarter" idx="12"/>
+          </p:nvPr>
+        </p:nvSpPr>
+        <p:spPr bwMode="auto">
+          <a:noFill/>
+          <a:extLst>
+            <a:ext uri="{909E8E84-426E-40DD-AFC4-6F175D3DCCD1}">
+              <a14:hiddenFill xmlns:a14="http://schemas.microsoft.com/office/drawing/2010/main">
+                <a:solidFill>
+                  <a:srgbClr val="FFFFFF"/>
+                </a:solidFill>
+              </a14:hiddenFill>
+            </a:ext>
+            <a:ext uri="{91240B29-F687-4F45-9708-019B960494DF}">
+              <a14:hiddenLine xmlns:a14="http://schemas.microsoft.com/office/drawing/2010/main" w="9525">
+                <a:solidFill>
+                  <a:srgbClr val="000000"/>
+                </a:solidFill>
+                <a:miter lim="800000"/>
+                <a:headEnd/>
+                <a:tailEnd/>
+              </a14:hiddenLine>
+            </a:ext>
+          </a:extLst>
+        </p:spPr>
+        <p:txBody>
+          <a:bodyPr/>
+          <a:lstStyle>
+            <a:lvl1pPr algn="l" eaLnBrk="0" hangingPunct="0">
+              <a:spcBef>
+                <a:spcPts val="600"/>
+              </a:spcBef>
+              <a:buClr>
+                <a:schemeClr val="accent1"/>
+              </a:buClr>
+              <a:buSzPct val="76000"/>
+              <a:buFont typeface="Wingdings 3" pitchFamily="18" charset="2"/>
+              <a:buChar char=""/>
+              <a:defRPr sz="2600">
+                <a:solidFill>
+                  <a:schemeClr val="tx1"/>
+                </a:solidFill>
+                <a:latin typeface="Gill Sans MT" pitchFamily="34" charset="0"/>
+              </a:defRPr>
+            </a:lvl1pPr>
+            <a:lvl2pPr marL="742950" indent="-285750" algn="l" eaLnBrk="0" hangingPunct="0">
+              <a:spcBef>
+                <a:spcPts val="500"/>
+              </a:spcBef>
+              <a:buClr>
+                <a:schemeClr val="accent2"/>
+              </a:buClr>
+              <a:buSzPct val="76000"/>
+              <a:buFont typeface="Wingdings 3" pitchFamily="18" charset="2"/>
+              <a:buChar char=""/>
+              <a:defRPr sz="2300">
+                <a:solidFill>
+                  <a:schemeClr val="tx2"/>
+                </a:solidFill>
+                <a:latin typeface="Gill Sans MT" pitchFamily="34" charset="0"/>
+              </a:defRPr>
+            </a:lvl2pPr>
+            <a:lvl3pPr marL="1143000" indent="-228600" algn="l" eaLnBrk="0" hangingPunct="0">
+              <a:spcBef>
+                <a:spcPts val="500"/>
+              </a:spcBef>
+              <a:buClr>
+                <a:srgbClr val="BCBCBC"/>
+              </a:buClr>
+              <a:buSzPct val="76000"/>
+              <a:buFont typeface="Wingdings 3" pitchFamily="18" charset="2"/>
+              <a:buChar char=""/>
+              <a:defRPr sz="2000">
+                <a:solidFill>
+                  <a:schemeClr val="tx1"/>
+                </a:solidFill>
+                <a:latin typeface="Gill Sans MT" pitchFamily="34" charset="0"/>
+              </a:defRPr>
+            </a:lvl3pPr>
+            <a:lvl4pPr marL="1600200" indent="-228600" algn="l" eaLnBrk="0" hangingPunct="0">
+              <a:spcBef>
+                <a:spcPts val="400"/>
+              </a:spcBef>
+              <a:buClr>
+                <a:srgbClr val="8BA2B4"/>
+              </a:buClr>
+              <a:buSzPct val="70000"/>
+              <a:buFont typeface="Wingdings" pitchFamily="2" charset="2"/>
+              <a:buChar char=""/>
+              <a:defRPr>
+                <a:solidFill>
+                  <a:schemeClr val="tx1"/>
+                </a:solidFill>
+                <a:latin typeface="Gill Sans MT" pitchFamily="34" charset="0"/>
+              </a:defRPr>
+            </a:lvl4pPr>
+            <a:lvl5pPr marL="2057400" indent="-228600" algn="l" eaLnBrk="0" hangingPunct="0">
+              <a:spcBef>
+                <a:spcPts val="300"/>
+              </a:spcBef>
+              <a:buClr>
+                <a:schemeClr val="accent2"/>
+              </a:buClr>
+              <a:buSzPct val="70000"/>
+              <a:buFont typeface="Wingdings" pitchFamily="2" charset="2"/>
+              <a:buChar char=""/>
+              <a:defRPr sz="1600">
+                <a:solidFill>
+                  <a:schemeClr val="tx1"/>
+                </a:solidFill>
+                <a:latin typeface="Gill Sans MT" pitchFamily="34" charset="0"/>
+              </a:defRPr>
+            </a:lvl5pPr>
+            <a:lvl6pPr marL="2514600" indent="-228600" eaLnBrk="0" fontAlgn="base" hangingPunct="0">
+              <a:spcBef>
+                <a:spcPts val="300"/>
+              </a:spcBef>
+              <a:spcAft>
+                <a:spcPct val="0"/>
+              </a:spcAft>
+              <a:buClr>
+                <a:schemeClr val="accent2"/>
+              </a:buClr>
+              <a:buSzPct val="70000"/>
+              <a:buFont typeface="Wingdings" pitchFamily="2" charset="2"/>
+              <a:buChar char=""/>
+              <a:defRPr sz="1600">
+                <a:solidFill>
+                  <a:schemeClr val="tx1"/>
+                </a:solidFill>
+                <a:latin typeface="Gill Sans MT" pitchFamily="34" charset="0"/>
+              </a:defRPr>
+            </a:lvl6pPr>
+            <a:lvl7pPr marL="2971800" indent="-228600" eaLnBrk="0" fontAlgn="base" hangingPunct="0">
+              <a:spcBef>
+                <a:spcPts val="300"/>
+              </a:spcBef>
+              <a:spcAft>
+                <a:spcPct val="0"/>
+              </a:spcAft>
+              <a:buClr>
+                <a:schemeClr val="accent2"/>
+              </a:buClr>
+              <a:buSzPct val="70000"/>
+              <a:buFont typeface="Wingdings" pitchFamily="2" charset="2"/>
+              <a:buChar char=""/>
+              <a:defRPr sz="1600">
+                <a:solidFill>
+                  <a:schemeClr val="tx1"/>
+                </a:solidFill>
+                <a:latin typeface="Gill Sans MT" pitchFamily="34" charset="0"/>
+              </a:defRPr>
+            </a:lvl7pPr>
+            <a:lvl8pPr marL="3429000" indent="-228600" eaLnBrk="0" fontAlgn="base" hangingPunct="0">
+              <a:spcBef>
+                <a:spcPts val="300"/>
+              </a:spcBef>
+              <a:spcAft>
+                <a:spcPct val="0"/>
+              </a:spcAft>
+              <a:buClr>
+                <a:schemeClr val="accent2"/>
+              </a:buClr>
+              <a:buSzPct val="70000"/>
+              <a:buFont typeface="Wingdings" pitchFamily="2" charset="2"/>
+              <a:buChar char=""/>
+              <a:defRPr sz="1600">
+                <a:solidFill>
+                  <a:schemeClr val="tx1"/>
+                </a:solidFill>
+                <a:latin typeface="Gill Sans MT" pitchFamily="34" charset="0"/>
+              </a:defRPr>
+            </a:lvl8pPr>
+            <a:lvl9pPr marL="3886200" indent="-228600" eaLnBrk="0" fontAlgn="base" hangingPunct="0">
+              <a:spcBef>
+                <a:spcPts val="300"/>
+              </a:spcBef>
+              <a:spcAft>
+                <a:spcPct val="0"/>
+              </a:spcAft>
+              <a:buClr>
+                <a:schemeClr val="accent2"/>
+              </a:buClr>
+              <a:buSzPct val="70000"/>
+              <a:buFont typeface="Wingdings" pitchFamily="2" charset="2"/>
+              <a:buChar char=""/>
+              <a:defRPr sz="1600">
+                <a:solidFill>
+                  <a:schemeClr val="tx1"/>
+                </a:solidFill>
+                <a:latin typeface="Gill Sans MT" pitchFamily="34" charset="0"/>
+              </a:defRPr>
+            </a:lvl9pPr>
+          </a:lstStyle>
+          <a:p>
+            <a:pPr eaLnBrk="1" hangingPunct="1">
+              <a:spcBef>
+                <a:spcPct val="0"/>
+              </a:spcBef>
+              <a:buClrTx/>
+              <a:buSzTx/>
+              <a:buFontTx/>
+              <a:buNone/>
+            </a:pPr>
+            <a:fld id="{B38BFC1E-5E42-4360-99DE-2B8CAF7C06F8}" type="slidenum">
+              <a:rPr lang="en-NZ" altLang="en-US" sz="1400" smtClean="0">
+                <a:solidFill>
+                  <a:schemeClr val="tx2"/>
+                </a:solidFill>
+                <a:latin typeface="Tahoma" pitchFamily="34" charset="0"/>
+              </a:rPr>
+              <a:pPr eaLnBrk="1" hangingPunct="1">
+                <a:spcBef>
+                  <a:spcPct val="0"/>
+                </a:spcBef>
+                <a:buClrTx/>
+                <a:buSzTx/>
+                <a:buFontTx/>
+                <a:buNone/>
+              </a:pPr>
+              <a:t>22</a:t>
+            </a:fld>
+            <a:endParaRPr lang="en-NZ" altLang="en-US" sz="1400" dirty="0">
+              <a:solidFill>
+                <a:schemeClr val="tx2"/>
+              </a:solidFill>
+              <a:latin typeface="Tahoma" pitchFamily="34" charset="0"/>
+            </a:endParaRPr>
+          </a:p>
+        </p:txBody>
+      </p:sp>
+    </p:spTree>
+    <p:extLst>
+      <p:ext uri="{BB962C8B-B14F-4D97-AF65-F5344CB8AC3E}">
+        <p14:creationId xmlns:p14="http://schemas.microsoft.com/office/powerpoint/2010/main" val="2735973788"/>
+      </p:ext>
+    </p:extLst>
+  </p:cSld>
+  <p:clrMapOvr>
+    <a:masterClrMapping/>
+  </p:clrMapOvr>
+</p:sld>
+</file>
+
+<file path=ppt/slides/slide23.xml><?xml version="1.0" encoding="utf-8"?>
+<p:sld xmlns:a="http://schemas.openxmlformats.org/drawingml/2006/main" xmlns:r="http://schemas.openxmlformats.org/officeDocument/2006/relationships" xmlns:p="http://schemas.openxmlformats.org/presentationml/2006/main">
+  <p:cSld>
+    <p:spTree>
+      <p:nvGrpSpPr>
+        <p:cNvPr id="1" name=""/>
+        <p:cNvGrpSpPr/>
+        <p:nvPr/>
+      </p:nvGrpSpPr>
+      <p:grpSpPr>
+        <a:xfrm>
+          <a:off x="0" y="0"/>
+          <a:ext cx="0" cy="0"/>
+          <a:chOff x="0" y="0"/>
+          <a:chExt cx="0" cy="0"/>
+        </a:xfrm>
+      </p:grpSpPr>
+      <p:sp>
+        <p:nvSpPr>
+          <p:cNvPr id="17410" name="Title 1"/>
+          <p:cNvSpPr>
+            <a:spLocks noGrp="1"/>
+          </p:cNvSpPr>
+          <p:nvPr>
+            <p:ph type="title"/>
+          </p:nvPr>
+        </p:nvSpPr>
+        <p:spPr/>
+        <p:txBody>
+          <a:bodyPr/>
+          <a:lstStyle/>
+          <a:p>
+            <a:r>
+              <a:rPr lang="ru-RU" altLang="en-US" dirty="0"/>
+              <a:t>Добавление подключения</a:t>
+            </a:r>
+            <a:endParaRPr lang="en-NZ" altLang="en-US" dirty="0"/>
+          </a:p>
+        </p:txBody>
+      </p:sp>
+      <p:sp>
+        <p:nvSpPr>
+          <p:cNvPr id="3" name="Content Placeholder 2"/>
+          <p:cNvSpPr>
+            <a:spLocks noGrp="1"/>
+          </p:cNvSpPr>
+          <p:nvPr>
+            <p:ph idx="1"/>
+          </p:nvPr>
+        </p:nvSpPr>
+        <p:spPr>
+          <a:xfrm>
+            <a:off x="590843" y="2348880"/>
+            <a:ext cx="7879082" cy="3953494"/>
+          </a:xfrm>
+        </p:spPr>
+        <p:txBody>
+          <a:bodyPr>
+            <a:normAutofit fontScale="92500" lnSpcReduction="10000"/>
+          </a:bodyPr>
+          <a:lstStyle/>
+          <a:p>
+            <a:pPr>
+              <a:defRPr/>
+            </a:pPr>
+            <a:r>
+              <a:rPr lang="ru-RU" dirty="0"/>
+              <a:t>Перейдите в </a:t>
+            </a:r>
+            <a:r>
+              <a:rPr lang="en-NZ" dirty="0" err="1"/>
+              <a:t>App.config</a:t>
+            </a:r>
+            <a:r>
+              <a:rPr lang="en-NZ" dirty="0"/>
+              <a:t> </a:t>
+            </a:r>
+            <a:r>
+              <a:rPr lang="ru-RU" dirty="0"/>
+              <a:t>из</a:t>
+            </a:r>
+            <a:r>
+              <a:rPr lang="en-NZ" dirty="0"/>
+              <a:t> Solution Explorer (</a:t>
+            </a:r>
+            <a:r>
+              <a:rPr lang="ru-RU" dirty="0"/>
+              <a:t>или</a:t>
+            </a:r>
+            <a:r>
+              <a:rPr lang="en-NZ" dirty="0"/>
+              <a:t> </a:t>
+            </a:r>
+            <a:r>
+              <a:rPr lang="en-NZ" dirty="0" err="1"/>
+              <a:t>Web.config</a:t>
+            </a:r>
+            <a:r>
+              <a:rPr lang="en-NZ" dirty="0"/>
+              <a:t> </a:t>
+            </a:r>
+            <a:r>
+              <a:rPr lang="ru-RU" dirty="0"/>
+              <a:t>для</a:t>
+            </a:r>
+            <a:r>
+              <a:rPr lang="en-NZ" dirty="0"/>
+              <a:t> Web application)</a:t>
+            </a:r>
+          </a:p>
+          <a:p>
+            <a:pPr lvl="1">
+              <a:defRPr/>
+            </a:pPr>
+            <a:r>
+              <a:rPr lang="ru-RU" dirty="0"/>
+              <a:t>Это </a:t>
+            </a:r>
+            <a:r>
+              <a:rPr lang="en-NZ" dirty="0"/>
+              <a:t>XML </a:t>
+            </a:r>
+            <a:r>
+              <a:rPr lang="ru-RU" dirty="0"/>
+              <a:t>файл с метаданными</a:t>
+            </a:r>
+            <a:endParaRPr lang="en-NZ" dirty="0"/>
+          </a:p>
+          <a:p>
+            <a:pPr>
+              <a:defRPr/>
+            </a:pPr>
+            <a:r>
+              <a:rPr lang="ru-RU" dirty="0"/>
+              <a:t>В шаблоне </a:t>
+            </a:r>
+            <a:r>
+              <a:rPr lang="en-NZ" dirty="0"/>
+              <a:t>MVC </a:t>
+            </a:r>
+            <a:r>
+              <a:rPr lang="ru-RU" dirty="0"/>
+              <a:t>есть уже определённое подключение</a:t>
+            </a:r>
+            <a:endParaRPr lang="en-NZ" dirty="0"/>
+          </a:p>
+          <a:p>
+            <a:pPr lvl="1">
+              <a:defRPr/>
+            </a:pPr>
+            <a:r>
+              <a:rPr lang="ru-RU" dirty="0"/>
+              <a:t>Для аккаунтов пользователей которые были в проекте по умолчанию</a:t>
+            </a:r>
+            <a:endParaRPr lang="en-NZ" dirty="0"/>
+          </a:p>
+          <a:p>
+            <a:pPr marL="0" indent="0">
+              <a:buFont typeface="Wingdings 3" pitchFamily="18" charset="2"/>
+              <a:buNone/>
+              <a:defRPr/>
+            </a:pPr>
+            <a:r>
+              <a:rPr lang="en-NZ" sz="1600" dirty="0">
+                <a:latin typeface="Courier New" panose="02070309020205020404" pitchFamily="49" charset="0"/>
+                <a:cs typeface="Courier New" panose="02070309020205020404" pitchFamily="49" charset="0"/>
+              </a:rPr>
+              <a:t>&lt;</a:t>
+            </a:r>
+            <a:r>
+              <a:rPr lang="en-NZ" sz="1600" dirty="0" err="1">
+                <a:latin typeface="Courier New" panose="02070309020205020404" pitchFamily="49" charset="0"/>
+                <a:cs typeface="Courier New" panose="02070309020205020404" pitchFamily="49" charset="0"/>
+              </a:rPr>
+              <a:t>connectionStrings</a:t>
+            </a:r>
+            <a:r>
+              <a:rPr lang="en-NZ" sz="1600" dirty="0">
+                <a:latin typeface="Courier New" panose="02070309020205020404" pitchFamily="49" charset="0"/>
+                <a:cs typeface="Courier New" panose="02070309020205020404" pitchFamily="49" charset="0"/>
+              </a:rPr>
+              <a:t>&gt;</a:t>
+            </a:r>
+          </a:p>
+          <a:p>
+            <a:pPr marL="0" indent="0">
+              <a:buFont typeface="Wingdings 3" pitchFamily="18" charset="2"/>
+              <a:buNone/>
+              <a:defRPr/>
+            </a:pPr>
+            <a:r>
+              <a:rPr lang="en-NZ" sz="1600" dirty="0">
+                <a:latin typeface="Courier New" panose="02070309020205020404" pitchFamily="49" charset="0"/>
+                <a:cs typeface="Courier New" panose="02070309020205020404" pitchFamily="49" charset="0"/>
+              </a:rPr>
+              <a:t>    &lt;add name="</a:t>
+            </a:r>
+            <a:r>
+              <a:rPr lang="en-NZ" sz="1600" dirty="0" err="1">
+                <a:latin typeface="Courier New" panose="02070309020205020404" pitchFamily="49" charset="0"/>
+                <a:cs typeface="Courier New" panose="02070309020205020404" pitchFamily="49" charset="0"/>
+              </a:rPr>
+              <a:t>DefaultConnection</a:t>
+            </a:r>
+            <a:r>
+              <a:rPr lang="en-NZ" sz="1600" dirty="0">
+                <a:latin typeface="Courier New" panose="02070309020205020404" pitchFamily="49" charset="0"/>
+                <a:cs typeface="Courier New" panose="02070309020205020404" pitchFamily="49" charset="0"/>
+              </a:rPr>
+              <a:t>" </a:t>
+            </a:r>
+            <a:r>
+              <a:rPr lang="en-NZ" sz="1600" dirty="0" err="1">
+                <a:latin typeface="Courier New" panose="02070309020205020404" pitchFamily="49" charset="0"/>
+                <a:cs typeface="Courier New" panose="02070309020205020404" pitchFamily="49" charset="0"/>
+              </a:rPr>
+              <a:t>connectionString</a:t>
+            </a:r>
+            <a:r>
+              <a:rPr lang="en-NZ" sz="1600" dirty="0">
+                <a:latin typeface="Courier New" panose="02070309020205020404" pitchFamily="49" charset="0"/>
+                <a:cs typeface="Courier New" panose="02070309020205020404" pitchFamily="49" charset="0"/>
+              </a:rPr>
+              <a:t>="Data Source=</a:t>
+            </a:r>
+            <a:br>
+              <a:rPr lang="en-NZ" sz="1600" dirty="0">
+                <a:latin typeface="Courier New" panose="02070309020205020404" pitchFamily="49" charset="0"/>
+                <a:cs typeface="Courier New" panose="02070309020205020404" pitchFamily="49" charset="0"/>
+              </a:rPr>
+            </a:br>
+            <a:r>
+              <a:rPr lang="en-NZ" sz="1600" dirty="0">
+                <a:latin typeface="Courier New" panose="02070309020205020404" pitchFamily="49" charset="0"/>
+                <a:cs typeface="Courier New" panose="02070309020205020404" pitchFamily="49" charset="0"/>
+              </a:rPr>
+              <a:t>(</a:t>
+            </a:r>
+            <a:r>
+              <a:rPr lang="en-NZ" sz="1600" dirty="0" err="1">
+                <a:latin typeface="Courier New" panose="02070309020205020404" pitchFamily="49" charset="0"/>
+                <a:cs typeface="Courier New" panose="02070309020205020404" pitchFamily="49" charset="0"/>
+              </a:rPr>
+              <a:t>LocalDb</a:t>
+            </a:r>
+            <a:r>
+              <a:rPr lang="en-NZ" sz="1600" dirty="0">
+                <a:latin typeface="Courier New" panose="02070309020205020404" pitchFamily="49" charset="0"/>
+                <a:cs typeface="Courier New" panose="02070309020205020404" pitchFamily="49" charset="0"/>
+              </a:rPr>
+              <a:t>)\v11.0 ... 62020.mdf" </a:t>
+            </a:r>
+            <a:r>
+              <a:rPr lang="en-NZ" sz="1600" dirty="0" err="1">
+                <a:latin typeface="Courier New" panose="02070309020205020404" pitchFamily="49" charset="0"/>
+                <a:cs typeface="Courier New" panose="02070309020205020404" pitchFamily="49" charset="0"/>
+              </a:rPr>
+              <a:t>providerName</a:t>
+            </a:r>
+            <a:r>
+              <a:rPr lang="en-NZ" sz="1600" dirty="0">
+                <a:latin typeface="Courier New" panose="02070309020205020404" pitchFamily="49" charset="0"/>
+                <a:cs typeface="Courier New" panose="02070309020205020404" pitchFamily="49" charset="0"/>
+              </a:rPr>
+              <a:t>="</a:t>
+            </a:r>
+            <a:r>
+              <a:rPr lang="en-NZ" sz="1600" dirty="0" err="1">
+                <a:latin typeface="Courier New" panose="02070309020205020404" pitchFamily="49" charset="0"/>
+                <a:cs typeface="Courier New" panose="02070309020205020404" pitchFamily="49" charset="0"/>
+              </a:rPr>
+              <a:t>System.Data.SqlClient</a:t>
+            </a:r>
+            <a:r>
+              <a:rPr lang="en-NZ" sz="1600" dirty="0">
+                <a:latin typeface="Courier New" panose="02070309020205020404" pitchFamily="49" charset="0"/>
+                <a:cs typeface="Courier New" panose="02070309020205020404" pitchFamily="49" charset="0"/>
+              </a:rPr>
+              <a:t>" /&gt;</a:t>
+            </a:r>
+          </a:p>
+          <a:p>
+            <a:pPr>
+              <a:defRPr/>
+            </a:pPr>
+            <a:r>
+              <a:rPr lang="ru-RU" dirty="0"/>
+              <a:t>Мы добавим ещё один </a:t>
+            </a:r>
+            <a:r>
+              <a:rPr lang="en-NZ" dirty="0"/>
+              <a:t>‘add’</a:t>
+            </a:r>
+          </a:p>
+          <a:p>
+            <a:pPr marL="0" indent="0">
+              <a:buFont typeface="Wingdings 3" pitchFamily="18" charset="2"/>
+              <a:buNone/>
+              <a:defRPr/>
+            </a:pPr>
+            <a:r>
+              <a:rPr lang="en-NZ" sz="1600" dirty="0">
+                <a:latin typeface="Courier New" panose="02070309020205020404" pitchFamily="49" charset="0"/>
+                <a:cs typeface="Courier New" panose="02070309020205020404" pitchFamily="49" charset="0"/>
+              </a:rPr>
+              <a:t>&lt;add name="</a:t>
+            </a:r>
+            <a:r>
+              <a:rPr lang="en-NZ" sz="1600" dirty="0" err="1">
+                <a:latin typeface="Courier New" panose="02070309020205020404" pitchFamily="49" charset="0"/>
+                <a:cs typeface="Courier New" panose="02070309020205020404" pitchFamily="49" charset="0"/>
+              </a:rPr>
+              <a:t>MySqlConnection</a:t>
+            </a:r>
+            <a:r>
+              <a:rPr lang="en-NZ" sz="1600" dirty="0">
+                <a:latin typeface="Courier New" panose="02070309020205020404" pitchFamily="49" charset="0"/>
+                <a:cs typeface="Courier New" panose="02070309020205020404" pitchFamily="49" charset="0"/>
+              </a:rPr>
+              <a:t>" </a:t>
+            </a:r>
+            <a:r>
+              <a:rPr lang="en-NZ" sz="1600" dirty="0" err="1">
+                <a:latin typeface="Courier New" panose="02070309020205020404" pitchFamily="49" charset="0"/>
+                <a:cs typeface="Courier New" panose="02070309020205020404" pitchFamily="49" charset="0"/>
+              </a:rPr>
+              <a:t>connectionString</a:t>
+            </a:r>
+            <a:r>
+              <a:rPr lang="en-NZ" sz="1600" dirty="0">
+                <a:latin typeface="Courier New" panose="02070309020205020404" pitchFamily="49" charset="0"/>
+                <a:cs typeface="Courier New" panose="02070309020205020404" pitchFamily="49" charset="0"/>
+              </a:rPr>
+              <a:t>="Server=</a:t>
+            </a:r>
+            <a:r>
+              <a:rPr lang="en-NZ" sz="1600" dirty="0" err="1">
+                <a:latin typeface="Courier New" panose="02070309020205020404" pitchFamily="49" charset="0"/>
+                <a:cs typeface="Courier New" panose="02070309020205020404" pitchFamily="49" charset="0"/>
+              </a:rPr>
+              <a:t>localhost;Database</a:t>
+            </a:r>
+            <a:r>
+              <a:rPr lang="en-NZ" sz="1600" dirty="0">
+                <a:latin typeface="Courier New" panose="02070309020205020404" pitchFamily="49" charset="0"/>
+                <a:cs typeface="Courier New" panose="02070309020205020404" pitchFamily="49" charset="0"/>
+              </a:rPr>
+              <a:t>=</a:t>
+            </a:r>
+            <a:r>
+              <a:rPr lang="en-NZ" sz="1600" dirty="0" err="1">
+                <a:latin typeface="Courier New" panose="02070309020205020404" pitchFamily="49" charset="0"/>
+                <a:cs typeface="Courier New" panose="02070309020205020404" pitchFamily="49" charset="0"/>
+              </a:rPr>
+              <a:t>employee;Uid</a:t>
+            </a:r>
+            <a:r>
+              <a:rPr lang="en-NZ" sz="1600" dirty="0">
+                <a:latin typeface="Courier New" panose="02070309020205020404" pitchFamily="49" charset="0"/>
+                <a:cs typeface="Courier New" panose="02070309020205020404" pitchFamily="49" charset="0"/>
+              </a:rPr>
+              <a:t>=</a:t>
+            </a:r>
+            <a:r>
+              <a:rPr lang="en-NZ" sz="1600" dirty="0" err="1">
+                <a:latin typeface="Courier New" panose="02070309020205020404" pitchFamily="49" charset="0"/>
+                <a:cs typeface="Courier New" panose="02070309020205020404" pitchFamily="49" charset="0"/>
+              </a:rPr>
+              <a:t>jim;Pwd</a:t>
+            </a:r>
+            <a:r>
+              <a:rPr lang="en-NZ" sz="1600" dirty="0">
+                <a:latin typeface="Courier New" panose="02070309020205020404" pitchFamily="49" charset="0"/>
+                <a:cs typeface="Courier New" panose="02070309020205020404" pitchFamily="49" charset="0"/>
+              </a:rPr>
+              <a:t>=password" </a:t>
+            </a:r>
+            <a:r>
+              <a:rPr lang="en-NZ" sz="1600" dirty="0" err="1">
+                <a:latin typeface="Courier New" panose="02070309020205020404" pitchFamily="49" charset="0"/>
+                <a:cs typeface="Courier New" panose="02070309020205020404" pitchFamily="49" charset="0"/>
+              </a:rPr>
+              <a:t>providerName</a:t>
+            </a:r>
+            <a:r>
+              <a:rPr lang="en-NZ" sz="1600" dirty="0">
+                <a:latin typeface="Courier New" panose="02070309020205020404" pitchFamily="49" charset="0"/>
+                <a:cs typeface="Courier New" panose="02070309020205020404" pitchFamily="49" charset="0"/>
+              </a:rPr>
+              <a:t>="</a:t>
+            </a:r>
+            <a:r>
+              <a:rPr lang="en-NZ" sz="1600" dirty="0" err="1">
+                <a:latin typeface="Courier New" panose="02070309020205020404" pitchFamily="49" charset="0"/>
+                <a:cs typeface="Courier New" panose="02070309020205020404" pitchFamily="49" charset="0"/>
+              </a:rPr>
+              <a:t>MySql.Data.MySqlClient</a:t>
+            </a:r>
+            <a:r>
+              <a:rPr lang="en-NZ" sz="1600" dirty="0">
+                <a:latin typeface="Courier New" panose="02070309020205020404" pitchFamily="49" charset="0"/>
+                <a:cs typeface="Courier New" panose="02070309020205020404" pitchFamily="49" charset="0"/>
+              </a:rPr>
+              <a:t>" /&gt;</a:t>
+            </a:r>
+          </a:p>
+        </p:txBody>
+      </p:sp>
+      <p:sp>
+        <p:nvSpPr>
+          <p:cNvPr id="17413" name="Slide Number Placeholder 5"/>
+          <p:cNvSpPr>
+            <a:spLocks noGrp="1"/>
+          </p:cNvSpPr>
+          <p:nvPr>
+            <p:ph type="sldNum" sz="quarter" idx="12"/>
+          </p:nvPr>
+        </p:nvSpPr>
+        <p:spPr bwMode="auto">
+          <a:noFill/>
+          <a:extLst>
+            <a:ext uri="{909E8E84-426E-40DD-AFC4-6F175D3DCCD1}">
+              <a14:hiddenFill xmlns:a14="http://schemas.microsoft.com/office/drawing/2010/main">
+                <a:solidFill>
+                  <a:srgbClr val="FFFFFF"/>
+                </a:solidFill>
+              </a14:hiddenFill>
+            </a:ext>
+            <a:ext uri="{91240B29-F687-4F45-9708-019B960494DF}">
+              <a14:hiddenLine xmlns:a14="http://schemas.microsoft.com/office/drawing/2010/main" w="9525">
+                <a:solidFill>
+                  <a:srgbClr val="000000"/>
+                </a:solidFill>
+                <a:miter lim="800000"/>
+                <a:headEnd/>
+                <a:tailEnd/>
+              </a14:hiddenLine>
+            </a:ext>
+          </a:extLst>
+        </p:spPr>
+        <p:txBody>
+          <a:bodyPr/>
+          <a:lstStyle>
+            <a:lvl1pPr algn="l" eaLnBrk="0" hangingPunct="0">
+              <a:spcBef>
+                <a:spcPts val="600"/>
+              </a:spcBef>
+              <a:buClr>
+                <a:schemeClr val="accent1"/>
+              </a:buClr>
+              <a:buSzPct val="76000"/>
+              <a:buFont typeface="Wingdings 3" pitchFamily="18" charset="2"/>
+              <a:buChar char=""/>
+              <a:defRPr sz="2600">
+                <a:solidFill>
+                  <a:schemeClr val="tx1"/>
+                </a:solidFill>
+                <a:latin typeface="Gill Sans MT" pitchFamily="34" charset="0"/>
+              </a:defRPr>
+            </a:lvl1pPr>
+            <a:lvl2pPr marL="742950" indent="-285750" algn="l" eaLnBrk="0" hangingPunct="0">
+              <a:spcBef>
+                <a:spcPts val="500"/>
+              </a:spcBef>
+              <a:buClr>
+                <a:schemeClr val="accent2"/>
+              </a:buClr>
+              <a:buSzPct val="76000"/>
+              <a:buFont typeface="Wingdings 3" pitchFamily="18" charset="2"/>
+              <a:buChar char=""/>
+              <a:defRPr sz="2300">
+                <a:solidFill>
+                  <a:schemeClr val="tx2"/>
+                </a:solidFill>
+                <a:latin typeface="Gill Sans MT" pitchFamily="34" charset="0"/>
+              </a:defRPr>
+            </a:lvl2pPr>
+            <a:lvl3pPr marL="1143000" indent="-228600" algn="l" eaLnBrk="0" hangingPunct="0">
+              <a:spcBef>
+                <a:spcPts val="500"/>
+              </a:spcBef>
+              <a:buClr>
+                <a:srgbClr val="BCBCBC"/>
+              </a:buClr>
+              <a:buSzPct val="76000"/>
+              <a:buFont typeface="Wingdings 3" pitchFamily="18" charset="2"/>
+              <a:buChar char=""/>
+              <a:defRPr sz="2000">
+                <a:solidFill>
+                  <a:schemeClr val="tx1"/>
+                </a:solidFill>
+                <a:latin typeface="Gill Sans MT" pitchFamily="34" charset="0"/>
+              </a:defRPr>
+            </a:lvl3pPr>
+            <a:lvl4pPr marL="1600200" indent="-228600" algn="l" eaLnBrk="0" hangingPunct="0">
+              <a:spcBef>
+                <a:spcPts val="400"/>
+              </a:spcBef>
+              <a:buClr>
+                <a:srgbClr val="8BA2B4"/>
+              </a:buClr>
+              <a:buSzPct val="70000"/>
+              <a:buFont typeface="Wingdings" pitchFamily="2" charset="2"/>
+              <a:buChar char=""/>
+              <a:defRPr>
+                <a:solidFill>
+                  <a:schemeClr val="tx1"/>
+                </a:solidFill>
+                <a:latin typeface="Gill Sans MT" pitchFamily="34" charset="0"/>
+              </a:defRPr>
+            </a:lvl4pPr>
+            <a:lvl5pPr marL="2057400" indent="-228600" algn="l" eaLnBrk="0" hangingPunct="0">
+              <a:spcBef>
+                <a:spcPts val="300"/>
+              </a:spcBef>
+              <a:buClr>
+                <a:schemeClr val="accent2"/>
+              </a:buClr>
+              <a:buSzPct val="70000"/>
+              <a:buFont typeface="Wingdings" pitchFamily="2" charset="2"/>
+              <a:buChar char=""/>
+              <a:defRPr sz="1600">
+                <a:solidFill>
+                  <a:schemeClr val="tx1"/>
+                </a:solidFill>
+                <a:latin typeface="Gill Sans MT" pitchFamily="34" charset="0"/>
+              </a:defRPr>
+            </a:lvl5pPr>
+            <a:lvl6pPr marL="2514600" indent="-228600" eaLnBrk="0" fontAlgn="base" hangingPunct="0">
+              <a:spcBef>
+                <a:spcPts val="300"/>
+              </a:spcBef>
+              <a:spcAft>
+                <a:spcPct val="0"/>
+              </a:spcAft>
+              <a:buClr>
+                <a:schemeClr val="accent2"/>
+              </a:buClr>
+              <a:buSzPct val="70000"/>
+              <a:buFont typeface="Wingdings" pitchFamily="2" charset="2"/>
+              <a:buChar char=""/>
+              <a:defRPr sz="1600">
+                <a:solidFill>
+                  <a:schemeClr val="tx1"/>
+                </a:solidFill>
+                <a:latin typeface="Gill Sans MT" pitchFamily="34" charset="0"/>
+              </a:defRPr>
+            </a:lvl6pPr>
+            <a:lvl7pPr marL="2971800" indent="-228600" eaLnBrk="0" fontAlgn="base" hangingPunct="0">
+              <a:spcBef>
+                <a:spcPts val="300"/>
+              </a:spcBef>
+              <a:spcAft>
+                <a:spcPct val="0"/>
+              </a:spcAft>
+              <a:buClr>
+                <a:schemeClr val="accent2"/>
+              </a:buClr>
+              <a:buSzPct val="70000"/>
+              <a:buFont typeface="Wingdings" pitchFamily="2" charset="2"/>
+              <a:buChar char=""/>
+              <a:defRPr sz="1600">
+                <a:solidFill>
+                  <a:schemeClr val="tx1"/>
+                </a:solidFill>
+                <a:latin typeface="Gill Sans MT" pitchFamily="34" charset="0"/>
+              </a:defRPr>
+            </a:lvl7pPr>
+            <a:lvl8pPr marL="3429000" indent="-228600" eaLnBrk="0" fontAlgn="base" hangingPunct="0">
+              <a:spcBef>
+                <a:spcPts val="300"/>
+              </a:spcBef>
+              <a:spcAft>
+                <a:spcPct val="0"/>
+              </a:spcAft>
+              <a:buClr>
+                <a:schemeClr val="accent2"/>
+              </a:buClr>
+              <a:buSzPct val="70000"/>
+              <a:buFont typeface="Wingdings" pitchFamily="2" charset="2"/>
+              <a:buChar char=""/>
+              <a:defRPr sz="1600">
+                <a:solidFill>
+                  <a:schemeClr val="tx1"/>
+                </a:solidFill>
+                <a:latin typeface="Gill Sans MT" pitchFamily="34" charset="0"/>
+              </a:defRPr>
+            </a:lvl8pPr>
+            <a:lvl9pPr marL="3886200" indent="-228600" eaLnBrk="0" fontAlgn="base" hangingPunct="0">
+              <a:spcBef>
+                <a:spcPts val="300"/>
+              </a:spcBef>
+              <a:spcAft>
+                <a:spcPct val="0"/>
+              </a:spcAft>
+              <a:buClr>
+                <a:schemeClr val="accent2"/>
+              </a:buClr>
+              <a:buSzPct val="70000"/>
+              <a:buFont typeface="Wingdings" pitchFamily="2" charset="2"/>
+              <a:buChar char=""/>
+              <a:defRPr sz="1600">
+                <a:solidFill>
+                  <a:schemeClr val="tx1"/>
+                </a:solidFill>
+                <a:latin typeface="Gill Sans MT" pitchFamily="34" charset="0"/>
+              </a:defRPr>
+            </a:lvl9pPr>
+          </a:lstStyle>
+          <a:p>
+            <a:pPr eaLnBrk="1" hangingPunct="1">
+              <a:spcBef>
+                <a:spcPct val="0"/>
+              </a:spcBef>
+              <a:buClrTx/>
+              <a:buSzTx/>
+              <a:buFontTx/>
+              <a:buNone/>
+            </a:pPr>
+            <a:fld id="{B38BFC1E-5E42-4360-99DE-2B8CAF7C06F8}" type="slidenum">
+              <a:rPr lang="en-NZ" altLang="en-US" sz="1400" smtClean="0">
+                <a:solidFill>
+                  <a:schemeClr val="tx2"/>
+                </a:solidFill>
+                <a:latin typeface="Tahoma" pitchFamily="34" charset="0"/>
+              </a:rPr>
+              <a:pPr eaLnBrk="1" hangingPunct="1">
+                <a:spcBef>
+                  <a:spcPct val="0"/>
+                </a:spcBef>
+                <a:buClrTx/>
+                <a:buSzTx/>
+                <a:buFontTx/>
+                <a:buNone/>
+              </a:pPr>
+              <a:t>23</a:t>
+            </a:fld>
+            <a:endParaRPr lang="en-NZ" altLang="en-US" sz="1400" dirty="0">
+              <a:solidFill>
+                <a:schemeClr val="tx2"/>
+              </a:solidFill>
+              <a:latin typeface="Tahoma" pitchFamily="34" charset="0"/>
+            </a:endParaRPr>
+          </a:p>
+        </p:txBody>
+      </p:sp>
+    </p:spTree>
+  </p:cSld>
+  <p:clrMapOvr>
+    <a:masterClrMapping/>
+  </p:clrMapOvr>
+</p:sld>
+</file>
+
+<file path=ppt/slides/slide24.xml><?xml version="1.0" encoding="utf-8"?>
+<p:sld xmlns:a="http://schemas.openxmlformats.org/drawingml/2006/main" xmlns:r="http://schemas.openxmlformats.org/officeDocument/2006/relationships" xmlns:p="http://schemas.openxmlformats.org/presentationml/2006/main">
+  <p:cSld>
+    <p:spTree>
+      <p:nvGrpSpPr>
+        <p:cNvPr id="1" name=""/>
+        <p:cNvGrpSpPr/>
+        <p:nvPr/>
+      </p:nvGrpSpPr>
+      <p:grpSpPr>
+        <a:xfrm>
+          <a:off x="0" y="0"/>
+          <a:ext cx="0" cy="0"/>
+          <a:chOff x="0" y="0"/>
+          <a:chExt cx="0" cy="0"/>
+        </a:xfrm>
+      </p:grpSpPr>
+      <p:sp>
+        <p:nvSpPr>
+          <p:cNvPr id="2" name="Title 1"/>
+          <p:cNvSpPr>
+            <a:spLocks noGrp="1"/>
+          </p:cNvSpPr>
+          <p:nvPr>
+            <p:ph type="title"/>
+          </p:nvPr>
+        </p:nvSpPr>
+        <p:spPr/>
+        <p:txBody>
+          <a:bodyPr/>
+          <a:lstStyle/>
+          <a:p>
+            <a:r>
               <a:rPr lang="ru-RU" dirty="0"/>
               <a:t>Из определения модели</a:t>
             </a:r>
@@ -16255,7 +18611,7 @@
               <a:pPr>
                 <a:defRPr/>
               </a:pPr>
-              <a:t>16</a:t>
+              <a:t>24</a:t>
             </a:fld>
             <a:endParaRPr lang="en-NZ"/>
           </a:p>
@@ -16769,7 +19125,7 @@
 </p:sld>
 </file>
 
-<file path=ppt/slides/slide17.xml><?xml version="1.0" encoding="utf-8"?>
+<file path=ppt/slides/slide25.xml><?xml version="1.0" encoding="utf-8"?>
 <p:sld xmlns:a="http://schemas.openxmlformats.org/drawingml/2006/main" xmlns:r="http://schemas.openxmlformats.org/officeDocument/2006/relationships" xmlns:p="http://schemas.openxmlformats.org/presentationml/2006/main">
   <p:cSld>
     <p:spTree>
@@ -16945,7 +19301,7 @@
               <a:pPr>
                 <a:defRPr/>
               </a:pPr>
-              <a:t>17</a:t>
+              <a:t>25</a:t>
             </a:fld>
             <a:endParaRPr lang="en-NZ"/>
           </a:p>
@@ -17366,7 +19722,7 @@
 </p:sld>
 </file>
 
-<file path=ppt/slides/slide18.xml><?xml version="1.0" encoding="utf-8"?>
+<file path=ppt/slides/slide26.xml><?xml version="1.0" encoding="utf-8"?>
 <p:sld xmlns:a="http://schemas.openxmlformats.org/drawingml/2006/main" xmlns:r="http://schemas.openxmlformats.org/officeDocument/2006/relationships" xmlns:p="http://schemas.openxmlformats.org/presentationml/2006/main">
   <p:cSld>
     <p:spTree>
@@ -17547,7 +19903,7 @@
               <a:pPr>
                 <a:defRPr/>
               </a:pPr>
-              <a:t>18</a:t>
+              <a:t>26</a:t>
             </a:fld>
             <a:endParaRPr lang="en-NZ"/>
           </a:p>
@@ -17862,7 +20218,7 @@
 </p:sld>
 </file>
 
-<file path=ppt/slides/slide19.xml><?xml version="1.0" encoding="utf-8"?>
+<file path=ppt/slides/slide27.xml><?xml version="1.0" encoding="utf-8"?>
 <p:sld xmlns:a="http://schemas.openxmlformats.org/drawingml/2006/main" xmlns:r="http://schemas.openxmlformats.org/officeDocument/2006/relationships" xmlns:p="http://schemas.openxmlformats.org/presentationml/2006/main">
   <p:cSld>
     <p:spTree>
@@ -17979,7 +20335,7 @@
               <a:pPr>
                 <a:defRPr/>
               </a:pPr>
-              <a:t>19</a:t>
+              <a:t>27</a:t>
             </a:fld>
             <a:endParaRPr lang="en-NZ"/>
           </a:p>
@@ -18294,360 +20650,7 @@
 </p:sld>
 </file>
 
-<file path=ppt/slides/slide2.xml><?xml version="1.0" encoding="utf-8"?>
-<p:sld xmlns:a="http://schemas.openxmlformats.org/drawingml/2006/main" xmlns:r="http://schemas.openxmlformats.org/officeDocument/2006/relationships" xmlns:p="http://schemas.openxmlformats.org/presentationml/2006/main">
-  <p:cSld>
-    <p:spTree>
-      <p:nvGrpSpPr>
-        <p:cNvPr id="1" name=""/>
-        <p:cNvGrpSpPr/>
-        <p:nvPr/>
-      </p:nvGrpSpPr>
-      <p:grpSpPr>
-        <a:xfrm>
-          <a:off x="0" y="0"/>
-          <a:ext cx="0" cy="0"/>
-          <a:chOff x="0" y="0"/>
-          <a:chExt cx="0" cy="0"/>
-        </a:xfrm>
-      </p:grpSpPr>
-      <p:sp>
-        <p:nvSpPr>
-          <p:cNvPr id="13314" name="Title 1"/>
-          <p:cNvSpPr>
-            <a:spLocks noGrp="1"/>
-          </p:cNvSpPr>
-          <p:nvPr>
-            <p:ph type="title"/>
-          </p:nvPr>
-        </p:nvSpPr>
-        <p:spPr/>
-        <p:txBody>
-          <a:bodyPr/>
-          <a:lstStyle/>
-          <a:p>
-            <a:r>
-              <a:rPr lang="ru-RU" altLang="en-US" dirty="0"/>
-              <a:t>В сегодняшней лекции</a:t>
-            </a:r>
-            <a:endParaRPr lang="en-NZ" altLang="en-US" dirty="0"/>
-          </a:p>
-        </p:txBody>
-      </p:sp>
-      <p:sp>
-        <p:nvSpPr>
-          <p:cNvPr id="13315" name="Content Placeholder 2"/>
-          <p:cNvSpPr>
-            <a:spLocks noGrp="1"/>
-          </p:cNvSpPr>
-          <p:nvPr>
-            <p:ph idx="1"/>
-          </p:nvPr>
-        </p:nvSpPr>
-        <p:spPr>
-          <a:xfrm>
-            <a:off x="864382" y="2489200"/>
-            <a:ext cx="7605542" cy="3820120"/>
-          </a:xfrm>
-        </p:spPr>
-        <p:txBody>
-          <a:bodyPr/>
-          <a:lstStyle/>
-          <a:p>
-            <a:r>
-              <a:rPr lang="ru-RU" altLang="en-US" dirty="0"/>
-              <a:t>Научиться работать с отдельными компонентами </a:t>
-            </a:r>
-            <a:r>
-              <a:rPr lang="en-NZ" altLang="en-US" dirty="0"/>
-              <a:t>C#/.NET </a:t>
-            </a:r>
-            <a:r>
-              <a:rPr lang="ru-RU" altLang="en-US" dirty="0"/>
-              <a:t>приложения чтобы уметь:</a:t>
-            </a:r>
-            <a:endParaRPr lang="en-NZ" altLang="en-US" dirty="0"/>
-          </a:p>
-          <a:p>
-            <a:pPr lvl="1"/>
-            <a:r>
-              <a:rPr lang="ru-RU" altLang="en-US" dirty="0"/>
-              <a:t>Налаживать подключение к базе данных</a:t>
-            </a:r>
-            <a:endParaRPr lang="en-NZ" altLang="en-US" dirty="0"/>
-          </a:p>
-          <a:p>
-            <a:pPr lvl="1"/>
-            <a:r>
-              <a:rPr lang="ru-RU" altLang="en-US" dirty="0"/>
-              <a:t>Определять модель данных для таблиц</a:t>
-            </a:r>
-            <a:endParaRPr lang="en-NZ" altLang="en-US" dirty="0"/>
-          </a:p>
-          <a:p>
-            <a:pPr lvl="1"/>
-            <a:r>
-              <a:rPr lang="ru-RU" altLang="en-US" dirty="0"/>
-              <a:t>Делать запросы в базу данных</a:t>
-            </a:r>
-            <a:endParaRPr lang="en-NZ" altLang="en-US" dirty="0"/>
-          </a:p>
-          <a:p>
-            <a:pPr lvl="1"/>
-            <a:endParaRPr lang="en-NZ" altLang="en-US" dirty="0"/>
-          </a:p>
-          <a:p>
-            <a:endParaRPr lang="en-NZ" altLang="en-US" dirty="0"/>
-          </a:p>
-        </p:txBody>
-      </p:sp>
-      <p:sp>
-        <p:nvSpPr>
-          <p:cNvPr id="13317" name="Slide Number Placeholder 5"/>
-          <p:cNvSpPr>
-            <a:spLocks noGrp="1"/>
-          </p:cNvSpPr>
-          <p:nvPr>
-            <p:ph type="sldNum" sz="quarter" idx="12"/>
-          </p:nvPr>
-        </p:nvSpPr>
-        <p:spPr bwMode="auto">
-          <a:noFill/>
-          <a:extLst>
-            <a:ext uri="{909E8E84-426E-40DD-AFC4-6F175D3DCCD1}">
-              <a14:hiddenFill xmlns:a14="http://schemas.microsoft.com/office/drawing/2010/main">
-                <a:solidFill>
-                  <a:srgbClr val="FFFFFF"/>
-                </a:solidFill>
-              </a14:hiddenFill>
-            </a:ext>
-            <a:ext uri="{91240B29-F687-4F45-9708-019B960494DF}">
-              <a14:hiddenLine xmlns:a14="http://schemas.microsoft.com/office/drawing/2010/main" w="9525">
-                <a:solidFill>
-                  <a:srgbClr val="000000"/>
-                </a:solidFill>
-                <a:miter lim="800000"/>
-                <a:headEnd/>
-                <a:tailEnd/>
-              </a14:hiddenLine>
-            </a:ext>
-          </a:extLst>
-        </p:spPr>
-        <p:txBody>
-          <a:bodyPr/>
-          <a:lstStyle>
-            <a:lvl1pPr algn="l" eaLnBrk="0" hangingPunct="0">
-              <a:spcBef>
-                <a:spcPts val="600"/>
-              </a:spcBef>
-              <a:buClr>
-                <a:schemeClr val="accent1"/>
-              </a:buClr>
-              <a:buSzPct val="76000"/>
-              <a:buFont typeface="Wingdings 3" pitchFamily="18" charset="2"/>
-              <a:buChar char=""/>
-              <a:defRPr sz="2600">
-                <a:solidFill>
-                  <a:schemeClr val="tx1"/>
-                </a:solidFill>
-                <a:latin typeface="Gill Sans MT" pitchFamily="34" charset="0"/>
-              </a:defRPr>
-            </a:lvl1pPr>
-            <a:lvl2pPr marL="742950" indent="-285750" algn="l" eaLnBrk="0" hangingPunct="0">
-              <a:spcBef>
-                <a:spcPts val="500"/>
-              </a:spcBef>
-              <a:buClr>
-                <a:schemeClr val="accent2"/>
-              </a:buClr>
-              <a:buSzPct val="76000"/>
-              <a:buFont typeface="Wingdings 3" pitchFamily="18" charset="2"/>
-              <a:buChar char=""/>
-              <a:defRPr sz="2300">
-                <a:solidFill>
-                  <a:schemeClr val="tx2"/>
-                </a:solidFill>
-                <a:latin typeface="Gill Sans MT" pitchFamily="34" charset="0"/>
-              </a:defRPr>
-            </a:lvl2pPr>
-            <a:lvl3pPr marL="1143000" indent="-228600" algn="l" eaLnBrk="0" hangingPunct="0">
-              <a:spcBef>
-                <a:spcPts val="500"/>
-              </a:spcBef>
-              <a:buClr>
-                <a:srgbClr val="BCBCBC"/>
-              </a:buClr>
-              <a:buSzPct val="76000"/>
-              <a:buFont typeface="Wingdings 3" pitchFamily="18" charset="2"/>
-              <a:buChar char=""/>
-              <a:defRPr sz="2000">
-                <a:solidFill>
-                  <a:schemeClr val="tx1"/>
-                </a:solidFill>
-                <a:latin typeface="Gill Sans MT" pitchFamily="34" charset="0"/>
-              </a:defRPr>
-            </a:lvl3pPr>
-            <a:lvl4pPr marL="1600200" indent="-228600" algn="l" eaLnBrk="0" hangingPunct="0">
-              <a:spcBef>
-                <a:spcPts val="400"/>
-              </a:spcBef>
-              <a:buClr>
-                <a:srgbClr val="8BA2B4"/>
-              </a:buClr>
-              <a:buSzPct val="70000"/>
-              <a:buFont typeface="Wingdings" pitchFamily="2" charset="2"/>
-              <a:buChar char=""/>
-              <a:defRPr>
-                <a:solidFill>
-                  <a:schemeClr val="tx1"/>
-                </a:solidFill>
-                <a:latin typeface="Gill Sans MT" pitchFamily="34" charset="0"/>
-              </a:defRPr>
-            </a:lvl4pPr>
-            <a:lvl5pPr marL="2057400" indent="-228600" algn="l" eaLnBrk="0" hangingPunct="0">
-              <a:spcBef>
-                <a:spcPts val="300"/>
-              </a:spcBef>
-              <a:buClr>
-                <a:schemeClr val="accent2"/>
-              </a:buClr>
-              <a:buSzPct val="70000"/>
-              <a:buFont typeface="Wingdings" pitchFamily="2" charset="2"/>
-              <a:buChar char=""/>
-              <a:defRPr sz="1600">
-                <a:solidFill>
-                  <a:schemeClr val="tx1"/>
-                </a:solidFill>
-                <a:latin typeface="Gill Sans MT" pitchFamily="34" charset="0"/>
-              </a:defRPr>
-            </a:lvl5pPr>
-            <a:lvl6pPr marL="2514600" indent="-228600" eaLnBrk="0" fontAlgn="base" hangingPunct="0">
-              <a:spcBef>
-                <a:spcPts val="300"/>
-              </a:spcBef>
-              <a:spcAft>
-                <a:spcPct val="0"/>
-              </a:spcAft>
-              <a:buClr>
-                <a:schemeClr val="accent2"/>
-              </a:buClr>
-              <a:buSzPct val="70000"/>
-              <a:buFont typeface="Wingdings" pitchFamily="2" charset="2"/>
-              <a:buChar char=""/>
-              <a:defRPr sz="1600">
-                <a:solidFill>
-                  <a:schemeClr val="tx1"/>
-                </a:solidFill>
-                <a:latin typeface="Gill Sans MT" pitchFamily="34" charset="0"/>
-              </a:defRPr>
-            </a:lvl6pPr>
-            <a:lvl7pPr marL="2971800" indent="-228600" eaLnBrk="0" fontAlgn="base" hangingPunct="0">
-              <a:spcBef>
-                <a:spcPts val="300"/>
-              </a:spcBef>
-              <a:spcAft>
-                <a:spcPct val="0"/>
-              </a:spcAft>
-              <a:buClr>
-                <a:schemeClr val="accent2"/>
-              </a:buClr>
-              <a:buSzPct val="70000"/>
-              <a:buFont typeface="Wingdings" pitchFamily="2" charset="2"/>
-              <a:buChar char=""/>
-              <a:defRPr sz="1600">
-                <a:solidFill>
-                  <a:schemeClr val="tx1"/>
-                </a:solidFill>
-                <a:latin typeface="Gill Sans MT" pitchFamily="34" charset="0"/>
-              </a:defRPr>
-            </a:lvl7pPr>
-            <a:lvl8pPr marL="3429000" indent="-228600" eaLnBrk="0" fontAlgn="base" hangingPunct="0">
-              <a:spcBef>
-                <a:spcPts val="300"/>
-              </a:spcBef>
-              <a:spcAft>
-                <a:spcPct val="0"/>
-              </a:spcAft>
-              <a:buClr>
-                <a:schemeClr val="accent2"/>
-              </a:buClr>
-              <a:buSzPct val="70000"/>
-              <a:buFont typeface="Wingdings" pitchFamily="2" charset="2"/>
-              <a:buChar char=""/>
-              <a:defRPr sz="1600">
-                <a:solidFill>
-                  <a:schemeClr val="tx1"/>
-                </a:solidFill>
-                <a:latin typeface="Gill Sans MT" pitchFamily="34" charset="0"/>
-              </a:defRPr>
-            </a:lvl8pPr>
-            <a:lvl9pPr marL="3886200" indent="-228600" eaLnBrk="0" fontAlgn="base" hangingPunct="0">
-              <a:spcBef>
-                <a:spcPts val="300"/>
-              </a:spcBef>
-              <a:spcAft>
-                <a:spcPct val="0"/>
-              </a:spcAft>
-              <a:buClr>
-                <a:schemeClr val="accent2"/>
-              </a:buClr>
-              <a:buSzPct val="70000"/>
-              <a:buFont typeface="Wingdings" pitchFamily="2" charset="2"/>
-              <a:buChar char=""/>
-              <a:defRPr sz="1600">
-                <a:solidFill>
-                  <a:schemeClr val="tx1"/>
-                </a:solidFill>
-                <a:latin typeface="Gill Sans MT" pitchFamily="34" charset="0"/>
-              </a:defRPr>
-            </a:lvl9pPr>
-          </a:lstStyle>
-          <a:p>
-            <a:pPr eaLnBrk="1" hangingPunct="1">
-              <a:spcBef>
-                <a:spcPct val="0"/>
-              </a:spcBef>
-              <a:buClrTx/>
-              <a:buSzTx/>
-              <a:buFontTx/>
-              <a:buNone/>
-            </a:pPr>
-            <a:fld id="{7B09B250-E622-4821-BF40-A6FFAF44DAC2}" type="slidenum">
-              <a:rPr lang="en-NZ" altLang="en-US" sz="1400" smtClean="0">
-                <a:solidFill>
-                  <a:schemeClr val="tx2"/>
-                </a:solidFill>
-                <a:latin typeface="Tahoma" pitchFamily="34" charset="0"/>
-              </a:rPr>
-              <a:pPr eaLnBrk="1" hangingPunct="1">
-                <a:spcBef>
-                  <a:spcPct val="0"/>
-                </a:spcBef>
-                <a:buClrTx/>
-                <a:buSzTx/>
-                <a:buFontTx/>
-                <a:buNone/>
-              </a:pPr>
-              <a:t>2</a:t>
-            </a:fld>
-            <a:endParaRPr lang="en-NZ" altLang="en-US" sz="1400">
-              <a:solidFill>
-                <a:schemeClr val="tx2"/>
-              </a:solidFill>
-              <a:latin typeface="Tahoma" pitchFamily="34" charset="0"/>
-            </a:endParaRPr>
-          </a:p>
-        </p:txBody>
-      </p:sp>
-    </p:spTree>
-  </p:cSld>
-  <p:clrMapOvr>
-    <a:masterClrMapping/>
-  </p:clrMapOvr>
-</p:sld>
-</file>
-
-<file path=ppt/slides/slide20.xml><?xml version="1.0" encoding="utf-8"?>
+<file path=ppt/slides/slide28.xml><?xml version="1.0" encoding="utf-8"?>
 <p:sld xmlns:a="http://schemas.openxmlformats.org/drawingml/2006/main" xmlns:r="http://schemas.openxmlformats.org/officeDocument/2006/relationships" xmlns:p="http://schemas.openxmlformats.org/presentationml/2006/main">
   <p:cSld>
     <p:spTree>
@@ -18703,57 +20706,57 @@
           <a:lstStyle/>
           <a:p>
             <a:r>
-              <a:rPr lang="ru-RU" dirty="0"/>
+              <a:rPr lang="ru-RU" sz="2400" dirty="0"/>
               <a:t>Мы посмотрели как работает база данных </a:t>
             </a:r>
             <a:r>
-              <a:rPr lang="en-NZ" dirty="0"/>
+              <a:rPr lang="en-NZ" sz="2400" dirty="0"/>
               <a:t>(</a:t>
             </a:r>
             <a:r>
-              <a:rPr lang="ru-RU" dirty="0"/>
+              <a:rPr lang="ru-RU" sz="2400" dirty="0"/>
               <a:t>в частности </a:t>
             </a:r>
             <a:r>
-              <a:rPr lang="en-US" dirty="0"/>
+              <a:rPr lang="en-US" sz="2400" dirty="0"/>
               <a:t>MSSQL</a:t>
             </a:r>
             <a:r>
-              <a:rPr lang="en-NZ" dirty="0"/>
+              <a:rPr lang="en-NZ" sz="2400" dirty="0"/>
               <a:t>) from C#/.NET</a:t>
             </a:r>
           </a:p>
           <a:p>
             <a:pPr lvl="1"/>
             <a:r>
-              <a:rPr lang="ru-RU" dirty="0"/>
+              <a:rPr lang="ru-RU" sz="2000" dirty="0"/>
               <a:t>Сделали подключение</a:t>
             </a:r>
-            <a:endParaRPr lang="en-NZ" dirty="0"/>
+            <a:endParaRPr lang="en-NZ" sz="2000" dirty="0"/>
           </a:p>
           <a:p>
             <a:pPr lvl="1"/>
             <a:r>
-              <a:rPr lang="ru-RU" dirty="0"/>
+              <a:rPr lang="ru-RU" sz="2000" dirty="0"/>
               <a:t>Использовали</a:t>
             </a:r>
             <a:r>
-              <a:rPr lang="en-NZ" dirty="0"/>
+              <a:rPr lang="en-NZ" sz="2000" dirty="0"/>
               <a:t> Entity Framework</a:t>
             </a:r>
             <a:r>
-              <a:rPr lang="ru-RU" dirty="0"/>
+              <a:rPr lang="ru-RU" sz="2000" dirty="0"/>
               <a:t> и </a:t>
             </a:r>
             <a:r>
-              <a:rPr lang="en-US" dirty="0"/>
+              <a:rPr lang="en-US" sz="2000" dirty="0"/>
               <a:t>ADO.NET </a:t>
             </a:r>
             <a:r>
-              <a:rPr lang="ru-RU" dirty="0"/>
+              <a:rPr lang="ru-RU" sz="2000" dirty="0"/>
               <a:t>для работы с данными</a:t>
             </a:r>
-            <a:endParaRPr lang="en-NZ" dirty="0"/>
+            <a:endParaRPr lang="en-NZ" sz="2000" dirty="0"/>
           </a:p>
           <a:p>
             <a:endParaRPr lang="en-NZ" dirty="0"/>
@@ -18768,31 +20771,6 @@
               <a:t>LINQ</a:t>
             </a:r>
             <a:endParaRPr lang="en-NZ" dirty="0"/>
-          </a:p>
-        </p:txBody>
-      </p:sp>
-      <p:sp>
-        <p:nvSpPr>
-          <p:cNvPr id="5" name="Footer Placeholder 4"/>
-          <p:cNvSpPr>
-            <a:spLocks noGrp="1"/>
-          </p:cNvSpPr>
-          <p:nvPr>
-            <p:ph type="ftr" sz="quarter" idx="11"/>
-          </p:nvPr>
-        </p:nvSpPr>
-        <p:spPr/>
-        <p:txBody>
-          <a:bodyPr/>
-          <a:lstStyle/>
-          <a:p>
-            <a:pPr>
-              <a:defRPr/>
-            </a:pPr>
-            <a:r>
-              <a:rPr lang="en-NZ"/>
-              <a:t>COMPSCI 280</a:t>
-            </a:r>
           </a:p>
         </p:txBody>
       </p:sp>
@@ -18819,7 +20797,7 @@
               <a:pPr>
                 <a:defRPr/>
               </a:pPr>
-              <a:t>20</a:t>
+              <a:t>28</a:t>
             </a:fld>
             <a:endParaRPr lang="en-NZ"/>
           </a:p>
@@ -18838,7 +20816,7 @@
 </p:sld>
 </file>
 
-<file path=ppt/slides/slide21.xml><?xml version="1.0" encoding="utf-8"?>
+<file path=ppt/slides/slide29.xml><?xml version="1.0" encoding="utf-8"?>
 <p:sld xmlns:a="http://schemas.openxmlformats.org/drawingml/2006/main" xmlns:r="http://schemas.openxmlformats.org/officeDocument/2006/relationships" xmlns:p="http://schemas.openxmlformats.org/presentationml/2006/main">
   <p:cSld>
     <p:spTree>
@@ -19175,7 +21153,7 @@
                 <a:buFontTx/>
                 <a:buNone/>
               </a:pPr>
-              <a:t>21</a:t>
+              <a:t>29</a:t>
             </a:fld>
             <a:endParaRPr lang="en-NZ" altLang="en-US" sz="1400">
               <a:solidFill>
@@ -19425,573 +21403,6 @@
     <p:extLst>
       <p:ext uri="{BB962C8B-B14F-4D97-AF65-F5344CB8AC3E}">
         <p14:creationId xmlns:p14="http://schemas.microsoft.com/office/powerpoint/2010/main" val="1635608148"/>
-      </p:ext>
-    </p:extLst>
-  </p:cSld>
-  <p:clrMapOvr>
-    <a:masterClrMapping/>
-  </p:clrMapOvr>
-</p:sld>
-</file>
-
-<file path=ppt/slides/slide22.xml><?xml version="1.0" encoding="utf-8"?>
-<p:sld xmlns:a="http://schemas.openxmlformats.org/drawingml/2006/main" xmlns:r="http://schemas.openxmlformats.org/officeDocument/2006/relationships" xmlns:p="http://schemas.openxmlformats.org/presentationml/2006/main">
-  <p:cSld>
-    <p:spTree>
-      <p:nvGrpSpPr>
-        <p:cNvPr id="1" name=""/>
-        <p:cNvGrpSpPr/>
-        <p:nvPr/>
-      </p:nvGrpSpPr>
-      <p:grpSpPr>
-        <a:xfrm>
-          <a:off x="0" y="0"/>
-          <a:ext cx="0" cy="0"/>
-          <a:chOff x="0" y="0"/>
-          <a:chExt cx="0" cy="0"/>
-        </a:xfrm>
-      </p:grpSpPr>
-      <p:sp>
-        <p:nvSpPr>
-          <p:cNvPr id="48130" name="Slide Number Placeholder 5"/>
-          <p:cNvSpPr>
-            <a:spLocks noGrp="1"/>
-          </p:cNvSpPr>
-          <p:nvPr>
-            <p:ph type="sldNum" sz="quarter" idx="12"/>
-          </p:nvPr>
-        </p:nvSpPr>
-        <p:spPr bwMode="auto">
-          <a:noFill/>
-          <a:extLst>
-            <a:ext uri="{909E8E84-426E-40DD-AFC4-6F175D3DCCD1}">
-              <a14:hiddenFill xmlns:a14="http://schemas.microsoft.com/office/drawing/2010/main">
-                <a:solidFill>
-                  <a:srgbClr val="FFFFFF"/>
-                </a:solidFill>
-              </a14:hiddenFill>
-            </a:ext>
-            <a:ext uri="{91240B29-F687-4F45-9708-019B960494DF}">
-              <a14:hiddenLine xmlns:a14="http://schemas.microsoft.com/office/drawing/2010/main" w="9525">
-                <a:solidFill>
-                  <a:srgbClr val="000000"/>
-                </a:solidFill>
-                <a:miter lim="800000"/>
-                <a:headEnd/>
-                <a:tailEnd/>
-              </a14:hiddenLine>
-            </a:ext>
-          </a:extLst>
-        </p:spPr>
-        <p:txBody>
-          <a:bodyPr vert="horz" wrap="square" lIns="91440" tIns="45720" rIns="91440" bIns="45720" numCol="1" anchorCtr="0" compatLnSpc="1">
-            <a:prstTxWarp prst="textNoShape">
-              <a:avLst/>
-            </a:prstTxWarp>
-          </a:bodyPr>
-          <a:lstStyle>
-            <a:lvl1pPr>
-              <a:spcBef>
-                <a:spcPts val="1000"/>
-              </a:spcBef>
-              <a:buClr>
-                <a:schemeClr val="accent1"/>
-              </a:buClr>
-              <a:buSzPct val="80000"/>
-              <a:buFont typeface="Wingdings 3" panose="05040102010807070707" pitchFamily="18" charset="2"/>
-              <a:buChar char=""/>
-              <a:defRPr>
-                <a:solidFill>
-                  <a:srgbClr val="404040"/>
-                </a:solidFill>
-                <a:latin typeface="Century Gothic" panose="020B0502020202020204" pitchFamily="34" charset="0"/>
-              </a:defRPr>
-            </a:lvl1pPr>
-            <a:lvl2pPr marL="742950" indent="-285750">
-              <a:spcBef>
-                <a:spcPts val="1000"/>
-              </a:spcBef>
-              <a:buClr>
-                <a:schemeClr val="accent1"/>
-              </a:buClr>
-              <a:buSzPct val="80000"/>
-              <a:buFont typeface="Wingdings 3" panose="05040102010807070707" pitchFamily="18" charset="2"/>
-              <a:buChar char=""/>
-              <a:defRPr sz="1600">
-                <a:solidFill>
-                  <a:srgbClr val="404040"/>
-                </a:solidFill>
-                <a:latin typeface="Century Gothic" panose="020B0502020202020204" pitchFamily="34" charset="0"/>
-              </a:defRPr>
-            </a:lvl2pPr>
-            <a:lvl3pPr marL="1143000" indent="-228600">
-              <a:spcBef>
-                <a:spcPts val="1000"/>
-              </a:spcBef>
-              <a:buClr>
-                <a:schemeClr val="accent1"/>
-              </a:buClr>
-              <a:buSzPct val="80000"/>
-              <a:buFont typeface="Wingdings 3" panose="05040102010807070707" pitchFamily="18" charset="2"/>
-              <a:buChar char=""/>
-              <a:defRPr sz="1400">
-                <a:solidFill>
-                  <a:srgbClr val="404040"/>
-                </a:solidFill>
-                <a:latin typeface="Century Gothic" panose="020B0502020202020204" pitchFamily="34" charset="0"/>
-              </a:defRPr>
-            </a:lvl3pPr>
-            <a:lvl4pPr marL="1600200" indent="-228600">
-              <a:spcBef>
-                <a:spcPts val="1000"/>
-              </a:spcBef>
-              <a:buClr>
-                <a:schemeClr val="accent1"/>
-              </a:buClr>
-              <a:buSzPct val="80000"/>
-              <a:buFont typeface="Wingdings 3" panose="05040102010807070707" pitchFamily="18" charset="2"/>
-              <a:buChar char=""/>
-              <a:defRPr sz="1200">
-                <a:solidFill>
-                  <a:srgbClr val="404040"/>
-                </a:solidFill>
-                <a:latin typeface="Century Gothic" panose="020B0502020202020204" pitchFamily="34" charset="0"/>
-              </a:defRPr>
-            </a:lvl4pPr>
-            <a:lvl5pPr marL="2057400" indent="-228600">
-              <a:spcBef>
-                <a:spcPts val="1000"/>
-              </a:spcBef>
-              <a:buClr>
-                <a:schemeClr val="accent1"/>
-              </a:buClr>
-              <a:buSzPct val="80000"/>
-              <a:buFont typeface="Wingdings 3" panose="05040102010807070707" pitchFamily="18" charset="2"/>
-              <a:buChar char=""/>
-              <a:defRPr sz="1200">
-                <a:solidFill>
-                  <a:srgbClr val="404040"/>
-                </a:solidFill>
-                <a:latin typeface="Century Gothic" panose="020B0502020202020204" pitchFamily="34" charset="0"/>
-              </a:defRPr>
-            </a:lvl5pPr>
-            <a:lvl6pPr marL="2514600" indent="-228600" defTabSz="457200" eaLnBrk="0" fontAlgn="base" hangingPunct="0">
-              <a:spcBef>
-                <a:spcPts val="1000"/>
-              </a:spcBef>
-              <a:spcAft>
-                <a:spcPct val="0"/>
-              </a:spcAft>
-              <a:buClr>
-                <a:schemeClr val="accent1"/>
-              </a:buClr>
-              <a:buSzPct val="80000"/>
-              <a:buFont typeface="Wingdings 3" panose="05040102010807070707" pitchFamily="18" charset="2"/>
-              <a:buChar char=""/>
-              <a:defRPr sz="1200">
-                <a:solidFill>
-                  <a:srgbClr val="404040"/>
-                </a:solidFill>
-                <a:latin typeface="Century Gothic" panose="020B0502020202020204" pitchFamily="34" charset="0"/>
-              </a:defRPr>
-            </a:lvl6pPr>
-            <a:lvl7pPr marL="2971800" indent="-228600" defTabSz="457200" eaLnBrk="0" fontAlgn="base" hangingPunct="0">
-              <a:spcBef>
-                <a:spcPts val="1000"/>
-              </a:spcBef>
-              <a:spcAft>
-                <a:spcPct val="0"/>
-              </a:spcAft>
-              <a:buClr>
-                <a:schemeClr val="accent1"/>
-              </a:buClr>
-              <a:buSzPct val="80000"/>
-              <a:buFont typeface="Wingdings 3" panose="05040102010807070707" pitchFamily="18" charset="2"/>
-              <a:buChar char=""/>
-              <a:defRPr sz="1200">
-                <a:solidFill>
-                  <a:srgbClr val="404040"/>
-                </a:solidFill>
-                <a:latin typeface="Century Gothic" panose="020B0502020202020204" pitchFamily="34" charset="0"/>
-              </a:defRPr>
-            </a:lvl7pPr>
-            <a:lvl8pPr marL="3429000" indent="-228600" defTabSz="457200" eaLnBrk="0" fontAlgn="base" hangingPunct="0">
-              <a:spcBef>
-                <a:spcPts val="1000"/>
-              </a:spcBef>
-              <a:spcAft>
-                <a:spcPct val="0"/>
-              </a:spcAft>
-              <a:buClr>
-                <a:schemeClr val="accent1"/>
-              </a:buClr>
-              <a:buSzPct val="80000"/>
-              <a:buFont typeface="Wingdings 3" panose="05040102010807070707" pitchFamily="18" charset="2"/>
-              <a:buChar char=""/>
-              <a:defRPr sz="1200">
-                <a:solidFill>
-                  <a:srgbClr val="404040"/>
-                </a:solidFill>
-                <a:latin typeface="Century Gothic" panose="020B0502020202020204" pitchFamily="34" charset="0"/>
-              </a:defRPr>
-            </a:lvl8pPr>
-            <a:lvl9pPr marL="3886200" indent="-228600" defTabSz="457200" eaLnBrk="0" fontAlgn="base" hangingPunct="0">
-              <a:spcBef>
-                <a:spcPts val="1000"/>
-              </a:spcBef>
-              <a:spcAft>
-                <a:spcPct val="0"/>
-              </a:spcAft>
-              <a:buClr>
-                <a:schemeClr val="accent1"/>
-              </a:buClr>
-              <a:buSzPct val="80000"/>
-              <a:buFont typeface="Wingdings 3" panose="05040102010807070707" pitchFamily="18" charset="2"/>
-              <a:buChar char=""/>
-              <a:defRPr sz="1200">
-                <a:solidFill>
-                  <a:srgbClr val="404040"/>
-                </a:solidFill>
-                <a:latin typeface="Century Gothic" panose="020B0502020202020204" pitchFamily="34" charset="0"/>
-              </a:defRPr>
-            </a:lvl9pPr>
-          </a:lstStyle>
-          <a:p>
-            <a:pPr algn="l" fontAlgn="base">
-              <a:spcBef>
-                <a:spcPct val="0"/>
-              </a:spcBef>
-              <a:spcAft>
-                <a:spcPct val="0"/>
-              </a:spcAft>
-              <a:buClrTx/>
-              <a:buSzTx/>
-              <a:buFontTx/>
-              <a:buNone/>
-            </a:pPr>
-            <a:fld id="{7F55B6FE-4644-40A4-A3ED-96877375A883}" type="slidenum">
-              <a:rPr lang="en-NZ" altLang="en-US" sz="1400" smtClean="0">
-                <a:solidFill>
-                  <a:schemeClr val="tx2"/>
-                </a:solidFill>
-                <a:latin typeface="Tahoma" panose="020B0604030504040204" pitchFamily="34" charset="0"/>
-              </a:rPr>
-              <a:pPr algn="l" fontAlgn="base">
-                <a:spcBef>
-                  <a:spcPct val="0"/>
-                </a:spcBef>
-                <a:spcAft>
-                  <a:spcPct val="0"/>
-                </a:spcAft>
-                <a:buClrTx/>
-                <a:buSzTx/>
-                <a:buFontTx/>
-                <a:buNone/>
-              </a:pPr>
-              <a:t>22</a:t>
-            </a:fld>
-            <a:endParaRPr lang="en-NZ" altLang="en-US" sz="1400">
-              <a:solidFill>
-                <a:schemeClr val="tx2"/>
-              </a:solidFill>
-              <a:latin typeface="Tahoma" panose="020B0604030504040204" pitchFamily="34" charset="0"/>
-            </a:endParaRPr>
-          </a:p>
-        </p:txBody>
-      </p:sp>
-      <p:sp>
-        <p:nvSpPr>
-          <p:cNvPr id="48131" name="Title 1"/>
-          <p:cNvSpPr txBox="1">
-            <a:spLocks/>
-          </p:cNvSpPr>
-          <p:nvPr/>
-        </p:nvSpPr>
-        <p:spPr bwMode="gray">
-          <a:xfrm>
-            <a:off x="827088" y="698500"/>
-            <a:ext cx="8058150" cy="990600"/>
-          </a:xfrm>
-          <a:prstGeom prst="rect">
-            <a:avLst/>
-          </a:prstGeom>
-          <a:noFill/>
-          <a:ln>
-            <a:noFill/>
-          </a:ln>
-          <a:extLst>
-            <a:ext uri="{909E8E84-426E-40DD-AFC4-6F175D3DCCD1}">
-              <a14:hiddenFill xmlns:a14="http://schemas.microsoft.com/office/drawing/2010/main">
-                <a:solidFill>
-                  <a:srgbClr val="FFFFFF"/>
-                </a:solidFill>
-              </a14:hiddenFill>
-            </a:ext>
-            <a:ext uri="{91240B29-F687-4F45-9708-019B960494DF}">
-              <a14:hiddenLine xmlns:a14="http://schemas.microsoft.com/office/drawing/2010/main" w="9525">
-                <a:solidFill>
-                  <a:srgbClr val="000000"/>
-                </a:solidFill>
-                <a:miter lim="800000"/>
-                <a:headEnd/>
-                <a:tailEnd/>
-              </a14:hiddenLine>
-            </a:ext>
-          </a:extLst>
-        </p:spPr>
-        <p:txBody>
-          <a:bodyPr anchor="ctr"/>
-          <a:lstStyle>
-            <a:lvl1pPr>
-              <a:spcBef>
-                <a:spcPts val="1000"/>
-              </a:spcBef>
-              <a:buClr>
-                <a:schemeClr val="accent1"/>
-              </a:buClr>
-              <a:buSzPct val="80000"/>
-              <a:buFont typeface="Wingdings 3" panose="05040102010807070707" pitchFamily="18" charset="2"/>
-              <a:buChar char=""/>
-              <a:defRPr>
-                <a:solidFill>
-                  <a:srgbClr val="404040"/>
-                </a:solidFill>
-                <a:latin typeface="Century Gothic" panose="020B0502020202020204" pitchFamily="34" charset="0"/>
-              </a:defRPr>
-            </a:lvl1pPr>
-            <a:lvl2pPr marL="685800" indent="-282575">
-              <a:spcBef>
-                <a:spcPts val="1000"/>
-              </a:spcBef>
-              <a:buClr>
-                <a:schemeClr val="accent1"/>
-              </a:buClr>
-              <a:buSzPct val="80000"/>
-              <a:buFont typeface="Wingdings 3" panose="05040102010807070707" pitchFamily="18" charset="2"/>
-              <a:buChar char=""/>
-              <a:defRPr sz="1600">
-                <a:solidFill>
-                  <a:srgbClr val="404040"/>
-                </a:solidFill>
-                <a:latin typeface="Century Gothic" panose="020B0502020202020204" pitchFamily="34" charset="0"/>
-              </a:defRPr>
-            </a:lvl2pPr>
-            <a:lvl3pPr marL="958850" indent="-228600">
-              <a:spcBef>
-                <a:spcPts val="1000"/>
-              </a:spcBef>
-              <a:buClr>
-                <a:schemeClr val="accent1"/>
-              </a:buClr>
-              <a:buSzPct val="80000"/>
-              <a:buFont typeface="Wingdings 3" panose="05040102010807070707" pitchFamily="18" charset="2"/>
-              <a:buChar char=""/>
-              <a:defRPr sz="1400">
-                <a:solidFill>
-                  <a:srgbClr val="404040"/>
-                </a:solidFill>
-                <a:latin typeface="Century Gothic" panose="020B0502020202020204" pitchFamily="34" charset="0"/>
-              </a:defRPr>
-            </a:lvl3pPr>
-            <a:lvl4pPr marL="1233488" indent="-228600">
-              <a:spcBef>
-                <a:spcPts val="1000"/>
-              </a:spcBef>
-              <a:buClr>
-                <a:schemeClr val="accent1"/>
-              </a:buClr>
-              <a:buSzPct val="80000"/>
-              <a:buFont typeface="Wingdings 3" panose="05040102010807070707" pitchFamily="18" charset="2"/>
-              <a:buChar char=""/>
-              <a:defRPr sz="1200">
-                <a:solidFill>
-                  <a:srgbClr val="404040"/>
-                </a:solidFill>
-                <a:latin typeface="Century Gothic" panose="020B0502020202020204" pitchFamily="34" charset="0"/>
-              </a:defRPr>
-            </a:lvl4pPr>
-            <a:lvl5pPr marL="1508125" indent="-228600">
-              <a:spcBef>
-                <a:spcPts val="1000"/>
-              </a:spcBef>
-              <a:buClr>
-                <a:schemeClr val="accent1"/>
-              </a:buClr>
-              <a:buSzPct val="80000"/>
-              <a:buFont typeface="Wingdings 3" panose="05040102010807070707" pitchFamily="18" charset="2"/>
-              <a:buChar char=""/>
-              <a:defRPr sz="1200">
-                <a:solidFill>
-                  <a:srgbClr val="404040"/>
-                </a:solidFill>
-                <a:latin typeface="Century Gothic" panose="020B0502020202020204" pitchFamily="34" charset="0"/>
-              </a:defRPr>
-            </a:lvl5pPr>
-            <a:lvl6pPr marL="1965325" indent="-228600" defTabSz="457200" eaLnBrk="0" fontAlgn="base" hangingPunct="0">
-              <a:spcBef>
-                <a:spcPts val="1000"/>
-              </a:spcBef>
-              <a:spcAft>
-                <a:spcPct val="0"/>
-              </a:spcAft>
-              <a:buClr>
-                <a:schemeClr val="accent1"/>
-              </a:buClr>
-              <a:buSzPct val="80000"/>
-              <a:buFont typeface="Wingdings 3" panose="05040102010807070707" pitchFamily="18" charset="2"/>
-              <a:buChar char=""/>
-              <a:defRPr sz="1200">
-                <a:solidFill>
-                  <a:srgbClr val="404040"/>
-                </a:solidFill>
-                <a:latin typeface="Century Gothic" panose="020B0502020202020204" pitchFamily="34" charset="0"/>
-              </a:defRPr>
-            </a:lvl6pPr>
-            <a:lvl7pPr marL="2422525" indent="-228600" defTabSz="457200" eaLnBrk="0" fontAlgn="base" hangingPunct="0">
-              <a:spcBef>
-                <a:spcPts val="1000"/>
-              </a:spcBef>
-              <a:spcAft>
-                <a:spcPct val="0"/>
-              </a:spcAft>
-              <a:buClr>
-                <a:schemeClr val="accent1"/>
-              </a:buClr>
-              <a:buSzPct val="80000"/>
-              <a:buFont typeface="Wingdings 3" panose="05040102010807070707" pitchFamily="18" charset="2"/>
-              <a:buChar char=""/>
-              <a:defRPr sz="1200">
-                <a:solidFill>
-                  <a:srgbClr val="404040"/>
-                </a:solidFill>
-                <a:latin typeface="Century Gothic" panose="020B0502020202020204" pitchFamily="34" charset="0"/>
-              </a:defRPr>
-            </a:lvl7pPr>
-            <a:lvl8pPr marL="2879725" indent="-228600" defTabSz="457200" eaLnBrk="0" fontAlgn="base" hangingPunct="0">
-              <a:spcBef>
-                <a:spcPts val="1000"/>
-              </a:spcBef>
-              <a:spcAft>
-                <a:spcPct val="0"/>
-              </a:spcAft>
-              <a:buClr>
-                <a:schemeClr val="accent1"/>
-              </a:buClr>
-              <a:buSzPct val="80000"/>
-              <a:buFont typeface="Wingdings 3" panose="05040102010807070707" pitchFamily="18" charset="2"/>
-              <a:buChar char=""/>
-              <a:defRPr sz="1200">
-                <a:solidFill>
-                  <a:srgbClr val="404040"/>
-                </a:solidFill>
-                <a:latin typeface="Century Gothic" panose="020B0502020202020204" pitchFamily="34" charset="0"/>
-              </a:defRPr>
-            </a:lvl8pPr>
-            <a:lvl9pPr marL="3336925" indent="-228600" defTabSz="457200" eaLnBrk="0" fontAlgn="base" hangingPunct="0">
-              <a:spcBef>
-                <a:spcPts val="1000"/>
-              </a:spcBef>
-              <a:spcAft>
-                <a:spcPct val="0"/>
-              </a:spcAft>
-              <a:buClr>
-                <a:schemeClr val="accent1"/>
-              </a:buClr>
-              <a:buSzPct val="80000"/>
-              <a:buFont typeface="Wingdings 3" panose="05040102010807070707" pitchFamily="18" charset="2"/>
-              <a:buChar char=""/>
-              <a:defRPr sz="1200">
-                <a:solidFill>
-                  <a:srgbClr val="404040"/>
-                </a:solidFill>
-                <a:latin typeface="Century Gothic" panose="020B0502020202020204" pitchFamily="34" charset="0"/>
-              </a:defRPr>
-            </a:lvl9pPr>
-          </a:lstStyle>
-          <a:p>
-            <a:pPr eaLnBrk="1" hangingPunct="1">
-              <a:spcBef>
-                <a:spcPct val="0"/>
-              </a:spcBef>
-              <a:buClrTx/>
-              <a:buSzTx/>
-              <a:buFontTx/>
-              <a:buNone/>
-            </a:pPr>
-            <a:r>
-              <a:rPr lang="ru-RU" altLang="en-US" sz="3200">
-                <a:solidFill>
-                  <a:schemeClr val="bg1"/>
-                </a:solidFill>
-              </a:rPr>
-              <a:t>Вопросы?</a:t>
-            </a:r>
-            <a:endParaRPr lang="en-NZ" altLang="en-US" sz="3200">
-              <a:solidFill>
-                <a:schemeClr val="bg1"/>
-              </a:solidFill>
-            </a:endParaRPr>
-          </a:p>
-        </p:txBody>
-      </p:sp>
-      <p:pic>
-        <p:nvPicPr>
-          <p:cNvPr id="48132" name="Picture 2" descr="Image result for questions"/>
-          <p:cNvPicPr>
-            <a:picLocks noChangeAspect="1" noChangeArrowheads="1"/>
-          </p:cNvPicPr>
-          <p:nvPr/>
-        </p:nvPicPr>
-        <p:blipFill>
-          <a:blip r:embed="rId2">
-            <a:extLst>
-              <a:ext uri="{28A0092B-C50C-407E-A947-70E740481C1C}">
-                <a14:useLocalDpi xmlns:a14="http://schemas.microsoft.com/office/drawing/2010/main" val="0"/>
-              </a:ext>
-            </a:extLst>
-          </a:blip>
-          <a:srcRect/>
-          <a:stretch>
-            <a:fillRect/>
-          </a:stretch>
-        </p:blipFill>
-        <p:spPr bwMode="auto">
-          <a:xfrm>
-            <a:off x="839788" y="2420938"/>
-            <a:ext cx="7156450" cy="4021137"/>
-          </a:xfrm>
-          <a:prstGeom prst="rect">
-            <a:avLst/>
-          </a:prstGeom>
-          <a:noFill/>
-          <a:ln>
-            <a:noFill/>
-          </a:ln>
-          <a:extLst>
-            <a:ext uri="{909E8E84-426E-40DD-AFC4-6F175D3DCCD1}">
-              <a14:hiddenFill xmlns:a14="http://schemas.microsoft.com/office/drawing/2010/main">
-                <a:solidFill>
-                  <a:srgbClr val="FFFFFF"/>
-                </a:solidFill>
-              </a14:hiddenFill>
-            </a:ext>
-            <a:ext uri="{91240B29-F687-4F45-9708-019B960494DF}">
-              <a14:hiddenLine xmlns:a14="http://schemas.microsoft.com/office/drawing/2010/main" w="9525">
-                <a:solidFill>
-                  <a:srgbClr val="000000"/>
-                </a:solidFill>
-                <a:miter lim="800000"/>
-                <a:headEnd/>
-                <a:tailEnd/>
-              </a14:hiddenLine>
-            </a:ext>
-          </a:extLst>
-        </p:spPr>
-      </p:pic>
-    </p:spTree>
-    <p:extLst>
-      <p:ext uri="{BB962C8B-B14F-4D97-AF65-F5344CB8AC3E}">
-        <p14:creationId xmlns:p14="http://schemas.microsoft.com/office/powerpoint/2010/main" val="401534850"/>
       </p:ext>
     </p:extLst>
   </p:cSld>
@@ -20058,10 +21469,15 @@
             <p:ph idx="1"/>
           </p:nvPr>
         </p:nvSpPr>
-        <p:spPr/>
+        <p:spPr>
+          <a:xfrm>
+            <a:off x="864382" y="2489200"/>
+            <a:ext cx="7605542" cy="3892128"/>
+          </a:xfrm>
+        </p:spPr>
         <p:txBody>
           <a:bodyPr>
-            <a:normAutofit fontScale="92500" lnSpcReduction="20000"/>
+            <a:normAutofit lnSpcReduction="10000"/>
           </a:bodyPr>
           <a:lstStyle/>
           <a:p>
@@ -20382,6 +21798,573 @@
         </p:txBody>
       </p:sp>
     </p:spTree>
+  </p:cSld>
+  <p:clrMapOvr>
+    <a:masterClrMapping/>
+  </p:clrMapOvr>
+</p:sld>
+</file>
+
+<file path=ppt/slides/slide30.xml><?xml version="1.0" encoding="utf-8"?>
+<p:sld xmlns:a="http://schemas.openxmlformats.org/drawingml/2006/main" xmlns:r="http://schemas.openxmlformats.org/officeDocument/2006/relationships" xmlns:p="http://schemas.openxmlformats.org/presentationml/2006/main">
+  <p:cSld>
+    <p:spTree>
+      <p:nvGrpSpPr>
+        <p:cNvPr id="1" name=""/>
+        <p:cNvGrpSpPr/>
+        <p:nvPr/>
+      </p:nvGrpSpPr>
+      <p:grpSpPr>
+        <a:xfrm>
+          <a:off x="0" y="0"/>
+          <a:ext cx="0" cy="0"/>
+          <a:chOff x="0" y="0"/>
+          <a:chExt cx="0" cy="0"/>
+        </a:xfrm>
+      </p:grpSpPr>
+      <p:sp>
+        <p:nvSpPr>
+          <p:cNvPr id="48130" name="Slide Number Placeholder 5"/>
+          <p:cNvSpPr>
+            <a:spLocks noGrp="1"/>
+          </p:cNvSpPr>
+          <p:nvPr>
+            <p:ph type="sldNum" sz="quarter" idx="12"/>
+          </p:nvPr>
+        </p:nvSpPr>
+        <p:spPr bwMode="auto">
+          <a:noFill/>
+          <a:extLst>
+            <a:ext uri="{909E8E84-426E-40DD-AFC4-6F175D3DCCD1}">
+              <a14:hiddenFill xmlns:a14="http://schemas.microsoft.com/office/drawing/2010/main">
+                <a:solidFill>
+                  <a:srgbClr val="FFFFFF"/>
+                </a:solidFill>
+              </a14:hiddenFill>
+            </a:ext>
+            <a:ext uri="{91240B29-F687-4F45-9708-019B960494DF}">
+              <a14:hiddenLine xmlns:a14="http://schemas.microsoft.com/office/drawing/2010/main" w="9525">
+                <a:solidFill>
+                  <a:srgbClr val="000000"/>
+                </a:solidFill>
+                <a:miter lim="800000"/>
+                <a:headEnd/>
+                <a:tailEnd/>
+              </a14:hiddenLine>
+            </a:ext>
+          </a:extLst>
+        </p:spPr>
+        <p:txBody>
+          <a:bodyPr vert="horz" wrap="square" lIns="91440" tIns="45720" rIns="91440" bIns="45720" numCol="1" anchorCtr="0" compatLnSpc="1">
+            <a:prstTxWarp prst="textNoShape">
+              <a:avLst/>
+            </a:prstTxWarp>
+          </a:bodyPr>
+          <a:lstStyle>
+            <a:lvl1pPr>
+              <a:spcBef>
+                <a:spcPts val="1000"/>
+              </a:spcBef>
+              <a:buClr>
+                <a:schemeClr val="accent1"/>
+              </a:buClr>
+              <a:buSzPct val="80000"/>
+              <a:buFont typeface="Wingdings 3" panose="05040102010807070707" pitchFamily="18" charset="2"/>
+              <a:buChar char=""/>
+              <a:defRPr>
+                <a:solidFill>
+                  <a:srgbClr val="404040"/>
+                </a:solidFill>
+                <a:latin typeface="Century Gothic" panose="020B0502020202020204" pitchFamily="34" charset="0"/>
+              </a:defRPr>
+            </a:lvl1pPr>
+            <a:lvl2pPr marL="742950" indent="-285750">
+              <a:spcBef>
+                <a:spcPts val="1000"/>
+              </a:spcBef>
+              <a:buClr>
+                <a:schemeClr val="accent1"/>
+              </a:buClr>
+              <a:buSzPct val="80000"/>
+              <a:buFont typeface="Wingdings 3" panose="05040102010807070707" pitchFamily="18" charset="2"/>
+              <a:buChar char=""/>
+              <a:defRPr sz="1600">
+                <a:solidFill>
+                  <a:srgbClr val="404040"/>
+                </a:solidFill>
+                <a:latin typeface="Century Gothic" panose="020B0502020202020204" pitchFamily="34" charset="0"/>
+              </a:defRPr>
+            </a:lvl2pPr>
+            <a:lvl3pPr marL="1143000" indent="-228600">
+              <a:spcBef>
+                <a:spcPts val="1000"/>
+              </a:spcBef>
+              <a:buClr>
+                <a:schemeClr val="accent1"/>
+              </a:buClr>
+              <a:buSzPct val="80000"/>
+              <a:buFont typeface="Wingdings 3" panose="05040102010807070707" pitchFamily="18" charset="2"/>
+              <a:buChar char=""/>
+              <a:defRPr sz="1400">
+                <a:solidFill>
+                  <a:srgbClr val="404040"/>
+                </a:solidFill>
+                <a:latin typeface="Century Gothic" panose="020B0502020202020204" pitchFamily="34" charset="0"/>
+              </a:defRPr>
+            </a:lvl3pPr>
+            <a:lvl4pPr marL="1600200" indent="-228600">
+              <a:spcBef>
+                <a:spcPts val="1000"/>
+              </a:spcBef>
+              <a:buClr>
+                <a:schemeClr val="accent1"/>
+              </a:buClr>
+              <a:buSzPct val="80000"/>
+              <a:buFont typeface="Wingdings 3" panose="05040102010807070707" pitchFamily="18" charset="2"/>
+              <a:buChar char=""/>
+              <a:defRPr sz="1200">
+                <a:solidFill>
+                  <a:srgbClr val="404040"/>
+                </a:solidFill>
+                <a:latin typeface="Century Gothic" panose="020B0502020202020204" pitchFamily="34" charset="0"/>
+              </a:defRPr>
+            </a:lvl4pPr>
+            <a:lvl5pPr marL="2057400" indent="-228600">
+              <a:spcBef>
+                <a:spcPts val="1000"/>
+              </a:spcBef>
+              <a:buClr>
+                <a:schemeClr val="accent1"/>
+              </a:buClr>
+              <a:buSzPct val="80000"/>
+              <a:buFont typeface="Wingdings 3" panose="05040102010807070707" pitchFamily="18" charset="2"/>
+              <a:buChar char=""/>
+              <a:defRPr sz="1200">
+                <a:solidFill>
+                  <a:srgbClr val="404040"/>
+                </a:solidFill>
+                <a:latin typeface="Century Gothic" panose="020B0502020202020204" pitchFamily="34" charset="0"/>
+              </a:defRPr>
+            </a:lvl5pPr>
+            <a:lvl6pPr marL="2514600" indent="-228600" defTabSz="457200" eaLnBrk="0" fontAlgn="base" hangingPunct="0">
+              <a:spcBef>
+                <a:spcPts val="1000"/>
+              </a:spcBef>
+              <a:spcAft>
+                <a:spcPct val="0"/>
+              </a:spcAft>
+              <a:buClr>
+                <a:schemeClr val="accent1"/>
+              </a:buClr>
+              <a:buSzPct val="80000"/>
+              <a:buFont typeface="Wingdings 3" panose="05040102010807070707" pitchFamily="18" charset="2"/>
+              <a:buChar char=""/>
+              <a:defRPr sz="1200">
+                <a:solidFill>
+                  <a:srgbClr val="404040"/>
+                </a:solidFill>
+                <a:latin typeface="Century Gothic" panose="020B0502020202020204" pitchFamily="34" charset="0"/>
+              </a:defRPr>
+            </a:lvl6pPr>
+            <a:lvl7pPr marL="2971800" indent="-228600" defTabSz="457200" eaLnBrk="0" fontAlgn="base" hangingPunct="0">
+              <a:spcBef>
+                <a:spcPts val="1000"/>
+              </a:spcBef>
+              <a:spcAft>
+                <a:spcPct val="0"/>
+              </a:spcAft>
+              <a:buClr>
+                <a:schemeClr val="accent1"/>
+              </a:buClr>
+              <a:buSzPct val="80000"/>
+              <a:buFont typeface="Wingdings 3" panose="05040102010807070707" pitchFamily="18" charset="2"/>
+              <a:buChar char=""/>
+              <a:defRPr sz="1200">
+                <a:solidFill>
+                  <a:srgbClr val="404040"/>
+                </a:solidFill>
+                <a:latin typeface="Century Gothic" panose="020B0502020202020204" pitchFamily="34" charset="0"/>
+              </a:defRPr>
+            </a:lvl7pPr>
+            <a:lvl8pPr marL="3429000" indent="-228600" defTabSz="457200" eaLnBrk="0" fontAlgn="base" hangingPunct="0">
+              <a:spcBef>
+                <a:spcPts val="1000"/>
+              </a:spcBef>
+              <a:spcAft>
+                <a:spcPct val="0"/>
+              </a:spcAft>
+              <a:buClr>
+                <a:schemeClr val="accent1"/>
+              </a:buClr>
+              <a:buSzPct val="80000"/>
+              <a:buFont typeface="Wingdings 3" panose="05040102010807070707" pitchFamily="18" charset="2"/>
+              <a:buChar char=""/>
+              <a:defRPr sz="1200">
+                <a:solidFill>
+                  <a:srgbClr val="404040"/>
+                </a:solidFill>
+                <a:latin typeface="Century Gothic" panose="020B0502020202020204" pitchFamily="34" charset="0"/>
+              </a:defRPr>
+            </a:lvl8pPr>
+            <a:lvl9pPr marL="3886200" indent="-228600" defTabSz="457200" eaLnBrk="0" fontAlgn="base" hangingPunct="0">
+              <a:spcBef>
+                <a:spcPts val="1000"/>
+              </a:spcBef>
+              <a:spcAft>
+                <a:spcPct val="0"/>
+              </a:spcAft>
+              <a:buClr>
+                <a:schemeClr val="accent1"/>
+              </a:buClr>
+              <a:buSzPct val="80000"/>
+              <a:buFont typeface="Wingdings 3" panose="05040102010807070707" pitchFamily="18" charset="2"/>
+              <a:buChar char=""/>
+              <a:defRPr sz="1200">
+                <a:solidFill>
+                  <a:srgbClr val="404040"/>
+                </a:solidFill>
+                <a:latin typeface="Century Gothic" panose="020B0502020202020204" pitchFamily="34" charset="0"/>
+              </a:defRPr>
+            </a:lvl9pPr>
+          </a:lstStyle>
+          <a:p>
+            <a:pPr algn="l" fontAlgn="base">
+              <a:spcBef>
+                <a:spcPct val="0"/>
+              </a:spcBef>
+              <a:spcAft>
+                <a:spcPct val="0"/>
+              </a:spcAft>
+              <a:buClrTx/>
+              <a:buSzTx/>
+              <a:buFontTx/>
+              <a:buNone/>
+            </a:pPr>
+            <a:fld id="{7F55B6FE-4644-40A4-A3ED-96877375A883}" type="slidenum">
+              <a:rPr lang="en-NZ" altLang="en-US" sz="1400" smtClean="0">
+                <a:solidFill>
+                  <a:schemeClr val="tx2"/>
+                </a:solidFill>
+                <a:latin typeface="Tahoma" panose="020B0604030504040204" pitchFamily="34" charset="0"/>
+              </a:rPr>
+              <a:pPr algn="l" fontAlgn="base">
+                <a:spcBef>
+                  <a:spcPct val="0"/>
+                </a:spcBef>
+                <a:spcAft>
+                  <a:spcPct val="0"/>
+                </a:spcAft>
+                <a:buClrTx/>
+                <a:buSzTx/>
+                <a:buFontTx/>
+                <a:buNone/>
+              </a:pPr>
+              <a:t>30</a:t>
+            </a:fld>
+            <a:endParaRPr lang="en-NZ" altLang="en-US" sz="1400">
+              <a:solidFill>
+                <a:schemeClr val="tx2"/>
+              </a:solidFill>
+              <a:latin typeface="Tahoma" panose="020B0604030504040204" pitchFamily="34" charset="0"/>
+            </a:endParaRPr>
+          </a:p>
+        </p:txBody>
+      </p:sp>
+      <p:sp>
+        <p:nvSpPr>
+          <p:cNvPr id="48131" name="Title 1"/>
+          <p:cNvSpPr txBox="1">
+            <a:spLocks/>
+          </p:cNvSpPr>
+          <p:nvPr/>
+        </p:nvSpPr>
+        <p:spPr bwMode="gray">
+          <a:xfrm>
+            <a:off x="827088" y="698500"/>
+            <a:ext cx="8058150" cy="990600"/>
+          </a:xfrm>
+          <a:prstGeom prst="rect">
+            <a:avLst/>
+          </a:prstGeom>
+          <a:noFill/>
+          <a:ln>
+            <a:noFill/>
+          </a:ln>
+          <a:extLst>
+            <a:ext uri="{909E8E84-426E-40DD-AFC4-6F175D3DCCD1}">
+              <a14:hiddenFill xmlns:a14="http://schemas.microsoft.com/office/drawing/2010/main">
+                <a:solidFill>
+                  <a:srgbClr val="FFFFFF"/>
+                </a:solidFill>
+              </a14:hiddenFill>
+            </a:ext>
+            <a:ext uri="{91240B29-F687-4F45-9708-019B960494DF}">
+              <a14:hiddenLine xmlns:a14="http://schemas.microsoft.com/office/drawing/2010/main" w="9525">
+                <a:solidFill>
+                  <a:srgbClr val="000000"/>
+                </a:solidFill>
+                <a:miter lim="800000"/>
+                <a:headEnd/>
+                <a:tailEnd/>
+              </a14:hiddenLine>
+            </a:ext>
+          </a:extLst>
+        </p:spPr>
+        <p:txBody>
+          <a:bodyPr anchor="ctr"/>
+          <a:lstStyle>
+            <a:lvl1pPr>
+              <a:spcBef>
+                <a:spcPts val="1000"/>
+              </a:spcBef>
+              <a:buClr>
+                <a:schemeClr val="accent1"/>
+              </a:buClr>
+              <a:buSzPct val="80000"/>
+              <a:buFont typeface="Wingdings 3" panose="05040102010807070707" pitchFamily="18" charset="2"/>
+              <a:buChar char=""/>
+              <a:defRPr>
+                <a:solidFill>
+                  <a:srgbClr val="404040"/>
+                </a:solidFill>
+                <a:latin typeface="Century Gothic" panose="020B0502020202020204" pitchFamily="34" charset="0"/>
+              </a:defRPr>
+            </a:lvl1pPr>
+            <a:lvl2pPr marL="685800" indent="-282575">
+              <a:spcBef>
+                <a:spcPts val="1000"/>
+              </a:spcBef>
+              <a:buClr>
+                <a:schemeClr val="accent1"/>
+              </a:buClr>
+              <a:buSzPct val="80000"/>
+              <a:buFont typeface="Wingdings 3" panose="05040102010807070707" pitchFamily="18" charset="2"/>
+              <a:buChar char=""/>
+              <a:defRPr sz="1600">
+                <a:solidFill>
+                  <a:srgbClr val="404040"/>
+                </a:solidFill>
+                <a:latin typeface="Century Gothic" panose="020B0502020202020204" pitchFamily="34" charset="0"/>
+              </a:defRPr>
+            </a:lvl2pPr>
+            <a:lvl3pPr marL="958850" indent="-228600">
+              <a:spcBef>
+                <a:spcPts val="1000"/>
+              </a:spcBef>
+              <a:buClr>
+                <a:schemeClr val="accent1"/>
+              </a:buClr>
+              <a:buSzPct val="80000"/>
+              <a:buFont typeface="Wingdings 3" panose="05040102010807070707" pitchFamily="18" charset="2"/>
+              <a:buChar char=""/>
+              <a:defRPr sz="1400">
+                <a:solidFill>
+                  <a:srgbClr val="404040"/>
+                </a:solidFill>
+                <a:latin typeface="Century Gothic" panose="020B0502020202020204" pitchFamily="34" charset="0"/>
+              </a:defRPr>
+            </a:lvl3pPr>
+            <a:lvl4pPr marL="1233488" indent="-228600">
+              <a:spcBef>
+                <a:spcPts val="1000"/>
+              </a:spcBef>
+              <a:buClr>
+                <a:schemeClr val="accent1"/>
+              </a:buClr>
+              <a:buSzPct val="80000"/>
+              <a:buFont typeface="Wingdings 3" panose="05040102010807070707" pitchFamily="18" charset="2"/>
+              <a:buChar char=""/>
+              <a:defRPr sz="1200">
+                <a:solidFill>
+                  <a:srgbClr val="404040"/>
+                </a:solidFill>
+                <a:latin typeface="Century Gothic" panose="020B0502020202020204" pitchFamily="34" charset="0"/>
+              </a:defRPr>
+            </a:lvl4pPr>
+            <a:lvl5pPr marL="1508125" indent="-228600">
+              <a:spcBef>
+                <a:spcPts val="1000"/>
+              </a:spcBef>
+              <a:buClr>
+                <a:schemeClr val="accent1"/>
+              </a:buClr>
+              <a:buSzPct val="80000"/>
+              <a:buFont typeface="Wingdings 3" panose="05040102010807070707" pitchFamily="18" charset="2"/>
+              <a:buChar char=""/>
+              <a:defRPr sz="1200">
+                <a:solidFill>
+                  <a:srgbClr val="404040"/>
+                </a:solidFill>
+                <a:latin typeface="Century Gothic" panose="020B0502020202020204" pitchFamily="34" charset="0"/>
+              </a:defRPr>
+            </a:lvl5pPr>
+            <a:lvl6pPr marL="1965325" indent="-228600" defTabSz="457200" eaLnBrk="0" fontAlgn="base" hangingPunct="0">
+              <a:spcBef>
+                <a:spcPts val="1000"/>
+              </a:spcBef>
+              <a:spcAft>
+                <a:spcPct val="0"/>
+              </a:spcAft>
+              <a:buClr>
+                <a:schemeClr val="accent1"/>
+              </a:buClr>
+              <a:buSzPct val="80000"/>
+              <a:buFont typeface="Wingdings 3" panose="05040102010807070707" pitchFamily="18" charset="2"/>
+              <a:buChar char=""/>
+              <a:defRPr sz="1200">
+                <a:solidFill>
+                  <a:srgbClr val="404040"/>
+                </a:solidFill>
+                <a:latin typeface="Century Gothic" panose="020B0502020202020204" pitchFamily="34" charset="0"/>
+              </a:defRPr>
+            </a:lvl6pPr>
+            <a:lvl7pPr marL="2422525" indent="-228600" defTabSz="457200" eaLnBrk="0" fontAlgn="base" hangingPunct="0">
+              <a:spcBef>
+                <a:spcPts val="1000"/>
+              </a:spcBef>
+              <a:spcAft>
+                <a:spcPct val="0"/>
+              </a:spcAft>
+              <a:buClr>
+                <a:schemeClr val="accent1"/>
+              </a:buClr>
+              <a:buSzPct val="80000"/>
+              <a:buFont typeface="Wingdings 3" panose="05040102010807070707" pitchFamily="18" charset="2"/>
+              <a:buChar char=""/>
+              <a:defRPr sz="1200">
+                <a:solidFill>
+                  <a:srgbClr val="404040"/>
+                </a:solidFill>
+                <a:latin typeface="Century Gothic" panose="020B0502020202020204" pitchFamily="34" charset="0"/>
+              </a:defRPr>
+            </a:lvl7pPr>
+            <a:lvl8pPr marL="2879725" indent="-228600" defTabSz="457200" eaLnBrk="0" fontAlgn="base" hangingPunct="0">
+              <a:spcBef>
+                <a:spcPts val="1000"/>
+              </a:spcBef>
+              <a:spcAft>
+                <a:spcPct val="0"/>
+              </a:spcAft>
+              <a:buClr>
+                <a:schemeClr val="accent1"/>
+              </a:buClr>
+              <a:buSzPct val="80000"/>
+              <a:buFont typeface="Wingdings 3" panose="05040102010807070707" pitchFamily="18" charset="2"/>
+              <a:buChar char=""/>
+              <a:defRPr sz="1200">
+                <a:solidFill>
+                  <a:srgbClr val="404040"/>
+                </a:solidFill>
+                <a:latin typeface="Century Gothic" panose="020B0502020202020204" pitchFamily="34" charset="0"/>
+              </a:defRPr>
+            </a:lvl8pPr>
+            <a:lvl9pPr marL="3336925" indent="-228600" defTabSz="457200" eaLnBrk="0" fontAlgn="base" hangingPunct="0">
+              <a:spcBef>
+                <a:spcPts val="1000"/>
+              </a:spcBef>
+              <a:spcAft>
+                <a:spcPct val="0"/>
+              </a:spcAft>
+              <a:buClr>
+                <a:schemeClr val="accent1"/>
+              </a:buClr>
+              <a:buSzPct val="80000"/>
+              <a:buFont typeface="Wingdings 3" panose="05040102010807070707" pitchFamily="18" charset="2"/>
+              <a:buChar char=""/>
+              <a:defRPr sz="1200">
+                <a:solidFill>
+                  <a:srgbClr val="404040"/>
+                </a:solidFill>
+                <a:latin typeface="Century Gothic" panose="020B0502020202020204" pitchFamily="34" charset="0"/>
+              </a:defRPr>
+            </a:lvl9pPr>
+          </a:lstStyle>
+          <a:p>
+            <a:pPr eaLnBrk="1" hangingPunct="1">
+              <a:spcBef>
+                <a:spcPct val="0"/>
+              </a:spcBef>
+              <a:buClrTx/>
+              <a:buSzTx/>
+              <a:buFontTx/>
+              <a:buNone/>
+            </a:pPr>
+            <a:r>
+              <a:rPr lang="ru-RU" altLang="en-US" sz="3200">
+                <a:solidFill>
+                  <a:schemeClr val="bg1"/>
+                </a:solidFill>
+              </a:rPr>
+              <a:t>Вопросы?</a:t>
+            </a:r>
+            <a:endParaRPr lang="en-NZ" altLang="en-US" sz="3200">
+              <a:solidFill>
+                <a:schemeClr val="bg1"/>
+              </a:solidFill>
+            </a:endParaRPr>
+          </a:p>
+        </p:txBody>
+      </p:sp>
+      <p:pic>
+        <p:nvPicPr>
+          <p:cNvPr id="48132" name="Picture 2" descr="Image result for questions"/>
+          <p:cNvPicPr>
+            <a:picLocks noChangeAspect="1" noChangeArrowheads="1"/>
+          </p:cNvPicPr>
+          <p:nvPr/>
+        </p:nvPicPr>
+        <p:blipFill>
+          <a:blip r:embed="rId2">
+            <a:extLst>
+              <a:ext uri="{28A0092B-C50C-407E-A947-70E740481C1C}">
+                <a14:useLocalDpi xmlns:a14="http://schemas.microsoft.com/office/drawing/2010/main" val="0"/>
+              </a:ext>
+            </a:extLst>
+          </a:blip>
+          <a:srcRect/>
+          <a:stretch>
+            <a:fillRect/>
+          </a:stretch>
+        </p:blipFill>
+        <p:spPr bwMode="auto">
+          <a:xfrm>
+            <a:off x="839788" y="2420938"/>
+            <a:ext cx="7156450" cy="4021137"/>
+          </a:xfrm>
+          <a:prstGeom prst="rect">
+            <a:avLst/>
+          </a:prstGeom>
+          <a:noFill/>
+          <a:ln>
+            <a:noFill/>
+          </a:ln>
+          <a:extLst>
+            <a:ext uri="{909E8E84-426E-40DD-AFC4-6F175D3DCCD1}">
+              <a14:hiddenFill xmlns:a14="http://schemas.microsoft.com/office/drawing/2010/main">
+                <a:solidFill>
+                  <a:srgbClr val="FFFFFF"/>
+                </a:solidFill>
+              </a14:hiddenFill>
+            </a:ext>
+            <a:ext uri="{91240B29-F687-4F45-9708-019B960494DF}">
+              <a14:hiddenLine xmlns:a14="http://schemas.microsoft.com/office/drawing/2010/main" w="9525">
+                <a:solidFill>
+                  <a:srgbClr val="000000"/>
+                </a:solidFill>
+                <a:miter lim="800000"/>
+                <a:headEnd/>
+                <a:tailEnd/>
+              </a14:hiddenLine>
+            </a:ext>
+          </a:extLst>
+        </p:spPr>
+      </p:pic>
+    </p:spTree>
+    <p:extLst>
+      <p:ext uri="{BB962C8B-B14F-4D97-AF65-F5344CB8AC3E}">
+        <p14:creationId xmlns:p14="http://schemas.microsoft.com/office/powerpoint/2010/main" val="401534850"/>
+      </p:ext>
+    </p:extLst>
   </p:cSld>
   <p:clrMapOvr>
     <a:masterClrMapping/>
@@ -20422,17 +22405,10 @@
           <a:lstStyle/>
           <a:p>
             <a:r>
-              <a:rPr lang="en-NZ" altLang="en-US" dirty="0"/>
-              <a:t>MSSQL </a:t>
-            </a:r>
-            <a:r>
-              <a:rPr lang="ru-RU" altLang="en-US" dirty="0"/>
-              <a:t>и</a:t>
-            </a:r>
-            <a:r>
-              <a:rPr lang="en-NZ" altLang="en-US" dirty="0"/>
-              <a:t> .NET</a:t>
-            </a:r>
+              <a:rPr lang="en-US" altLang="en-US" dirty="0"/>
+              <a:t>ORM</a:t>
+            </a:r>
+            <a:endParaRPr lang="en-NZ" altLang="en-US" dirty="0"/>
           </a:p>
         </p:txBody>
       </p:sp>
@@ -20448,8 +22424,8 @@
         </p:nvSpPr>
         <p:spPr>
           <a:xfrm>
-            <a:off x="864382" y="2489200"/>
-            <a:ext cx="7605542" cy="3530600"/>
+            <a:off x="864382" y="2780928"/>
+            <a:ext cx="7605542" cy="3456384"/>
           </a:xfrm>
         </p:spPr>
         <p:txBody>
@@ -20459,49 +22435,21 @@
           <a:lstStyle/>
           <a:p>
             <a:r>
-              <a:rPr lang="en-NZ" altLang="en-US" dirty="0"/>
-              <a:t>.NET </a:t>
-            </a:r>
-            <a:r>
-              <a:rPr lang="ru-RU" altLang="en-US" dirty="0"/>
-              <a:t>принадлежит </a:t>
-            </a:r>
-            <a:r>
-              <a:rPr lang="en-NZ" altLang="en-US" dirty="0"/>
-              <a:t>Microsoft, </a:t>
-            </a:r>
-            <a:r>
-              <a:rPr lang="ru-RU" altLang="en-US" dirty="0"/>
-              <a:t>так что они будут советовать вам использовать</a:t>
-            </a:r>
-            <a:r>
-              <a:rPr lang="en-NZ" altLang="en-US" dirty="0"/>
-              <a:t> Microsoft SQL Server (</a:t>
-            </a:r>
-            <a:r>
-              <a:rPr lang="ru-RU" altLang="en-US" dirty="0"/>
-              <a:t>Экспресс версия бесплатна</a:t>
-            </a:r>
-            <a:r>
-              <a:rPr lang="en-NZ" altLang="en-US" dirty="0"/>
-              <a:t>)</a:t>
-            </a:r>
-            <a:r>
-              <a:rPr lang="ru-RU" altLang="en-US" dirty="0"/>
-              <a:t>, а не сторонние инструменты такие как бесплатный</a:t>
-            </a:r>
-            <a:r>
-              <a:rPr lang="en-NZ" altLang="en-US" dirty="0"/>
-              <a:t> MySQL</a:t>
-            </a:r>
-            <a:endParaRPr lang="ru-RU" altLang="en-US" dirty="0"/>
-          </a:p>
-          <a:p>
-            <a:r>
-              <a:rPr lang="ru-RU" altLang="en-US" dirty="0"/>
-              <a:t>Настройка СУБД подразумевает под собой поднятие СУБД сервиса, настройка параметров доступа (логин-пароль), настройки прав конкретных пользователей, настройка ведения статистики и так далее.</a:t>
-            </a:r>
-            <a:endParaRPr lang="en-NZ" altLang="en-US" sz="2800" dirty="0"/>
+              <a:rPr lang="ru-RU" altLang="en-US" sz="2400" b="1" dirty="0"/>
+              <a:t>ORM </a:t>
+            </a:r>
+            <a:r>
+              <a:rPr lang="ru-RU" altLang="en-US" sz="2400" dirty="0"/>
+              <a:t>— технология программирования, которая связывает базы данных с концепциями объектно-ориентированных языков программирования, создавая «виртуальную объектную базу данных».</a:t>
+            </a:r>
+          </a:p>
+          <a:p>
+            <a:pPr lvl="1"/>
+            <a:r>
+              <a:rPr lang="ru-RU" altLang="en-US" sz="2200" dirty="0"/>
+              <a:t> Существуют как проприетарные, так и свободные реализации этой технологии.</a:t>
+            </a:r>
+            <a:endParaRPr lang="en-NZ" altLang="en-US" sz="2200" dirty="0"/>
           </a:p>
         </p:txBody>
       </p:sp>
@@ -20746,6 +22694,373 @@
     </p:spTree>
     <p:extLst>
       <p:ext uri="{BB962C8B-B14F-4D97-AF65-F5344CB8AC3E}">
+        <p14:creationId xmlns:p14="http://schemas.microsoft.com/office/powerpoint/2010/main" val="2075738537"/>
+      </p:ext>
+    </p:extLst>
+  </p:cSld>
+  <p:clrMapOvr>
+    <a:masterClrMapping/>
+  </p:clrMapOvr>
+</p:sld>
+</file>
+
+<file path=ppt/slides/slide5.xml><?xml version="1.0" encoding="utf-8"?>
+<p:sld xmlns:a="http://schemas.openxmlformats.org/drawingml/2006/main" xmlns:r="http://schemas.openxmlformats.org/officeDocument/2006/relationships" xmlns:p="http://schemas.openxmlformats.org/presentationml/2006/main">
+  <p:cSld>
+    <p:spTree>
+      <p:nvGrpSpPr>
+        <p:cNvPr id="1" name=""/>
+        <p:cNvGrpSpPr/>
+        <p:nvPr/>
+      </p:nvGrpSpPr>
+      <p:grpSpPr>
+        <a:xfrm>
+          <a:off x="0" y="0"/>
+          <a:ext cx="0" cy="0"/>
+          <a:chOff x="0" y="0"/>
+          <a:chExt cx="0" cy="0"/>
+        </a:xfrm>
+      </p:grpSpPr>
+      <p:sp>
+        <p:nvSpPr>
+          <p:cNvPr id="15362" name="Title 1"/>
+          <p:cNvSpPr>
+            <a:spLocks noGrp="1"/>
+          </p:cNvSpPr>
+          <p:nvPr>
+            <p:ph type="title"/>
+          </p:nvPr>
+        </p:nvSpPr>
+        <p:spPr/>
+        <p:txBody>
+          <a:bodyPr/>
+          <a:lstStyle/>
+          <a:p>
+            <a:r>
+              <a:rPr lang="en-NZ" altLang="en-US" dirty="0"/>
+              <a:t>MSSQL </a:t>
+            </a:r>
+            <a:r>
+              <a:rPr lang="ru-RU" altLang="en-US" dirty="0"/>
+              <a:t>и</a:t>
+            </a:r>
+            <a:r>
+              <a:rPr lang="en-NZ" altLang="en-US" dirty="0"/>
+              <a:t> .NET</a:t>
+            </a:r>
+          </a:p>
+        </p:txBody>
+      </p:sp>
+      <p:sp>
+        <p:nvSpPr>
+          <p:cNvPr id="15363" name="Content Placeholder 2"/>
+          <p:cNvSpPr>
+            <a:spLocks noGrp="1"/>
+          </p:cNvSpPr>
+          <p:nvPr>
+            <p:ph idx="1"/>
+          </p:nvPr>
+        </p:nvSpPr>
+        <p:spPr>
+          <a:xfrm>
+            <a:off x="864382" y="2489200"/>
+            <a:ext cx="7605542" cy="3820120"/>
+          </a:xfrm>
+        </p:spPr>
+        <p:txBody>
+          <a:bodyPr>
+            <a:noAutofit/>
+          </a:bodyPr>
+          <a:lstStyle/>
+          <a:p>
+            <a:r>
+              <a:rPr lang="en-NZ" altLang="en-US" sz="2000" dirty="0"/>
+              <a:t>.NET </a:t>
+            </a:r>
+            <a:r>
+              <a:rPr lang="ru-RU" altLang="en-US" sz="2000" dirty="0"/>
+              <a:t>принадлежит </a:t>
+            </a:r>
+            <a:r>
+              <a:rPr lang="en-NZ" altLang="en-US" sz="2000" dirty="0"/>
+              <a:t>Microsoft, </a:t>
+            </a:r>
+            <a:r>
+              <a:rPr lang="ru-RU" altLang="en-US" sz="2000" dirty="0"/>
+              <a:t>так что они будут советовать вам использовать</a:t>
+            </a:r>
+            <a:r>
+              <a:rPr lang="en-NZ" altLang="en-US" sz="2000" dirty="0"/>
+              <a:t> Microsoft SQL Server (</a:t>
+            </a:r>
+            <a:r>
+              <a:rPr lang="ru-RU" altLang="en-US" sz="2000" dirty="0"/>
+              <a:t>Экспресс версия бесплатна</a:t>
+            </a:r>
+            <a:r>
+              <a:rPr lang="en-NZ" altLang="en-US" sz="2000" dirty="0"/>
+              <a:t>)</a:t>
+            </a:r>
+            <a:r>
+              <a:rPr lang="ru-RU" altLang="en-US" sz="2000" dirty="0"/>
+              <a:t>, а не сторонние инструменты такие как бесплатный</a:t>
+            </a:r>
+            <a:r>
+              <a:rPr lang="en-NZ" altLang="en-US" sz="2000" dirty="0"/>
+              <a:t> MySQL</a:t>
+            </a:r>
+            <a:endParaRPr lang="ru-RU" altLang="en-US" sz="2000" dirty="0"/>
+          </a:p>
+          <a:p>
+            <a:r>
+              <a:rPr lang="ru-RU" altLang="en-US" sz="2000" dirty="0"/>
+              <a:t>Настройка СУБД подразумевает под собой поднятие СУБД сервиса, настройка параметров доступа (логин-пароль), настройки прав конкретных пользователей, настройка ведения статистики и так далее.</a:t>
+            </a:r>
+            <a:endParaRPr lang="en-NZ" altLang="en-US" sz="2000" dirty="0"/>
+          </a:p>
+        </p:txBody>
+      </p:sp>
+      <p:sp>
+        <p:nvSpPr>
+          <p:cNvPr id="15365" name="Slide Number Placeholder 5"/>
+          <p:cNvSpPr>
+            <a:spLocks noGrp="1"/>
+          </p:cNvSpPr>
+          <p:nvPr>
+            <p:ph type="sldNum" sz="quarter" idx="12"/>
+          </p:nvPr>
+        </p:nvSpPr>
+        <p:spPr bwMode="auto">
+          <a:noFill/>
+          <a:extLst>
+            <a:ext uri="{909E8E84-426E-40DD-AFC4-6F175D3DCCD1}">
+              <a14:hiddenFill xmlns:a14="http://schemas.microsoft.com/office/drawing/2010/main">
+                <a:solidFill>
+                  <a:srgbClr val="FFFFFF"/>
+                </a:solidFill>
+              </a14:hiddenFill>
+            </a:ext>
+            <a:ext uri="{91240B29-F687-4F45-9708-019B960494DF}">
+              <a14:hiddenLine xmlns:a14="http://schemas.microsoft.com/office/drawing/2010/main" w="9525">
+                <a:solidFill>
+                  <a:srgbClr val="000000"/>
+                </a:solidFill>
+                <a:miter lim="800000"/>
+                <a:headEnd/>
+                <a:tailEnd/>
+              </a14:hiddenLine>
+            </a:ext>
+          </a:extLst>
+        </p:spPr>
+        <p:txBody>
+          <a:bodyPr/>
+          <a:lstStyle>
+            <a:lvl1pPr algn="l" eaLnBrk="0" hangingPunct="0">
+              <a:spcBef>
+                <a:spcPts val="600"/>
+              </a:spcBef>
+              <a:buClr>
+                <a:schemeClr val="accent1"/>
+              </a:buClr>
+              <a:buSzPct val="76000"/>
+              <a:buFont typeface="Wingdings 3" pitchFamily="18" charset="2"/>
+              <a:buChar char=""/>
+              <a:defRPr sz="2600">
+                <a:solidFill>
+                  <a:schemeClr val="tx1"/>
+                </a:solidFill>
+                <a:latin typeface="Gill Sans MT" pitchFamily="34" charset="0"/>
+              </a:defRPr>
+            </a:lvl1pPr>
+            <a:lvl2pPr marL="742950" indent="-285750" algn="l" eaLnBrk="0" hangingPunct="0">
+              <a:spcBef>
+                <a:spcPts val="500"/>
+              </a:spcBef>
+              <a:buClr>
+                <a:schemeClr val="accent2"/>
+              </a:buClr>
+              <a:buSzPct val="76000"/>
+              <a:buFont typeface="Wingdings 3" pitchFamily="18" charset="2"/>
+              <a:buChar char=""/>
+              <a:defRPr sz="2300">
+                <a:solidFill>
+                  <a:schemeClr val="tx2"/>
+                </a:solidFill>
+                <a:latin typeface="Gill Sans MT" pitchFamily="34" charset="0"/>
+              </a:defRPr>
+            </a:lvl2pPr>
+            <a:lvl3pPr marL="1143000" indent="-228600" algn="l" eaLnBrk="0" hangingPunct="0">
+              <a:spcBef>
+                <a:spcPts val="500"/>
+              </a:spcBef>
+              <a:buClr>
+                <a:srgbClr val="BCBCBC"/>
+              </a:buClr>
+              <a:buSzPct val="76000"/>
+              <a:buFont typeface="Wingdings 3" pitchFamily="18" charset="2"/>
+              <a:buChar char=""/>
+              <a:defRPr sz="2000">
+                <a:solidFill>
+                  <a:schemeClr val="tx1"/>
+                </a:solidFill>
+                <a:latin typeface="Gill Sans MT" pitchFamily="34" charset="0"/>
+              </a:defRPr>
+            </a:lvl3pPr>
+            <a:lvl4pPr marL="1600200" indent="-228600" algn="l" eaLnBrk="0" hangingPunct="0">
+              <a:spcBef>
+                <a:spcPts val="400"/>
+              </a:spcBef>
+              <a:buClr>
+                <a:srgbClr val="8BA2B4"/>
+              </a:buClr>
+              <a:buSzPct val="70000"/>
+              <a:buFont typeface="Wingdings" pitchFamily="2" charset="2"/>
+              <a:buChar char=""/>
+              <a:defRPr>
+                <a:solidFill>
+                  <a:schemeClr val="tx1"/>
+                </a:solidFill>
+                <a:latin typeface="Gill Sans MT" pitchFamily="34" charset="0"/>
+              </a:defRPr>
+            </a:lvl4pPr>
+            <a:lvl5pPr marL="2057400" indent="-228600" algn="l" eaLnBrk="0" hangingPunct="0">
+              <a:spcBef>
+                <a:spcPts val="300"/>
+              </a:spcBef>
+              <a:buClr>
+                <a:schemeClr val="accent2"/>
+              </a:buClr>
+              <a:buSzPct val="70000"/>
+              <a:buFont typeface="Wingdings" pitchFamily="2" charset="2"/>
+              <a:buChar char=""/>
+              <a:defRPr sz="1600">
+                <a:solidFill>
+                  <a:schemeClr val="tx1"/>
+                </a:solidFill>
+                <a:latin typeface="Gill Sans MT" pitchFamily="34" charset="0"/>
+              </a:defRPr>
+            </a:lvl5pPr>
+            <a:lvl6pPr marL="2514600" indent="-228600" eaLnBrk="0" fontAlgn="base" hangingPunct="0">
+              <a:spcBef>
+                <a:spcPts val="300"/>
+              </a:spcBef>
+              <a:spcAft>
+                <a:spcPct val="0"/>
+              </a:spcAft>
+              <a:buClr>
+                <a:schemeClr val="accent2"/>
+              </a:buClr>
+              <a:buSzPct val="70000"/>
+              <a:buFont typeface="Wingdings" pitchFamily="2" charset="2"/>
+              <a:buChar char=""/>
+              <a:defRPr sz="1600">
+                <a:solidFill>
+                  <a:schemeClr val="tx1"/>
+                </a:solidFill>
+                <a:latin typeface="Gill Sans MT" pitchFamily="34" charset="0"/>
+              </a:defRPr>
+            </a:lvl6pPr>
+            <a:lvl7pPr marL="2971800" indent="-228600" eaLnBrk="0" fontAlgn="base" hangingPunct="0">
+              <a:spcBef>
+                <a:spcPts val="300"/>
+              </a:spcBef>
+              <a:spcAft>
+                <a:spcPct val="0"/>
+              </a:spcAft>
+              <a:buClr>
+                <a:schemeClr val="accent2"/>
+              </a:buClr>
+              <a:buSzPct val="70000"/>
+              <a:buFont typeface="Wingdings" pitchFamily="2" charset="2"/>
+              <a:buChar char=""/>
+              <a:defRPr sz="1600">
+                <a:solidFill>
+                  <a:schemeClr val="tx1"/>
+                </a:solidFill>
+                <a:latin typeface="Gill Sans MT" pitchFamily="34" charset="0"/>
+              </a:defRPr>
+            </a:lvl7pPr>
+            <a:lvl8pPr marL="3429000" indent="-228600" eaLnBrk="0" fontAlgn="base" hangingPunct="0">
+              <a:spcBef>
+                <a:spcPts val="300"/>
+              </a:spcBef>
+              <a:spcAft>
+                <a:spcPct val="0"/>
+              </a:spcAft>
+              <a:buClr>
+                <a:schemeClr val="accent2"/>
+              </a:buClr>
+              <a:buSzPct val="70000"/>
+              <a:buFont typeface="Wingdings" pitchFamily="2" charset="2"/>
+              <a:buChar char=""/>
+              <a:defRPr sz="1600">
+                <a:solidFill>
+                  <a:schemeClr val="tx1"/>
+                </a:solidFill>
+                <a:latin typeface="Gill Sans MT" pitchFamily="34" charset="0"/>
+              </a:defRPr>
+            </a:lvl8pPr>
+            <a:lvl9pPr marL="3886200" indent="-228600" eaLnBrk="0" fontAlgn="base" hangingPunct="0">
+              <a:spcBef>
+                <a:spcPts val="300"/>
+              </a:spcBef>
+              <a:spcAft>
+                <a:spcPct val="0"/>
+              </a:spcAft>
+              <a:buClr>
+                <a:schemeClr val="accent2"/>
+              </a:buClr>
+              <a:buSzPct val="70000"/>
+              <a:buFont typeface="Wingdings" pitchFamily="2" charset="2"/>
+              <a:buChar char=""/>
+              <a:defRPr sz="1600">
+                <a:solidFill>
+                  <a:schemeClr val="tx1"/>
+                </a:solidFill>
+                <a:latin typeface="Gill Sans MT" pitchFamily="34" charset="0"/>
+              </a:defRPr>
+            </a:lvl9pPr>
+          </a:lstStyle>
+          <a:p>
+            <a:pPr eaLnBrk="1" hangingPunct="1">
+              <a:spcBef>
+                <a:spcPct val="0"/>
+              </a:spcBef>
+              <a:buClrTx/>
+              <a:buSzTx/>
+              <a:buFontTx/>
+              <a:buNone/>
+            </a:pPr>
+            <a:fld id="{5120E5AB-B54E-4A5F-B363-316AF3B338F5}" type="slidenum">
+              <a:rPr lang="en-NZ" altLang="en-US" sz="1400" smtClean="0">
+                <a:solidFill>
+                  <a:schemeClr val="tx2"/>
+                </a:solidFill>
+                <a:latin typeface="Tahoma" pitchFamily="34" charset="0"/>
+              </a:rPr>
+              <a:pPr eaLnBrk="1" hangingPunct="1">
+                <a:spcBef>
+                  <a:spcPct val="0"/>
+                </a:spcBef>
+                <a:buClrTx/>
+                <a:buSzTx/>
+                <a:buFontTx/>
+                <a:buNone/>
+              </a:pPr>
+              <a:t>5</a:t>
+            </a:fld>
+            <a:endParaRPr lang="en-NZ" altLang="en-US" sz="1400">
+              <a:solidFill>
+                <a:schemeClr val="tx2"/>
+              </a:solidFill>
+              <a:latin typeface="Tahoma" pitchFamily="34" charset="0"/>
+            </a:endParaRPr>
+          </a:p>
+        </p:txBody>
+      </p:sp>
+    </p:spTree>
+    <p:extLst>
+      <p:ext uri="{BB962C8B-B14F-4D97-AF65-F5344CB8AC3E}">
         <p14:creationId xmlns:p14="http://schemas.microsoft.com/office/powerpoint/2010/main" val="3925972150"/>
       </p:ext>
     </p:extLst>
@@ -20756,7 +23071,396 @@
 </p:sld>
 </file>
 
-<file path=ppt/slides/slide5.xml><?xml version="1.0" encoding="utf-8"?>
+<file path=ppt/slides/slide6.xml><?xml version="1.0" encoding="utf-8"?>
+<p:sld xmlns:a="http://schemas.openxmlformats.org/drawingml/2006/main" xmlns:r="http://schemas.openxmlformats.org/officeDocument/2006/relationships" xmlns:p="http://schemas.openxmlformats.org/presentationml/2006/main">
+  <p:cSld>
+    <p:spTree>
+      <p:nvGrpSpPr>
+        <p:cNvPr id="1" name=""/>
+        <p:cNvGrpSpPr/>
+        <p:nvPr/>
+      </p:nvGrpSpPr>
+      <p:grpSpPr>
+        <a:xfrm>
+          <a:off x="0" y="0"/>
+          <a:ext cx="0" cy="0"/>
+          <a:chOff x="0" y="0"/>
+          <a:chExt cx="0" cy="0"/>
+        </a:xfrm>
+      </p:grpSpPr>
+      <p:sp>
+        <p:nvSpPr>
+          <p:cNvPr id="15362" name="Title 1"/>
+          <p:cNvSpPr>
+            <a:spLocks noGrp="1"/>
+          </p:cNvSpPr>
+          <p:nvPr>
+            <p:ph type="title"/>
+          </p:nvPr>
+        </p:nvSpPr>
+        <p:spPr/>
+        <p:txBody>
+          <a:bodyPr/>
+          <a:lstStyle/>
+          <a:p>
+            <a:r>
+              <a:rPr lang="en-NZ" altLang="en-US" dirty="0"/>
+              <a:t>MSSQL</a:t>
+            </a:r>
+          </a:p>
+        </p:txBody>
+      </p:sp>
+      <p:sp>
+        <p:nvSpPr>
+          <p:cNvPr id="15363" name="Content Placeholder 2"/>
+          <p:cNvSpPr>
+            <a:spLocks noGrp="1"/>
+          </p:cNvSpPr>
+          <p:nvPr>
+            <p:ph idx="1"/>
+          </p:nvPr>
+        </p:nvSpPr>
+        <p:spPr>
+          <a:xfrm>
+            <a:off x="539552" y="2489200"/>
+            <a:ext cx="7930372" cy="4180160"/>
+          </a:xfrm>
+        </p:spPr>
+        <p:txBody>
+          <a:bodyPr>
+            <a:normAutofit/>
+          </a:bodyPr>
+          <a:lstStyle/>
+          <a:p>
+            <a:r>
+              <a:rPr lang="ru-RU" altLang="en-US" sz="2000" dirty="0" err="1"/>
+              <a:t>Microsoft</a:t>
+            </a:r>
+            <a:r>
+              <a:rPr lang="ru-RU" altLang="en-US" sz="2000" dirty="0"/>
+              <a:t> SQL </a:t>
+            </a:r>
+            <a:r>
+              <a:rPr lang="ru-RU" altLang="en-US" sz="2000" dirty="0" err="1"/>
+              <a:t>Server</a:t>
+            </a:r>
+            <a:r>
+              <a:rPr lang="ru-RU" altLang="en-US" sz="2000" dirty="0"/>
+              <a:t> — система управления реляционными базами данных (РСУБД), разработанная корпорацией </a:t>
+            </a:r>
+            <a:r>
+              <a:rPr lang="ru-RU" altLang="en-US" sz="2000" dirty="0" err="1"/>
+              <a:t>Microsoft</a:t>
+            </a:r>
+            <a:r>
+              <a:rPr lang="ru-RU" altLang="en-US" sz="2000" dirty="0"/>
+              <a:t>. </a:t>
+            </a:r>
+          </a:p>
+          <a:p>
+            <a:pPr lvl="1"/>
+            <a:r>
+              <a:rPr lang="ru-RU" altLang="en-US" sz="1800" dirty="0"/>
+              <a:t>Основной используемый язык запросов — </a:t>
+            </a:r>
+            <a:r>
+              <a:rPr lang="ru-RU" altLang="en-US" sz="1800" dirty="0" err="1"/>
+              <a:t>Transact</a:t>
+            </a:r>
+            <a:r>
+              <a:rPr lang="ru-RU" altLang="en-US" sz="1800" dirty="0"/>
+              <a:t>-SQL, создан совместно </a:t>
+            </a:r>
+            <a:r>
+              <a:rPr lang="ru-RU" altLang="en-US" sz="1800" dirty="0" err="1"/>
+              <a:t>Microsoft</a:t>
+            </a:r>
+            <a:r>
+              <a:rPr lang="ru-RU" altLang="en-US" sz="1800" dirty="0"/>
+              <a:t> и </a:t>
+            </a:r>
+            <a:r>
+              <a:rPr lang="ru-RU" altLang="en-US" sz="1800" dirty="0" err="1"/>
+              <a:t>Sybase</a:t>
+            </a:r>
+            <a:r>
+              <a:rPr lang="ru-RU" altLang="en-US" sz="1800" dirty="0"/>
+              <a:t>. </a:t>
+            </a:r>
+          </a:p>
+          <a:p>
+            <a:pPr lvl="1"/>
+            <a:r>
+              <a:rPr lang="ru-RU" altLang="en-US" sz="1800" dirty="0" err="1"/>
+              <a:t>Transact</a:t>
+            </a:r>
+            <a:r>
+              <a:rPr lang="ru-RU" altLang="en-US" sz="1800" dirty="0"/>
+              <a:t>-SQL является реализацией стандарта ANSI/ISO по структурированному языку запросов (SQL) с расширениями. </a:t>
+            </a:r>
+          </a:p>
+          <a:p>
+            <a:pPr lvl="1"/>
+            <a:r>
+              <a:rPr lang="ru-RU" altLang="en-US" sz="1800" dirty="0"/>
+              <a:t>Используется для работы с базами данных размером от персональных до крупных баз данных масштаба предприятия; конкурирует с другими СУБД в этом сегменте рынка.</a:t>
+            </a:r>
+            <a:endParaRPr lang="en-NZ" altLang="en-US" sz="1800" dirty="0"/>
+          </a:p>
+        </p:txBody>
+      </p:sp>
+      <p:sp>
+        <p:nvSpPr>
+          <p:cNvPr id="15365" name="Slide Number Placeholder 5"/>
+          <p:cNvSpPr>
+            <a:spLocks noGrp="1"/>
+          </p:cNvSpPr>
+          <p:nvPr>
+            <p:ph type="sldNum" sz="quarter" idx="12"/>
+          </p:nvPr>
+        </p:nvSpPr>
+        <p:spPr bwMode="auto">
+          <a:noFill/>
+          <a:extLst>
+            <a:ext uri="{909E8E84-426E-40DD-AFC4-6F175D3DCCD1}">
+              <a14:hiddenFill xmlns:a14="http://schemas.microsoft.com/office/drawing/2010/main">
+                <a:solidFill>
+                  <a:srgbClr val="FFFFFF"/>
+                </a:solidFill>
+              </a14:hiddenFill>
+            </a:ext>
+            <a:ext uri="{91240B29-F687-4F45-9708-019B960494DF}">
+              <a14:hiddenLine xmlns:a14="http://schemas.microsoft.com/office/drawing/2010/main" w="9525">
+                <a:solidFill>
+                  <a:srgbClr val="000000"/>
+                </a:solidFill>
+                <a:miter lim="800000"/>
+                <a:headEnd/>
+                <a:tailEnd/>
+              </a14:hiddenLine>
+            </a:ext>
+          </a:extLst>
+        </p:spPr>
+        <p:txBody>
+          <a:bodyPr/>
+          <a:lstStyle>
+            <a:lvl1pPr algn="l" eaLnBrk="0" hangingPunct="0">
+              <a:spcBef>
+                <a:spcPts val="600"/>
+              </a:spcBef>
+              <a:buClr>
+                <a:schemeClr val="accent1"/>
+              </a:buClr>
+              <a:buSzPct val="76000"/>
+              <a:buFont typeface="Wingdings 3" pitchFamily="18" charset="2"/>
+              <a:buChar char=""/>
+              <a:defRPr sz="2600">
+                <a:solidFill>
+                  <a:schemeClr val="tx1"/>
+                </a:solidFill>
+                <a:latin typeface="Gill Sans MT" pitchFamily="34" charset="0"/>
+              </a:defRPr>
+            </a:lvl1pPr>
+            <a:lvl2pPr marL="742950" indent="-285750" algn="l" eaLnBrk="0" hangingPunct="0">
+              <a:spcBef>
+                <a:spcPts val="500"/>
+              </a:spcBef>
+              <a:buClr>
+                <a:schemeClr val="accent2"/>
+              </a:buClr>
+              <a:buSzPct val="76000"/>
+              <a:buFont typeface="Wingdings 3" pitchFamily="18" charset="2"/>
+              <a:buChar char=""/>
+              <a:defRPr sz="2300">
+                <a:solidFill>
+                  <a:schemeClr val="tx2"/>
+                </a:solidFill>
+                <a:latin typeface="Gill Sans MT" pitchFamily="34" charset="0"/>
+              </a:defRPr>
+            </a:lvl2pPr>
+            <a:lvl3pPr marL="1143000" indent="-228600" algn="l" eaLnBrk="0" hangingPunct="0">
+              <a:spcBef>
+                <a:spcPts val="500"/>
+              </a:spcBef>
+              <a:buClr>
+                <a:srgbClr val="BCBCBC"/>
+              </a:buClr>
+              <a:buSzPct val="76000"/>
+              <a:buFont typeface="Wingdings 3" pitchFamily="18" charset="2"/>
+              <a:buChar char=""/>
+              <a:defRPr sz="2000">
+                <a:solidFill>
+                  <a:schemeClr val="tx1"/>
+                </a:solidFill>
+                <a:latin typeface="Gill Sans MT" pitchFamily="34" charset="0"/>
+              </a:defRPr>
+            </a:lvl3pPr>
+            <a:lvl4pPr marL="1600200" indent="-228600" algn="l" eaLnBrk="0" hangingPunct="0">
+              <a:spcBef>
+                <a:spcPts val="400"/>
+              </a:spcBef>
+              <a:buClr>
+                <a:srgbClr val="8BA2B4"/>
+              </a:buClr>
+              <a:buSzPct val="70000"/>
+              <a:buFont typeface="Wingdings" pitchFamily="2" charset="2"/>
+              <a:buChar char=""/>
+              <a:defRPr>
+                <a:solidFill>
+                  <a:schemeClr val="tx1"/>
+                </a:solidFill>
+                <a:latin typeface="Gill Sans MT" pitchFamily="34" charset="0"/>
+              </a:defRPr>
+            </a:lvl4pPr>
+            <a:lvl5pPr marL="2057400" indent="-228600" algn="l" eaLnBrk="0" hangingPunct="0">
+              <a:spcBef>
+                <a:spcPts val="300"/>
+              </a:spcBef>
+              <a:buClr>
+                <a:schemeClr val="accent2"/>
+              </a:buClr>
+              <a:buSzPct val="70000"/>
+              <a:buFont typeface="Wingdings" pitchFamily="2" charset="2"/>
+              <a:buChar char=""/>
+              <a:defRPr sz="1600">
+                <a:solidFill>
+                  <a:schemeClr val="tx1"/>
+                </a:solidFill>
+                <a:latin typeface="Gill Sans MT" pitchFamily="34" charset="0"/>
+              </a:defRPr>
+            </a:lvl5pPr>
+            <a:lvl6pPr marL="2514600" indent="-228600" eaLnBrk="0" fontAlgn="base" hangingPunct="0">
+              <a:spcBef>
+                <a:spcPts val="300"/>
+              </a:spcBef>
+              <a:spcAft>
+                <a:spcPct val="0"/>
+              </a:spcAft>
+              <a:buClr>
+                <a:schemeClr val="accent2"/>
+              </a:buClr>
+              <a:buSzPct val="70000"/>
+              <a:buFont typeface="Wingdings" pitchFamily="2" charset="2"/>
+              <a:buChar char=""/>
+              <a:defRPr sz="1600">
+                <a:solidFill>
+                  <a:schemeClr val="tx1"/>
+                </a:solidFill>
+                <a:latin typeface="Gill Sans MT" pitchFamily="34" charset="0"/>
+              </a:defRPr>
+            </a:lvl6pPr>
+            <a:lvl7pPr marL="2971800" indent="-228600" eaLnBrk="0" fontAlgn="base" hangingPunct="0">
+              <a:spcBef>
+                <a:spcPts val="300"/>
+              </a:spcBef>
+              <a:spcAft>
+                <a:spcPct val="0"/>
+              </a:spcAft>
+              <a:buClr>
+                <a:schemeClr val="accent2"/>
+              </a:buClr>
+              <a:buSzPct val="70000"/>
+              <a:buFont typeface="Wingdings" pitchFamily="2" charset="2"/>
+              <a:buChar char=""/>
+              <a:defRPr sz="1600">
+                <a:solidFill>
+                  <a:schemeClr val="tx1"/>
+                </a:solidFill>
+                <a:latin typeface="Gill Sans MT" pitchFamily="34" charset="0"/>
+              </a:defRPr>
+            </a:lvl7pPr>
+            <a:lvl8pPr marL="3429000" indent="-228600" eaLnBrk="0" fontAlgn="base" hangingPunct="0">
+              <a:spcBef>
+                <a:spcPts val="300"/>
+              </a:spcBef>
+              <a:spcAft>
+                <a:spcPct val="0"/>
+              </a:spcAft>
+              <a:buClr>
+                <a:schemeClr val="accent2"/>
+              </a:buClr>
+              <a:buSzPct val="70000"/>
+              <a:buFont typeface="Wingdings" pitchFamily="2" charset="2"/>
+              <a:buChar char=""/>
+              <a:defRPr sz="1600">
+                <a:solidFill>
+                  <a:schemeClr val="tx1"/>
+                </a:solidFill>
+                <a:latin typeface="Gill Sans MT" pitchFamily="34" charset="0"/>
+              </a:defRPr>
+            </a:lvl8pPr>
+            <a:lvl9pPr marL="3886200" indent="-228600" eaLnBrk="0" fontAlgn="base" hangingPunct="0">
+              <a:spcBef>
+                <a:spcPts val="300"/>
+              </a:spcBef>
+              <a:spcAft>
+                <a:spcPct val="0"/>
+              </a:spcAft>
+              <a:buClr>
+                <a:schemeClr val="accent2"/>
+              </a:buClr>
+              <a:buSzPct val="70000"/>
+              <a:buFont typeface="Wingdings" pitchFamily="2" charset="2"/>
+              <a:buChar char=""/>
+              <a:defRPr sz="1600">
+                <a:solidFill>
+                  <a:schemeClr val="tx1"/>
+                </a:solidFill>
+                <a:latin typeface="Gill Sans MT" pitchFamily="34" charset="0"/>
+              </a:defRPr>
+            </a:lvl9pPr>
+          </a:lstStyle>
+          <a:p>
+            <a:pPr eaLnBrk="1" hangingPunct="1">
+              <a:spcBef>
+                <a:spcPct val="0"/>
+              </a:spcBef>
+              <a:buClrTx/>
+              <a:buSzTx/>
+              <a:buFontTx/>
+              <a:buNone/>
+            </a:pPr>
+            <a:fld id="{5120E5AB-B54E-4A5F-B363-316AF3B338F5}" type="slidenum">
+              <a:rPr lang="en-NZ" altLang="en-US" sz="1400" smtClean="0">
+                <a:solidFill>
+                  <a:schemeClr val="tx2"/>
+                </a:solidFill>
+                <a:latin typeface="Tahoma" pitchFamily="34" charset="0"/>
+              </a:rPr>
+              <a:pPr eaLnBrk="1" hangingPunct="1">
+                <a:spcBef>
+                  <a:spcPct val="0"/>
+                </a:spcBef>
+                <a:buClrTx/>
+                <a:buSzTx/>
+                <a:buFontTx/>
+                <a:buNone/>
+              </a:pPr>
+              <a:t>6</a:t>
+            </a:fld>
+            <a:endParaRPr lang="en-NZ" altLang="en-US" sz="1400">
+              <a:solidFill>
+                <a:schemeClr val="tx2"/>
+              </a:solidFill>
+              <a:latin typeface="Tahoma" pitchFamily="34" charset="0"/>
+            </a:endParaRPr>
+          </a:p>
+        </p:txBody>
+      </p:sp>
+    </p:spTree>
+    <p:extLst>
+      <p:ext uri="{BB962C8B-B14F-4D97-AF65-F5344CB8AC3E}">
+        <p14:creationId xmlns:p14="http://schemas.microsoft.com/office/powerpoint/2010/main" val="2768924506"/>
+      </p:ext>
+    </p:extLst>
+  </p:cSld>
+  <p:clrMapOvr>
+    <a:masterClrMapping/>
+  </p:clrMapOvr>
+</p:sld>
+</file>
+
+<file path=ppt/slides/slide7.xml><?xml version="1.0" encoding="utf-8"?>
 <p:sld xmlns:a="http://schemas.openxmlformats.org/drawingml/2006/main" xmlns:r="http://schemas.openxmlformats.org/officeDocument/2006/relationships" xmlns:p="http://schemas.openxmlformats.org/presentationml/2006/main">
   <p:cSld>
     <p:spTree>
@@ -20806,7 +23510,12 @@
             <p:ph idx="1"/>
           </p:nvPr>
         </p:nvSpPr>
-        <p:spPr/>
+        <p:spPr>
+          <a:xfrm>
+            <a:off x="864382" y="2489200"/>
+            <a:ext cx="7605542" cy="3964136"/>
+          </a:xfrm>
+        </p:spPr>
         <p:txBody>
           <a:bodyPr>
             <a:normAutofit/>
@@ -20817,11 +23526,11 @@
               <a:defRPr/>
             </a:pPr>
             <a:r>
-              <a:rPr lang="ru-RU" dirty="0"/>
+              <a:rPr lang="ru-RU" sz="2000" dirty="0"/>
               <a:t>Настройка работы</a:t>
             </a:r>
             <a:r>
-              <a:rPr lang="en-NZ" dirty="0"/>
+              <a:rPr lang="en-NZ" sz="2000" dirty="0"/>
               <a:t> MSSQL Server Express</a:t>
             </a:r>
           </a:p>
@@ -20830,15 +23539,15 @@
               <a:defRPr/>
             </a:pPr>
             <a:r>
-              <a:rPr lang="ru-RU" dirty="0"/>
+              <a:rPr lang="ru-RU" sz="1800" dirty="0"/>
               <a:t>Скачайте </a:t>
             </a:r>
             <a:r>
-              <a:rPr lang="en-US" dirty="0"/>
+              <a:rPr lang="en-US" sz="1800" dirty="0"/>
               <a:t>MSSQL Server Express </a:t>
             </a:r>
             <a:r>
-              <a:rPr lang="ru-RU" dirty="0"/>
+              <a:rPr lang="ru-RU" sz="1800" dirty="0"/>
               <a:t>с официального сайта</a:t>
             </a:r>
           </a:p>
@@ -20847,7 +23556,7 @@
               <a:defRPr/>
             </a:pPr>
             <a:r>
-              <a:rPr lang="ru-RU" dirty="0"/>
+              <a:rPr lang="ru-RU" sz="1800" dirty="0"/>
               <a:t>Установите его.</a:t>
             </a:r>
           </a:p>
@@ -20856,15 +23565,15 @@
               <a:defRPr/>
             </a:pPr>
             <a:r>
-              <a:rPr lang="ru-RU" dirty="0"/>
+              <a:rPr lang="ru-RU" sz="1800" dirty="0"/>
               <a:t>Важно: при установке используйте </a:t>
             </a:r>
             <a:r>
-              <a:rPr lang="en-US" dirty="0"/>
+              <a:rPr lang="en-US" sz="1800" dirty="0"/>
               <a:t>Named Instance, </a:t>
             </a:r>
             <a:r>
-              <a:rPr lang="ru-RU" dirty="0"/>
+              <a:rPr lang="ru-RU" sz="1800" dirty="0"/>
               <a:t>это позволит вам избежать проблем в дальнейшем</a:t>
             </a:r>
           </a:p>
@@ -20873,15 +23582,15 @@
               <a:defRPr/>
             </a:pPr>
             <a:r>
-              <a:rPr lang="ru-RU" dirty="0"/>
+              <a:rPr lang="ru-RU" sz="1800" dirty="0"/>
               <a:t>Откройте </a:t>
             </a:r>
             <a:r>
-              <a:rPr lang="en-US" dirty="0"/>
+              <a:rPr lang="en-US" sz="1800" dirty="0"/>
               <a:t>MSSQL Server Configuration Manager </a:t>
             </a:r>
             <a:r>
-              <a:rPr lang="ru-RU" dirty="0"/>
+              <a:rPr lang="ru-RU" sz="1800" dirty="0"/>
               <a:t>и запустите сервер базы данных</a:t>
             </a:r>
           </a:p>
@@ -20890,18 +23599,18 @@
               <a:defRPr/>
             </a:pPr>
             <a:r>
-              <a:rPr lang="ru-RU" dirty="0"/>
+              <a:rPr lang="ru-RU" sz="1800" dirty="0"/>
               <a:t>Откройте </a:t>
             </a:r>
             <a:r>
-              <a:rPr lang="en-US" dirty="0"/>
+              <a:rPr lang="en-US" sz="1800" dirty="0"/>
               <a:t>MSSQL Management Studio </a:t>
             </a:r>
             <a:r>
-              <a:rPr lang="ru-RU" dirty="0"/>
+              <a:rPr lang="ru-RU" sz="1800" dirty="0"/>
               <a:t>и убедитесь, что можете подключиться с серверу</a:t>
             </a:r>
-            <a:endParaRPr lang="en-NZ" dirty="0"/>
+            <a:endParaRPr lang="en-NZ" sz="1800" dirty="0"/>
           </a:p>
         </p:txBody>
       </p:sp>
@@ -21132,7 +23841,7 @@
                 <a:buFontTx/>
                 <a:buNone/>
               </a:pPr>
-              <a:t>5</a:t>
+              <a:t>7</a:t>
             </a:fld>
             <a:endParaRPr lang="en-NZ" altLang="en-US" sz="1400">
               <a:solidFill>
@@ -21151,7 +23860,7 @@
 </p:sld>
 </file>
 
-<file path=ppt/slides/slide6.xml><?xml version="1.0" encoding="utf-8"?>
+<file path=ppt/slides/slide8.xml><?xml version="1.0" encoding="utf-8"?>
 <p:sld xmlns:a="http://schemas.openxmlformats.org/drawingml/2006/main" xmlns:r="http://schemas.openxmlformats.org/officeDocument/2006/relationships" xmlns:p="http://schemas.openxmlformats.org/presentationml/2006/main">
   <p:cSld>
     <p:spTree>
@@ -21418,7 +24127,7 @@
                 <a:buFontTx/>
                 <a:buNone/>
               </a:pPr>
-              <a:t>6</a:t>
+              <a:t>8</a:t>
             </a:fld>
             <a:endParaRPr lang="en-NZ" altLang="en-US" sz="1400">
               <a:solidFill>
@@ -21486,7 +24195,6 @@
               <a:rPr lang="en-US" dirty="0"/>
               <a:t>Microsoft</a:t>
             </a:r>
-            <a:endParaRPr lang="en-US" dirty="0"/>
           </a:p>
         </p:txBody>
       </p:sp>
@@ -21494,304 +24202,6 @@
     <p:extLst>
       <p:ext uri="{BB962C8B-B14F-4D97-AF65-F5344CB8AC3E}">
         <p14:creationId xmlns:p14="http://schemas.microsoft.com/office/powerpoint/2010/main" val="749542462"/>
-      </p:ext>
-    </p:extLst>
-  </p:cSld>
-  <p:clrMapOvr>
-    <a:masterClrMapping/>
-  </p:clrMapOvr>
-</p:sld>
-</file>
-
-<file path=ppt/slides/slide7.xml><?xml version="1.0" encoding="utf-8"?>
-<p:sld xmlns:a="http://schemas.openxmlformats.org/drawingml/2006/main" xmlns:r="http://schemas.openxmlformats.org/officeDocument/2006/relationships" xmlns:p="http://schemas.openxmlformats.org/presentationml/2006/main">
-  <p:cSld>
-    <p:spTree>
-      <p:nvGrpSpPr>
-        <p:cNvPr id="1" name=""/>
-        <p:cNvGrpSpPr/>
-        <p:nvPr/>
-      </p:nvGrpSpPr>
-      <p:grpSpPr>
-        <a:xfrm>
-          <a:off x="0" y="0"/>
-          <a:ext cx="0" cy="0"/>
-          <a:chOff x="0" y="0"/>
-          <a:chExt cx="0" cy="0"/>
-        </a:xfrm>
-      </p:grpSpPr>
-      <p:sp>
-        <p:nvSpPr>
-          <p:cNvPr id="2" name="Title 1"/>
-          <p:cNvSpPr>
-            <a:spLocks noGrp="1"/>
-          </p:cNvSpPr>
-          <p:nvPr>
-            <p:ph type="title"/>
-          </p:nvPr>
-        </p:nvSpPr>
-        <p:spPr/>
-        <p:txBody>
-          <a:bodyPr/>
-          <a:lstStyle/>
-          <a:p>
-            <a:r>
-              <a:rPr lang="ru-RU" dirty="0"/>
-              <a:t>Настройка </a:t>
-            </a:r>
-            <a:r>
-              <a:rPr lang="en-US" dirty="0"/>
-              <a:t>.NET </a:t>
-            </a:r>
-            <a:r>
-              <a:rPr lang="ru-RU" dirty="0"/>
-              <a:t>среды</a:t>
-            </a:r>
-            <a:endParaRPr lang="en-NZ" dirty="0"/>
-          </a:p>
-        </p:txBody>
-      </p:sp>
-      <p:sp>
-        <p:nvSpPr>
-          <p:cNvPr id="3" name="Content Placeholder 2"/>
-          <p:cNvSpPr>
-            <a:spLocks noGrp="1"/>
-          </p:cNvSpPr>
-          <p:nvPr>
-            <p:ph idx="1"/>
-          </p:nvPr>
-        </p:nvSpPr>
-        <p:spPr>
-          <a:xfrm>
-            <a:off x="864382" y="2489200"/>
-            <a:ext cx="7605542" cy="3530600"/>
-          </a:xfrm>
-        </p:spPr>
-        <p:txBody>
-          <a:bodyPr>
-            <a:normAutofit fontScale="85000" lnSpcReduction="20000"/>
-          </a:bodyPr>
-          <a:lstStyle/>
-          <a:p>
-            <a:r>
-              <a:rPr lang="ru-RU" sz="2400" dirty="0"/>
-              <a:t>Создайте проект или откройте существующий</a:t>
-            </a:r>
-          </a:p>
-          <a:p>
-            <a:r>
-              <a:rPr lang="ru-RU" sz="2400" dirty="0"/>
-              <a:t>Используя </a:t>
-            </a:r>
-            <a:r>
-              <a:rPr lang="en-US" sz="2400" dirty="0" err="1"/>
-              <a:t>NuGet</a:t>
-            </a:r>
-            <a:r>
-              <a:rPr lang="en-US" sz="2400" dirty="0"/>
-              <a:t> Packages </a:t>
-            </a:r>
-            <a:r>
-              <a:rPr lang="ru-RU" sz="2400" dirty="0"/>
-              <a:t>или </a:t>
-            </a:r>
-            <a:r>
-              <a:rPr lang="en-US" sz="2400" dirty="0"/>
-              <a:t>Package Manager Console </a:t>
-            </a:r>
-            <a:r>
-              <a:rPr lang="ru-RU" sz="2400" dirty="0"/>
-              <a:t>установите себе один из следующих фреймворков:</a:t>
-            </a:r>
-          </a:p>
-          <a:p>
-            <a:pPr lvl="1"/>
-            <a:r>
-              <a:rPr lang="en-US" sz="2200" dirty="0"/>
-              <a:t>Entity Framework</a:t>
-            </a:r>
-          </a:p>
-          <a:p>
-            <a:pPr lvl="1"/>
-            <a:r>
-              <a:rPr lang="en-US" sz="2200" dirty="0"/>
-              <a:t>ADO.NET</a:t>
-            </a:r>
-          </a:p>
-          <a:p>
-            <a:r>
-              <a:rPr lang="ru-RU" sz="2400" dirty="0"/>
-              <a:t>Используя </a:t>
-            </a:r>
-            <a:r>
-              <a:rPr lang="en-US" sz="2400" dirty="0"/>
-              <a:t>Server Explorer </a:t>
-            </a:r>
-            <a:r>
-              <a:rPr lang="ru-RU" sz="2400" dirty="0"/>
-              <a:t>подключитесь к своей базе данных и узнайте необходимую вам строку подключения</a:t>
-            </a:r>
-          </a:p>
-          <a:p>
-            <a:r>
-              <a:rPr lang="ru-RU" sz="2400" dirty="0"/>
-              <a:t>Внесите найденную вами строку подключения в раздел </a:t>
-            </a:r>
-            <a:r>
-              <a:rPr lang="en-US" sz="2400" dirty="0"/>
-              <a:t>connection strings </a:t>
-            </a:r>
-            <a:r>
-              <a:rPr lang="ru-RU" sz="2400" dirty="0"/>
-              <a:t>в файле </a:t>
-            </a:r>
-            <a:r>
-              <a:rPr lang="en-US" sz="2400" dirty="0" err="1"/>
-              <a:t>web.config</a:t>
-            </a:r>
-            <a:endParaRPr lang="en-NZ" sz="2400" dirty="0"/>
-          </a:p>
-        </p:txBody>
-      </p:sp>
-      <p:sp>
-        <p:nvSpPr>
-          <p:cNvPr id="6" name="Slide Number Placeholder 5"/>
-          <p:cNvSpPr>
-            <a:spLocks noGrp="1"/>
-          </p:cNvSpPr>
-          <p:nvPr>
-            <p:ph type="sldNum" sz="quarter" idx="12"/>
-          </p:nvPr>
-        </p:nvSpPr>
-        <p:spPr/>
-        <p:txBody>
-          <a:bodyPr/>
-          <a:lstStyle/>
-          <a:p>
-            <a:pPr>
-              <a:defRPr/>
-            </a:pPr>
-            <a:fld id="{886A1C6C-4D23-41EE-A564-0F6045F438D4}" type="slidenum">
-              <a:rPr lang="en-NZ" smtClean="0"/>
-              <a:pPr>
-                <a:defRPr/>
-              </a:pPr>
-              <a:t>7</a:t>
-            </a:fld>
-            <a:endParaRPr lang="en-NZ"/>
-          </a:p>
-        </p:txBody>
-      </p:sp>
-    </p:spTree>
-    <p:extLst>
-      <p:ext uri="{BB962C8B-B14F-4D97-AF65-F5344CB8AC3E}">
-        <p14:creationId xmlns:p14="http://schemas.microsoft.com/office/powerpoint/2010/main" val="861834176"/>
-      </p:ext>
-    </p:extLst>
-  </p:cSld>
-  <p:clrMapOvr>
-    <a:masterClrMapping/>
-  </p:clrMapOvr>
-</p:sld>
-</file>
-
-<file path=ppt/slides/slide8.xml><?xml version="1.0" encoding="utf-8"?>
-<p:sld xmlns:a="http://schemas.openxmlformats.org/drawingml/2006/main" xmlns:r="http://schemas.openxmlformats.org/officeDocument/2006/relationships" xmlns:p="http://schemas.openxmlformats.org/presentationml/2006/main">
-  <p:cSld>
-    <p:spTree>
-      <p:nvGrpSpPr>
-        <p:cNvPr id="1" name=""/>
-        <p:cNvGrpSpPr/>
-        <p:nvPr/>
-      </p:nvGrpSpPr>
-      <p:grpSpPr>
-        <a:xfrm>
-          <a:off x="0" y="0"/>
-          <a:ext cx="0" cy="0"/>
-          <a:chOff x="0" y="0"/>
-          <a:chExt cx="0" cy="0"/>
-        </a:xfrm>
-      </p:grpSpPr>
-      <p:sp>
-        <p:nvSpPr>
-          <p:cNvPr id="2" name="Title 1"/>
-          <p:cNvSpPr>
-            <a:spLocks noGrp="1"/>
-          </p:cNvSpPr>
-          <p:nvPr>
-            <p:ph type="title"/>
-          </p:nvPr>
-        </p:nvSpPr>
-        <p:spPr/>
-        <p:txBody>
-          <a:bodyPr/>
-          <a:lstStyle/>
-          <a:p>
-            <a:r>
-              <a:rPr lang="en-US" dirty="0"/>
-              <a:t>Package Manager Console</a:t>
-            </a:r>
-            <a:endParaRPr lang="en-NZ" dirty="0"/>
-          </a:p>
-        </p:txBody>
-      </p:sp>
-      <p:sp>
-        <p:nvSpPr>
-          <p:cNvPr id="6" name="Slide Number Placeholder 5"/>
-          <p:cNvSpPr>
-            <a:spLocks noGrp="1"/>
-          </p:cNvSpPr>
-          <p:nvPr>
-            <p:ph type="sldNum" sz="quarter" idx="12"/>
-          </p:nvPr>
-        </p:nvSpPr>
-        <p:spPr/>
-        <p:txBody>
-          <a:bodyPr/>
-          <a:lstStyle/>
-          <a:p>
-            <a:pPr>
-              <a:defRPr/>
-            </a:pPr>
-            <a:fld id="{886A1C6C-4D23-41EE-A564-0F6045F438D4}" type="slidenum">
-              <a:rPr lang="en-NZ" smtClean="0"/>
-              <a:pPr>
-                <a:defRPr/>
-              </a:pPr>
-              <a:t>8</a:t>
-            </a:fld>
-            <a:endParaRPr lang="en-NZ"/>
-          </a:p>
-        </p:txBody>
-      </p:sp>
-      <p:pic>
-        <p:nvPicPr>
-          <p:cNvPr id="5" name="Picture 4"/>
-          <p:cNvPicPr>
-            <a:picLocks noChangeAspect="1"/>
-          </p:cNvPicPr>
-          <p:nvPr/>
-        </p:nvPicPr>
-        <p:blipFill>
-          <a:blip r:embed="rId2"/>
-          <a:stretch>
-            <a:fillRect/>
-          </a:stretch>
-        </p:blipFill>
-        <p:spPr>
-          <a:xfrm>
-            <a:off x="683568" y="2564904"/>
-            <a:ext cx="7786356" cy="3672408"/>
-          </a:xfrm>
-          <a:prstGeom prst="rect">
-            <a:avLst/>
-          </a:prstGeom>
-        </p:spPr>
-      </p:pic>
-    </p:spTree>
-    <p:extLst>
-      <p:ext uri="{BB962C8B-B14F-4D97-AF65-F5344CB8AC3E}">
-        <p14:creationId xmlns:p14="http://schemas.microsoft.com/office/powerpoint/2010/main" val="1596753486"/>
       </p:ext>
     </p:extLst>
   </p:cSld>
@@ -21834,14 +24244,120 @@
           <a:lstStyle/>
           <a:p>
             <a:r>
-              <a:rPr lang="en-US" dirty="0" err="1"/>
+              <a:rPr lang="ru-RU" dirty="0"/>
+              <a:t>Настройка </a:t>
+            </a:r>
+            <a:r>
+              <a:rPr lang="en-US" dirty="0"/>
+              <a:t>.NET </a:t>
+            </a:r>
+            <a:r>
+              <a:rPr lang="ru-RU" dirty="0"/>
+              <a:t>среды</a:t>
+            </a:r>
+            <a:endParaRPr lang="en-NZ" dirty="0"/>
+          </a:p>
+        </p:txBody>
+      </p:sp>
+      <p:sp>
+        <p:nvSpPr>
+          <p:cNvPr id="3" name="Content Placeholder 2"/>
+          <p:cNvSpPr>
+            <a:spLocks noGrp="1"/>
+          </p:cNvSpPr>
+          <p:nvPr>
+            <p:ph idx="1"/>
+          </p:nvPr>
+        </p:nvSpPr>
+        <p:spPr>
+          <a:xfrm>
+            <a:off x="864382" y="2489200"/>
+            <a:ext cx="7605542" cy="3530600"/>
+          </a:xfrm>
+        </p:spPr>
+        <p:txBody>
+          <a:bodyPr>
+            <a:normAutofit fontScale="85000" lnSpcReduction="20000"/>
+          </a:bodyPr>
+          <a:lstStyle/>
+          <a:p>
+            <a:r>
+              <a:rPr lang="ru-RU" sz="2400" dirty="0"/>
+              <a:t>Создайте проект или откройте существующий</a:t>
+            </a:r>
+          </a:p>
+          <a:p>
+            <a:r>
+              <a:rPr lang="ru-RU" sz="2400" dirty="0"/>
+              <a:t>Используя </a:t>
+            </a:r>
+            <a:r>
+              <a:rPr lang="en-US" sz="2400" dirty="0" err="1"/>
               <a:t>NuGet</a:t>
             </a:r>
             <a:r>
-              <a:rPr lang="en-US" dirty="0"/>
-              <a:t> Package Manager</a:t>
-            </a:r>
-            <a:endParaRPr lang="en-NZ" dirty="0"/>
+              <a:rPr lang="en-US" sz="2400" dirty="0"/>
+              <a:t> Packages </a:t>
+            </a:r>
+            <a:r>
+              <a:rPr lang="ru-RU" sz="2400" dirty="0"/>
+              <a:t>или </a:t>
+            </a:r>
+            <a:r>
+              <a:rPr lang="en-US" sz="2400" dirty="0"/>
+              <a:t>Package Manager Console </a:t>
+            </a:r>
+            <a:r>
+              <a:rPr lang="ru-RU" sz="2400" dirty="0"/>
+              <a:t>установите себе один из следующих фреймворков:</a:t>
+            </a:r>
+          </a:p>
+          <a:p>
+            <a:pPr lvl="1"/>
+            <a:r>
+              <a:rPr lang="en-US" sz="2200" dirty="0"/>
+              <a:t>Entity Framework</a:t>
+            </a:r>
+          </a:p>
+          <a:p>
+            <a:pPr lvl="1"/>
+            <a:r>
+              <a:rPr lang="en-US" sz="2200" dirty="0"/>
+              <a:t>ADO.NET</a:t>
+            </a:r>
+          </a:p>
+          <a:p>
+            <a:r>
+              <a:rPr lang="ru-RU" sz="2400" dirty="0"/>
+              <a:t>Используя </a:t>
+            </a:r>
+            <a:r>
+              <a:rPr lang="en-US" sz="2400" dirty="0"/>
+              <a:t>Server Explorer </a:t>
+            </a:r>
+            <a:r>
+              <a:rPr lang="ru-RU" sz="2400" dirty="0"/>
+              <a:t>подключитесь к своей базе данных и узнайте необходимую вам строку подключения</a:t>
+            </a:r>
+          </a:p>
+          <a:p>
+            <a:r>
+              <a:rPr lang="ru-RU" sz="2400" dirty="0"/>
+              <a:t>Внесите найденную вами строку подключения в раздел </a:t>
+            </a:r>
+            <a:r>
+              <a:rPr lang="en-US" sz="2400" dirty="0"/>
+              <a:t>connection strings </a:t>
+            </a:r>
+            <a:r>
+              <a:rPr lang="ru-RU" sz="2400" dirty="0"/>
+              <a:t>в файле </a:t>
+            </a:r>
+            <a:r>
+              <a:rPr lang="en-US" sz="2400" dirty="0" err="1"/>
+              <a:t>web.config</a:t>
+            </a:r>
+            <a:endParaRPr lang="en-NZ" sz="2400" dirty="0"/>
           </a:p>
         </p:txBody>
       </p:sp>
@@ -21874,34 +24390,10 @@
           </a:p>
         </p:txBody>
       </p:sp>
-      <p:pic>
-        <p:nvPicPr>
-          <p:cNvPr id="3" name="Picture 2"/>
-          <p:cNvPicPr>
-            <a:picLocks noChangeAspect="1"/>
-          </p:cNvPicPr>
-          <p:nvPr/>
-        </p:nvPicPr>
-        <p:blipFill>
-          <a:blip r:embed="rId2"/>
-          <a:stretch>
-            <a:fillRect/>
-          </a:stretch>
-        </p:blipFill>
-        <p:spPr>
-          <a:xfrm>
-            <a:off x="539552" y="2260646"/>
-            <a:ext cx="7930372" cy="4408714"/>
-          </a:xfrm>
-          <a:prstGeom prst="rect">
-            <a:avLst/>
-          </a:prstGeom>
-        </p:spPr>
-      </p:pic>
     </p:spTree>
     <p:extLst>
       <p:ext uri="{BB962C8B-B14F-4D97-AF65-F5344CB8AC3E}">
-        <p14:creationId xmlns:p14="http://schemas.microsoft.com/office/powerpoint/2010/main" val="3404539643"/>
+        <p14:creationId xmlns:p14="http://schemas.microsoft.com/office/powerpoint/2010/main" val="861834176"/>
       </p:ext>
     </p:extLst>
   </p:cSld>
